--- a/Scripts/test_manual_v4_2_support_module_results_from_4_2_scripts.pptx
+++ b/Scripts/test_manual_v4_2_support_module_results_from_4_2_scripts.pptx
@@ -1504,7 +1504,6 @@
           </a:p>
         </c:rich>
       </c:tx>
-      <c:layout/>
       <c:overlay val="0"/>
       <c:spPr>
         <a:noFill/>
@@ -1605,7 +1604,6 @@
             <c:showLeaderLines val="0"/>
             <c:extLst>
               <c:ext xmlns:c15="http://schemas.microsoft.com/office/drawing/2012/chart" uri="{CE6537A1-D6FC-4f65-9D91-7224C49458BB}">
-                <c15:layout/>
                 <c15:showLeaderLines val="1"/>
                 <c15:leaderLines>
                   <c:spPr>
@@ -1729,7 +1727,6 @@
             <c:showLeaderLines val="0"/>
             <c:extLst>
               <c:ext xmlns:c15="http://schemas.microsoft.com/office/drawing/2012/chart" uri="{CE6537A1-D6FC-4f65-9D91-7224C49458BB}">
-                <c15:layout/>
                 <c15:showLeaderLines val="1"/>
                 <c15:leaderLines>
                   <c:spPr>
@@ -1853,7 +1850,6 @@
             <c:showLeaderLines val="0"/>
             <c:extLst>
               <c:ext xmlns:c15="http://schemas.microsoft.com/office/drawing/2012/chart" uri="{CE6537A1-D6FC-4f65-9D91-7224C49458BB}">
-                <c15:layout/>
                 <c15:showLeaderLines val="1"/>
                 <c15:leaderLines>
                   <c:spPr>
@@ -1977,7 +1973,6 @@
             <c:showLeaderLines val="0"/>
             <c:extLst>
               <c:ext xmlns:c15="http://schemas.microsoft.com/office/drawing/2012/chart" uri="{CE6537A1-D6FC-4f65-9D91-7224C49458BB}">
-                <c15:layout/>
                 <c15:showLeaderLines val="1"/>
                 <c15:leaderLines>
                   <c:spPr>
@@ -2101,7 +2096,6 @@
             <c:showLeaderLines val="0"/>
             <c:extLst>
               <c:ext xmlns:c15="http://schemas.microsoft.com/office/drawing/2012/chart" uri="{CE6537A1-D6FC-4f65-9D91-7224C49458BB}">
-                <c15:layout/>
                 <c15:showLeaderLines val="1"/>
                 <c15:leaderLines>
                   <c:spPr>
@@ -2225,7 +2219,6 @@
             <c:showLeaderLines val="0"/>
             <c:extLst>
               <c:ext xmlns:c15="http://schemas.microsoft.com/office/drawing/2012/chart" uri="{CE6537A1-D6FC-4f65-9D91-7224C49458BB}">
-                <c15:layout/>
                 <c15:showLeaderLines val="1"/>
                 <c15:leaderLines>
                   <c:spPr>
@@ -2351,7 +2344,6 @@
             <c:showLeaderLines val="0"/>
             <c:extLst>
               <c:ext xmlns:c15="http://schemas.microsoft.com/office/drawing/2012/chart" uri="{CE6537A1-D6FC-4f65-9D91-7224C49458BB}">
-                <c15:layout/>
                 <c15:showLeaderLines val="1"/>
                 <c15:leaderLines>
                   <c:spPr>
@@ -2477,7 +2469,6 @@
             <c:showLeaderLines val="0"/>
             <c:extLst>
               <c:ext xmlns:c15="http://schemas.microsoft.com/office/drawing/2012/chart" uri="{CE6537A1-D6FC-4f65-9D91-7224C49458BB}">
-                <c15:layout/>
                 <c15:showLeaderLines val="1"/>
                 <c15:leaderLines>
                   <c:spPr>
@@ -2603,7 +2594,6 @@
             <c:showLeaderLines val="0"/>
             <c:extLst>
               <c:ext xmlns:c15="http://schemas.microsoft.com/office/drawing/2012/chart" uri="{CE6537A1-D6FC-4f65-9D91-7224C49458BB}">
-                <c15:layout/>
                 <c15:showLeaderLines val="1"/>
                 <c15:leaderLines>
                   <c:spPr>
@@ -2793,7 +2783,6 @@
     </c:plotArea>
     <c:legend>
       <c:legendPos val="b"/>
-      <c:layout/>
       <c:overlay val="0"/>
       <c:spPr>
         <a:noFill/>
@@ -2890,7 +2879,6 @@
           </a:p>
         </c:rich>
       </c:tx>
-      <c:layout/>
       <c:overlay val="0"/>
       <c:spPr>
         <a:noFill/>
@@ -2954,7 +2942,6 @@
           <c:dLbls>
             <c:dLbl>
               <c:idx val="1"/>
-              <c:layout/>
               <c:tx>
                 <c:rich>
                   <a:bodyPr/>
@@ -2975,9 +2962,7 @@
               <c:showPercent val="0"/>
               <c:showBubbleSize val="0"/>
               <c:extLst>
-                <c:ext xmlns:c15="http://schemas.microsoft.com/office/drawing/2012/chart" uri="{CE6537A1-D6FC-4f65-9D91-7224C49458BB}">
-                  <c15:layout/>
-                </c:ext>
+                <c:ext xmlns:c15="http://schemas.microsoft.com/office/drawing/2012/chart" uri="{CE6537A1-D6FC-4f65-9D91-7224C49458BB}"/>
                 <c:ext xmlns:c16="http://schemas.microsoft.com/office/drawing/2014/chart" uri="{C3380CC4-5D6E-409C-BE32-E72D297353CC}">
                   <c16:uniqueId val="{00000000-EC03-47DE-BB44-468187A93A66}"/>
                 </c:ext>
@@ -3022,7 +3007,6 @@
             <c:showLeaderLines val="0"/>
             <c:extLst>
               <c:ext xmlns:c15="http://schemas.microsoft.com/office/drawing/2012/chart" uri="{CE6537A1-D6FC-4f65-9D91-7224C49458BB}">
-                <c15:layout/>
                 <c15:showLeaderLines val="1"/>
                 <c15:leaderLines>
                   <c:spPr>
@@ -3103,7 +3087,6 @@
           <c:dLbls>
             <c:dLbl>
               <c:idx val="0"/>
-              <c:layout/>
               <c:tx>
                 <c:rich>
                   <a:bodyPr/>
@@ -3124,9 +3107,7 @@
               <c:showPercent val="0"/>
               <c:showBubbleSize val="0"/>
               <c:extLst>
-                <c:ext xmlns:c15="http://schemas.microsoft.com/office/drawing/2012/chart" uri="{CE6537A1-D6FC-4f65-9D91-7224C49458BB}">
-                  <c15:layout/>
-                </c:ext>
+                <c:ext xmlns:c15="http://schemas.microsoft.com/office/drawing/2012/chart" uri="{CE6537A1-D6FC-4f65-9D91-7224C49458BB}"/>
                 <c:ext xmlns:c16="http://schemas.microsoft.com/office/drawing/2014/chart" uri="{C3380CC4-5D6E-409C-BE32-E72D297353CC}">
                   <c16:uniqueId val="{00000002-EC03-47DE-BB44-468187A93A66}"/>
                 </c:ext>
@@ -3171,7 +3152,6 @@
             <c:showLeaderLines val="0"/>
             <c:extLst>
               <c:ext xmlns:c15="http://schemas.microsoft.com/office/drawing/2012/chart" uri="{CE6537A1-D6FC-4f65-9D91-7224C49458BB}">
-                <c15:layout/>
                 <c15:showLeaderLines val="1"/>
                 <c15:leaderLines>
                   <c:spPr>
@@ -3252,7 +3232,6 @@
           <c:dLbls>
             <c:dLbl>
               <c:idx val="1"/>
-              <c:layout/>
               <c:tx>
                 <c:rich>
                   <a:bodyPr/>
@@ -3273,9 +3252,7 @@
               <c:showPercent val="0"/>
               <c:showBubbleSize val="0"/>
               <c:extLst>
-                <c:ext xmlns:c15="http://schemas.microsoft.com/office/drawing/2012/chart" uri="{CE6537A1-D6FC-4f65-9D91-7224C49458BB}">
-                  <c15:layout/>
-                </c:ext>
+                <c:ext xmlns:c15="http://schemas.microsoft.com/office/drawing/2012/chart" uri="{CE6537A1-D6FC-4f65-9D91-7224C49458BB}"/>
                 <c:ext xmlns:c16="http://schemas.microsoft.com/office/drawing/2014/chart" uri="{C3380CC4-5D6E-409C-BE32-E72D297353CC}">
                   <c16:uniqueId val="{00000004-EC03-47DE-BB44-468187A93A66}"/>
                 </c:ext>
@@ -3320,7 +3297,6 @@
             <c:showLeaderLines val="0"/>
             <c:extLst>
               <c:ext xmlns:c15="http://schemas.microsoft.com/office/drawing/2012/chart" uri="{CE6537A1-D6FC-4f65-9D91-7224C49458BB}">
-                <c15:layout/>
                 <c15:showLeaderLines val="1"/>
                 <c15:leaderLines>
                   <c:spPr>
@@ -3401,7 +3377,6 @@
           <c:dLbls>
             <c:dLbl>
               <c:idx val="1"/>
-              <c:layout/>
               <c:tx>
                 <c:rich>
                   <a:bodyPr/>
@@ -3422,9 +3397,7 @@
               <c:showPercent val="0"/>
               <c:showBubbleSize val="0"/>
               <c:extLst>
-                <c:ext xmlns:c15="http://schemas.microsoft.com/office/drawing/2012/chart" uri="{CE6537A1-D6FC-4f65-9D91-7224C49458BB}">
-                  <c15:layout/>
-                </c:ext>
+                <c:ext xmlns:c15="http://schemas.microsoft.com/office/drawing/2012/chart" uri="{CE6537A1-D6FC-4f65-9D91-7224C49458BB}"/>
                 <c:ext xmlns:c16="http://schemas.microsoft.com/office/drawing/2014/chart" uri="{C3380CC4-5D6E-409C-BE32-E72D297353CC}">
                   <c16:uniqueId val="{00000006-EC03-47DE-BB44-468187A93A66}"/>
                 </c:ext>
@@ -3469,7 +3442,6 @@
             <c:showLeaderLines val="0"/>
             <c:extLst>
               <c:ext xmlns:c15="http://schemas.microsoft.com/office/drawing/2012/chart" uri="{CE6537A1-D6FC-4f65-9D91-7224C49458BB}">
-                <c15:layout/>
                 <c15:showLeaderLines val="1"/>
                 <c15:leaderLines>
                   <c:spPr>
@@ -3587,7 +3559,6 @@
             <c:showLeaderLines val="0"/>
             <c:extLst>
               <c:ext xmlns:c15="http://schemas.microsoft.com/office/drawing/2012/chart" uri="{CE6537A1-D6FC-4f65-9D91-7224C49458BB}">
-                <c15:layout/>
                 <c15:showLeaderLines val="1"/>
                 <c15:leaderLines>
                   <c:spPr>
@@ -3705,7 +3676,6 @@
             <c:showLeaderLines val="0"/>
             <c:extLst>
               <c:ext xmlns:c15="http://schemas.microsoft.com/office/drawing/2012/chart" uri="{CE6537A1-D6FC-4f65-9D91-7224C49458BB}">
-                <c15:layout/>
                 <c15:showLeaderLines val="1"/>
                 <c15:leaderLines>
                   <c:spPr>
@@ -3825,7 +3795,6 @@
             <c:showLeaderLines val="0"/>
             <c:extLst>
               <c:ext xmlns:c15="http://schemas.microsoft.com/office/drawing/2012/chart" uri="{CE6537A1-D6FC-4f65-9D91-7224C49458BB}">
-                <c15:layout/>
                 <c15:showLeaderLines val="1"/>
                 <c15:leaderLines>
                   <c:spPr>
@@ -3945,7 +3914,6 @@
             <c:showLeaderLines val="0"/>
             <c:extLst>
               <c:ext xmlns:c15="http://schemas.microsoft.com/office/drawing/2012/chart" uri="{CE6537A1-D6FC-4f65-9D91-7224C49458BB}">
-                <c15:layout/>
                 <c15:showLeaderLines val="1"/>
                 <c15:leaderLines>
                   <c:spPr>
@@ -4065,7 +4033,6 @@
             <c:showLeaderLines val="0"/>
             <c:extLst>
               <c:ext xmlns:c15="http://schemas.microsoft.com/office/drawing/2012/chart" uri="{CE6537A1-D6FC-4f65-9D91-7224C49458BB}">
-                <c15:layout/>
                 <c15:showLeaderLines val="1"/>
                 <c15:leaderLines>
                   <c:spPr>
@@ -4249,7 +4216,6 @@
     </c:plotArea>
     <c:legend>
       <c:legendPos val="b"/>
-      <c:layout/>
       <c:overlay val="0"/>
       <c:spPr>
         <a:noFill/>
@@ -4346,7 +4312,6 @@
           </a:p>
         </c:rich>
       </c:tx>
-      <c:layout/>
       <c:overlay val="0"/>
       <c:spPr>
         <a:noFill/>
@@ -4410,7 +4375,6 @@
           <c:dLbls>
             <c:dLbl>
               <c:idx val="0"/>
-              <c:layout/>
               <c:tx>
                 <c:rich>
                   <a:bodyPr/>
@@ -4431,9 +4395,7 @@
               <c:showPercent val="0"/>
               <c:showBubbleSize val="0"/>
               <c:extLst>
-                <c:ext xmlns:c15="http://schemas.microsoft.com/office/drawing/2012/chart" uri="{CE6537A1-D6FC-4f65-9D91-7224C49458BB}">
-                  <c15:layout/>
-                </c:ext>
+                <c:ext xmlns:c15="http://schemas.microsoft.com/office/drawing/2012/chart" uri="{CE6537A1-D6FC-4f65-9D91-7224C49458BB}"/>
                 <c:ext xmlns:c16="http://schemas.microsoft.com/office/drawing/2014/chart" uri="{C3380CC4-5D6E-409C-BE32-E72D297353CC}">
                   <c16:uniqueId val="{00000000-A800-4BC5-AB68-7DF72537DD41}"/>
                 </c:ext>
@@ -4441,7 +4403,6 @@
             </c:dLbl>
             <c:dLbl>
               <c:idx val="1"/>
-              <c:layout/>
               <c:tx>
                 <c:rich>
                   <a:bodyPr/>
@@ -4462,9 +4423,7 @@
               <c:showPercent val="0"/>
               <c:showBubbleSize val="0"/>
               <c:extLst>
-                <c:ext xmlns:c15="http://schemas.microsoft.com/office/drawing/2012/chart" uri="{CE6537A1-D6FC-4f65-9D91-7224C49458BB}">
-                  <c15:layout/>
-                </c:ext>
+                <c:ext xmlns:c15="http://schemas.microsoft.com/office/drawing/2012/chart" uri="{CE6537A1-D6FC-4f65-9D91-7224C49458BB}"/>
                 <c:ext xmlns:c16="http://schemas.microsoft.com/office/drawing/2014/chart" uri="{C3380CC4-5D6E-409C-BE32-E72D297353CC}">
                   <c16:uniqueId val="{00000001-A800-4BC5-AB68-7DF72537DD41}"/>
                 </c:ext>
@@ -4589,7 +4548,6 @@
           <c:dLbls>
             <c:dLbl>
               <c:idx val="0"/>
-              <c:layout/>
               <c:tx>
                 <c:rich>
                   <a:bodyPr/>
@@ -4610,9 +4568,7 @@
               <c:showPercent val="0"/>
               <c:showBubbleSize val="0"/>
               <c:extLst>
-                <c:ext xmlns:c15="http://schemas.microsoft.com/office/drawing/2012/chart" uri="{CE6537A1-D6FC-4f65-9D91-7224C49458BB}">
-                  <c15:layout/>
-                </c:ext>
+                <c:ext xmlns:c15="http://schemas.microsoft.com/office/drawing/2012/chart" uri="{CE6537A1-D6FC-4f65-9D91-7224C49458BB}"/>
                 <c:ext xmlns:c16="http://schemas.microsoft.com/office/drawing/2014/chart" uri="{C3380CC4-5D6E-409C-BE32-E72D297353CC}">
                   <c16:uniqueId val="{00000003-A800-4BC5-AB68-7DF72537DD41}"/>
                 </c:ext>
@@ -4620,7 +4576,6 @@
             </c:dLbl>
             <c:dLbl>
               <c:idx val="1"/>
-              <c:layout/>
               <c:tx>
                 <c:rich>
                   <a:bodyPr/>
@@ -4641,9 +4596,7 @@
               <c:showPercent val="0"/>
               <c:showBubbleSize val="0"/>
               <c:extLst>
-                <c:ext xmlns:c15="http://schemas.microsoft.com/office/drawing/2012/chart" uri="{CE6537A1-D6FC-4f65-9D91-7224C49458BB}">
-                  <c15:layout/>
-                </c:ext>
+                <c:ext xmlns:c15="http://schemas.microsoft.com/office/drawing/2012/chart" uri="{CE6537A1-D6FC-4f65-9D91-7224C49458BB}"/>
                 <c:ext xmlns:c16="http://schemas.microsoft.com/office/drawing/2014/chart" uri="{C3380CC4-5D6E-409C-BE32-E72D297353CC}">
                   <c16:uniqueId val="{00000004-A800-4BC5-AB68-7DF72537DD41}"/>
                 </c:ext>
@@ -4768,7 +4721,6 @@
           <c:dLbls>
             <c:dLbl>
               <c:idx val="0"/>
-              <c:layout/>
               <c:tx>
                 <c:rich>
                   <a:bodyPr/>
@@ -4789,9 +4741,7 @@
               <c:showPercent val="0"/>
               <c:showBubbleSize val="0"/>
               <c:extLst>
-                <c:ext xmlns:c15="http://schemas.microsoft.com/office/drawing/2012/chart" uri="{CE6537A1-D6FC-4f65-9D91-7224C49458BB}">
-                  <c15:layout/>
-                </c:ext>
+                <c:ext xmlns:c15="http://schemas.microsoft.com/office/drawing/2012/chart" uri="{CE6537A1-D6FC-4f65-9D91-7224C49458BB}"/>
                 <c:ext xmlns:c16="http://schemas.microsoft.com/office/drawing/2014/chart" uri="{C3380CC4-5D6E-409C-BE32-E72D297353CC}">
                   <c16:uniqueId val="{00000006-A800-4BC5-AB68-7DF72537DD41}"/>
                 </c:ext>
@@ -4799,7 +4749,6 @@
             </c:dLbl>
             <c:dLbl>
               <c:idx val="1"/>
-              <c:layout/>
               <c:tx>
                 <c:rich>
                   <a:bodyPr/>
@@ -4820,9 +4769,7 @@
               <c:showPercent val="0"/>
               <c:showBubbleSize val="0"/>
               <c:extLst>
-                <c:ext xmlns:c15="http://schemas.microsoft.com/office/drawing/2012/chart" uri="{CE6537A1-D6FC-4f65-9D91-7224C49458BB}">
-                  <c15:layout/>
-                </c:ext>
+                <c:ext xmlns:c15="http://schemas.microsoft.com/office/drawing/2012/chart" uri="{CE6537A1-D6FC-4f65-9D91-7224C49458BB}"/>
                 <c:ext xmlns:c16="http://schemas.microsoft.com/office/drawing/2014/chart" uri="{C3380CC4-5D6E-409C-BE32-E72D297353CC}">
                   <c16:uniqueId val="{00000007-A800-4BC5-AB68-7DF72537DD41}"/>
                 </c:ext>
@@ -4947,7 +4894,6 @@
           <c:dLbls>
             <c:dLbl>
               <c:idx val="0"/>
-              <c:layout/>
               <c:tx>
                 <c:rich>
                   <a:bodyPr/>
@@ -4968,9 +4914,7 @@
               <c:showPercent val="0"/>
               <c:showBubbleSize val="0"/>
               <c:extLst>
-                <c:ext xmlns:c15="http://schemas.microsoft.com/office/drawing/2012/chart" uri="{CE6537A1-D6FC-4f65-9D91-7224C49458BB}">
-                  <c15:layout/>
-                </c:ext>
+                <c:ext xmlns:c15="http://schemas.microsoft.com/office/drawing/2012/chart" uri="{CE6537A1-D6FC-4f65-9D91-7224C49458BB}"/>
                 <c:ext xmlns:c16="http://schemas.microsoft.com/office/drawing/2014/chart" uri="{C3380CC4-5D6E-409C-BE32-E72D297353CC}">
                   <c16:uniqueId val="{00000009-A800-4BC5-AB68-7DF72537DD41}"/>
                 </c:ext>
@@ -4978,7 +4922,6 @@
             </c:dLbl>
             <c:dLbl>
               <c:idx val="1"/>
-              <c:layout/>
               <c:tx>
                 <c:rich>
                   <a:bodyPr/>
@@ -4999,9 +4942,7 @@
               <c:showPercent val="0"/>
               <c:showBubbleSize val="0"/>
               <c:extLst>
-                <c:ext xmlns:c15="http://schemas.microsoft.com/office/drawing/2012/chart" uri="{CE6537A1-D6FC-4f65-9D91-7224C49458BB}">
-                  <c15:layout/>
-                </c:ext>
+                <c:ext xmlns:c15="http://schemas.microsoft.com/office/drawing/2012/chart" uri="{CE6537A1-D6FC-4f65-9D91-7224C49458BB}"/>
                 <c:ext xmlns:c16="http://schemas.microsoft.com/office/drawing/2014/chart" uri="{C3380CC4-5D6E-409C-BE32-E72D297353CC}">
                   <c16:uniqueId val="{0000000A-A800-4BC5-AB68-7DF72537DD41}"/>
                 </c:ext>
@@ -5126,7 +5067,6 @@
           <c:dLbls>
             <c:dLbl>
               <c:idx val="0"/>
-              <c:layout/>
               <c:tx>
                 <c:rich>
                   <a:bodyPr/>
@@ -5147,9 +5087,7 @@
               <c:showPercent val="0"/>
               <c:showBubbleSize val="0"/>
               <c:extLst>
-                <c:ext xmlns:c15="http://schemas.microsoft.com/office/drawing/2012/chart" uri="{CE6537A1-D6FC-4f65-9D91-7224C49458BB}">
-                  <c15:layout/>
-                </c:ext>
+                <c:ext xmlns:c15="http://schemas.microsoft.com/office/drawing/2012/chart" uri="{CE6537A1-D6FC-4f65-9D91-7224C49458BB}"/>
                 <c:ext xmlns:c16="http://schemas.microsoft.com/office/drawing/2014/chart" uri="{C3380CC4-5D6E-409C-BE32-E72D297353CC}">
                   <c16:uniqueId val="{0000000C-A800-4BC5-AB68-7DF72537DD41}"/>
                 </c:ext>
@@ -5157,7 +5095,6 @@
             </c:dLbl>
             <c:dLbl>
               <c:idx val="1"/>
-              <c:layout/>
               <c:tx>
                 <c:rich>
                   <a:bodyPr/>
@@ -5178,9 +5115,7 @@
               <c:showPercent val="0"/>
               <c:showBubbleSize val="0"/>
               <c:extLst>
-                <c:ext xmlns:c15="http://schemas.microsoft.com/office/drawing/2012/chart" uri="{CE6537A1-D6FC-4f65-9D91-7224C49458BB}">
-                  <c15:layout/>
-                </c:ext>
+                <c:ext xmlns:c15="http://schemas.microsoft.com/office/drawing/2012/chart" uri="{CE6537A1-D6FC-4f65-9D91-7224C49458BB}"/>
                 <c:ext xmlns:c16="http://schemas.microsoft.com/office/drawing/2014/chart" uri="{C3380CC4-5D6E-409C-BE32-E72D297353CC}">
                   <c16:uniqueId val="{0000000D-A800-4BC5-AB68-7DF72537DD41}"/>
                 </c:ext>
@@ -5305,7 +5240,6 @@
           <c:dLbls>
             <c:dLbl>
               <c:idx val="0"/>
-              <c:layout/>
               <c:tx>
                 <c:rich>
                   <a:bodyPr/>
@@ -5326,9 +5260,7 @@
               <c:showPercent val="0"/>
               <c:showBubbleSize val="0"/>
               <c:extLst>
-                <c:ext xmlns:c15="http://schemas.microsoft.com/office/drawing/2012/chart" uri="{CE6537A1-D6FC-4f65-9D91-7224C49458BB}">
-                  <c15:layout/>
-                </c:ext>
+                <c:ext xmlns:c15="http://schemas.microsoft.com/office/drawing/2012/chart" uri="{CE6537A1-D6FC-4f65-9D91-7224C49458BB}"/>
                 <c:ext xmlns:c16="http://schemas.microsoft.com/office/drawing/2014/chart" uri="{C3380CC4-5D6E-409C-BE32-E72D297353CC}">
                   <c16:uniqueId val="{0000000F-A800-4BC5-AB68-7DF72537DD41}"/>
                 </c:ext>
@@ -5336,7 +5268,6 @@
             </c:dLbl>
             <c:dLbl>
               <c:idx val="1"/>
-              <c:layout/>
               <c:tx>
                 <c:rich>
                   <a:bodyPr/>
@@ -5357,9 +5288,7 @@
               <c:showPercent val="0"/>
               <c:showBubbleSize val="0"/>
               <c:extLst>
-                <c:ext xmlns:c15="http://schemas.microsoft.com/office/drawing/2012/chart" uri="{CE6537A1-D6FC-4f65-9D91-7224C49458BB}">
-                  <c15:layout/>
-                </c:ext>
+                <c:ext xmlns:c15="http://schemas.microsoft.com/office/drawing/2012/chart" uri="{CE6537A1-D6FC-4f65-9D91-7224C49458BB}"/>
                 <c:ext xmlns:c16="http://schemas.microsoft.com/office/drawing/2014/chart" uri="{C3380CC4-5D6E-409C-BE32-E72D297353CC}">
                   <c16:uniqueId val="{00000010-A800-4BC5-AB68-7DF72537DD41}"/>
                 </c:ext>
@@ -5486,7 +5415,6 @@
           <c:dLbls>
             <c:dLbl>
               <c:idx val="0"/>
-              <c:layout/>
               <c:tx>
                 <c:rich>
                   <a:bodyPr/>
@@ -5507,9 +5435,7 @@
               <c:showPercent val="0"/>
               <c:showBubbleSize val="0"/>
               <c:extLst>
-                <c:ext xmlns:c15="http://schemas.microsoft.com/office/drawing/2012/chart" uri="{CE6537A1-D6FC-4f65-9D91-7224C49458BB}">
-                  <c15:layout/>
-                </c:ext>
+                <c:ext xmlns:c15="http://schemas.microsoft.com/office/drawing/2012/chart" uri="{CE6537A1-D6FC-4f65-9D91-7224C49458BB}"/>
                 <c:ext xmlns:c16="http://schemas.microsoft.com/office/drawing/2014/chart" uri="{C3380CC4-5D6E-409C-BE32-E72D297353CC}">
                   <c16:uniqueId val="{00000012-A800-4BC5-AB68-7DF72537DD41}"/>
                 </c:ext>
@@ -5517,7 +5443,6 @@
             </c:dLbl>
             <c:dLbl>
               <c:idx val="1"/>
-              <c:layout/>
               <c:tx>
                 <c:rich>
                   <a:bodyPr/>
@@ -5538,9 +5463,7 @@
               <c:showPercent val="0"/>
               <c:showBubbleSize val="0"/>
               <c:extLst>
-                <c:ext xmlns:c15="http://schemas.microsoft.com/office/drawing/2012/chart" uri="{CE6537A1-D6FC-4f65-9D91-7224C49458BB}">
-                  <c15:layout/>
-                </c:ext>
+                <c:ext xmlns:c15="http://schemas.microsoft.com/office/drawing/2012/chart" uri="{CE6537A1-D6FC-4f65-9D91-7224C49458BB}"/>
                 <c:ext xmlns:c16="http://schemas.microsoft.com/office/drawing/2014/chart" uri="{C3380CC4-5D6E-409C-BE32-E72D297353CC}">
                   <c16:uniqueId val="{00000013-A800-4BC5-AB68-7DF72537DD41}"/>
                 </c:ext>
@@ -5667,7 +5590,6 @@
           <c:dLbls>
             <c:dLbl>
               <c:idx val="0"/>
-              <c:layout/>
               <c:tx>
                 <c:rich>
                   <a:bodyPr/>
@@ -5688,9 +5610,7 @@
               <c:showPercent val="0"/>
               <c:showBubbleSize val="0"/>
               <c:extLst>
-                <c:ext xmlns:c15="http://schemas.microsoft.com/office/drawing/2012/chart" uri="{CE6537A1-D6FC-4f65-9D91-7224C49458BB}">
-                  <c15:layout/>
-                </c:ext>
+                <c:ext xmlns:c15="http://schemas.microsoft.com/office/drawing/2012/chart" uri="{CE6537A1-D6FC-4f65-9D91-7224C49458BB}"/>
                 <c:ext xmlns:c16="http://schemas.microsoft.com/office/drawing/2014/chart" uri="{C3380CC4-5D6E-409C-BE32-E72D297353CC}">
                   <c16:uniqueId val="{00000015-A800-4BC5-AB68-7DF72537DD41}"/>
                 </c:ext>
@@ -5698,7 +5618,6 @@
             </c:dLbl>
             <c:dLbl>
               <c:idx val="1"/>
-              <c:layout/>
               <c:tx>
                 <c:rich>
                   <a:bodyPr/>
@@ -5719,9 +5638,7 @@
               <c:showPercent val="0"/>
               <c:showBubbleSize val="0"/>
               <c:extLst>
-                <c:ext xmlns:c15="http://schemas.microsoft.com/office/drawing/2012/chart" uri="{CE6537A1-D6FC-4f65-9D91-7224C49458BB}">
-                  <c15:layout/>
-                </c:ext>
+                <c:ext xmlns:c15="http://schemas.microsoft.com/office/drawing/2012/chart" uri="{CE6537A1-D6FC-4f65-9D91-7224C49458BB}"/>
                 <c:ext xmlns:c16="http://schemas.microsoft.com/office/drawing/2014/chart" uri="{C3380CC4-5D6E-409C-BE32-E72D297353CC}">
                   <c16:uniqueId val="{00000016-A800-4BC5-AB68-7DF72537DD41}"/>
                 </c:ext>
@@ -5848,7 +5765,6 @@
           <c:dLbls>
             <c:dLbl>
               <c:idx val="0"/>
-              <c:layout/>
               <c:tx>
                 <c:rich>
                   <a:bodyPr/>
@@ -5869,9 +5785,7 @@
               <c:showPercent val="0"/>
               <c:showBubbleSize val="0"/>
               <c:extLst>
-                <c:ext xmlns:c15="http://schemas.microsoft.com/office/drawing/2012/chart" uri="{CE6537A1-D6FC-4f65-9D91-7224C49458BB}">
-                  <c15:layout/>
-                </c:ext>
+                <c:ext xmlns:c15="http://schemas.microsoft.com/office/drawing/2012/chart" uri="{CE6537A1-D6FC-4f65-9D91-7224C49458BB}"/>
                 <c:ext xmlns:c16="http://schemas.microsoft.com/office/drawing/2014/chart" uri="{C3380CC4-5D6E-409C-BE32-E72D297353CC}">
                   <c16:uniqueId val="{00000018-A800-4BC5-AB68-7DF72537DD41}"/>
                 </c:ext>
@@ -5879,7 +5793,6 @@
             </c:dLbl>
             <c:dLbl>
               <c:idx val="1"/>
-              <c:layout/>
               <c:tx>
                 <c:rich>
                   <a:bodyPr/>
@@ -5900,9 +5813,7 @@
               <c:showPercent val="0"/>
               <c:showBubbleSize val="0"/>
               <c:extLst>
-                <c:ext xmlns:c15="http://schemas.microsoft.com/office/drawing/2012/chart" uri="{CE6537A1-D6FC-4f65-9D91-7224C49458BB}">
-                  <c15:layout/>
-                </c:ext>
+                <c:ext xmlns:c15="http://schemas.microsoft.com/office/drawing/2012/chart" uri="{CE6537A1-D6FC-4f65-9D91-7224C49458BB}"/>
                 <c:ext xmlns:c16="http://schemas.microsoft.com/office/drawing/2014/chart" uri="{C3380CC4-5D6E-409C-BE32-E72D297353CC}">
                   <c16:uniqueId val="{00000019-A800-4BC5-AB68-7DF72537DD41}"/>
                 </c:ext>
@@ -6130,7 +6041,6 @@
     </c:plotArea>
     <c:legend>
       <c:legendPos val="b"/>
-      <c:layout/>
       <c:overlay val="0"/>
       <c:spPr>
         <a:noFill/>
@@ -6227,7 +6137,6 @@
           </a:p>
         </c:rich>
       </c:tx>
-      <c:layout/>
       <c:overlay val="0"/>
       <c:spPr>
         <a:noFill/>
@@ -6291,7 +6200,6 @@
           <c:dLbls>
             <c:dLbl>
               <c:idx val="0"/>
-              <c:layout/>
               <c:tx>
                 <c:rich>
                   <a:bodyPr/>
@@ -6312,9 +6220,7 @@
               <c:showPercent val="0"/>
               <c:showBubbleSize val="0"/>
               <c:extLst>
-                <c:ext xmlns:c15="http://schemas.microsoft.com/office/drawing/2012/chart" uri="{CE6537A1-D6FC-4f65-9D91-7224C49458BB}">
-                  <c15:layout/>
-                </c:ext>
+                <c:ext xmlns:c15="http://schemas.microsoft.com/office/drawing/2012/chart" uri="{CE6537A1-D6FC-4f65-9D91-7224C49458BB}"/>
                 <c:ext xmlns:c16="http://schemas.microsoft.com/office/drawing/2014/chart" uri="{C3380CC4-5D6E-409C-BE32-E72D297353CC}">
                   <c16:uniqueId val="{00000000-B6CE-4EB2-8D16-B77496EEFCF5}"/>
                 </c:ext>
@@ -6322,7 +6228,6 @@
             </c:dLbl>
             <c:dLbl>
               <c:idx val="1"/>
-              <c:layout/>
               <c:tx>
                 <c:rich>
                   <a:bodyPr/>
@@ -6343,9 +6248,7 @@
               <c:showPercent val="0"/>
               <c:showBubbleSize val="0"/>
               <c:extLst>
-                <c:ext xmlns:c15="http://schemas.microsoft.com/office/drawing/2012/chart" uri="{CE6537A1-D6FC-4f65-9D91-7224C49458BB}">
-                  <c15:layout/>
-                </c:ext>
+                <c:ext xmlns:c15="http://schemas.microsoft.com/office/drawing/2012/chart" uri="{CE6537A1-D6FC-4f65-9D91-7224C49458BB}"/>
                 <c:ext xmlns:c16="http://schemas.microsoft.com/office/drawing/2014/chart" uri="{C3380CC4-5D6E-409C-BE32-E72D297353CC}">
                   <c16:uniqueId val="{00000001-B6CE-4EB2-8D16-B77496EEFCF5}"/>
                 </c:ext>
@@ -6581,7 +6484,6 @@
           <c:dLbls>
             <c:dLbl>
               <c:idx val="0"/>
-              <c:layout/>
               <c:tx>
                 <c:rich>
                   <a:bodyPr/>
@@ -6602,9 +6504,7 @@
               <c:showPercent val="0"/>
               <c:showBubbleSize val="0"/>
               <c:extLst>
-                <c:ext xmlns:c15="http://schemas.microsoft.com/office/drawing/2012/chart" uri="{CE6537A1-D6FC-4f65-9D91-7224C49458BB}">
-                  <c15:layout/>
-                </c:ext>
+                <c:ext xmlns:c15="http://schemas.microsoft.com/office/drawing/2012/chart" uri="{CE6537A1-D6FC-4f65-9D91-7224C49458BB}"/>
                 <c:ext xmlns:c16="http://schemas.microsoft.com/office/drawing/2014/chart" uri="{C3380CC4-5D6E-409C-BE32-E72D297353CC}">
                   <c16:uniqueId val="{00000004-B6CE-4EB2-8D16-B77496EEFCF5}"/>
                 </c:ext>
@@ -6612,7 +6512,6 @@
             </c:dLbl>
             <c:dLbl>
               <c:idx val="1"/>
-              <c:layout/>
               <c:tx>
                 <c:rich>
                   <a:bodyPr/>
@@ -6633,9 +6532,7 @@
               <c:showPercent val="0"/>
               <c:showBubbleSize val="0"/>
               <c:extLst>
-                <c:ext xmlns:c15="http://schemas.microsoft.com/office/drawing/2012/chart" uri="{CE6537A1-D6FC-4f65-9D91-7224C49458BB}">
-                  <c15:layout/>
-                </c:ext>
+                <c:ext xmlns:c15="http://schemas.microsoft.com/office/drawing/2012/chart" uri="{CE6537A1-D6FC-4f65-9D91-7224C49458BB}"/>
                 <c:ext xmlns:c16="http://schemas.microsoft.com/office/drawing/2014/chart" uri="{C3380CC4-5D6E-409C-BE32-E72D297353CC}">
                   <c16:uniqueId val="{00000005-B6CE-4EB2-8D16-B77496EEFCF5}"/>
                 </c:ext>
@@ -6760,7 +6657,6 @@
           <c:dLbls>
             <c:dLbl>
               <c:idx val="0"/>
-              <c:layout/>
               <c:tx>
                 <c:rich>
                   <a:bodyPr/>
@@ -6781,9 +6677,7 @@
               <c:showPercent val="0"/>
               <c:showBubbleSize val="0"/>
               <c:extLst>
-                <c:ext xmlns:c15="http://schemas.microsoft.com/office/drawing/2012/chart" uri="{CE6537A1-D6FC-4f65-9D91-7224C49458BB}">
-                  <c15:layout/>
-                </c:ext>
+                <c:ext xmlns:c15="http://schemas.microsoft.com/office/drawing/2012/chart" uri="{CE6537A1-D6FC-4f65-9D91-7224C49458BB}"/>
                 <c:ext xmlns:c16="http://schemas.microsoft.com/office/drawing/2014/chart" uri="{C3380CC4-5D6E-409C-BE32-E72D297353CC}">
                   <c16:uniqueId val="{00000007-B6CE-4EB2-8D16-B77496EEFCF5}"/>
                 </c:ext>
@@ -6791,7 +6685,6 @@
             </c:dLbl>
             <c:dLbl>
               <c:idx val="1"/>
-              <c:layout/>
               <c:tx>
                 <c:rich>
                   <a:bodyPr/>
@@ -6812,9 +6705,7 @@
               <c:showPercent val="0"/>
               <c:showBubbleSize val="0"/>
               <c:extLst>
-                <c:ext xmlns:c15="http://schemas.microsoft.com/office/drawing/2012/chart" uri="{CE6537A1-D6FC-4f65-9D91-7224C49458BB}">
-                  <c15:layout/>
-                </c:ext>
+                <c:ext xmlns:c15="http://schemas.microsoft.com/office/drawing/2012/chart" uri="{CE6537A1-D6FC-4f65-9D91-7224C49458BB}"/>
                 <c:ext xmlns:c16="http://schemas.microsoft.com/office/drawing/2014/chart" uri="{C3380CC4-5D6E-409C-BE32-E72D297353CC}">
                   <c16:uniqueId val="{00000008-B6CE-4EB2-8D16-B77496EEFCF5}"/>
                 </c:ext>
@@ -6939,7 +6830,6 @@
           <c:dLbls>
             <c:dLbl>
               <c:idx val="0"/>
-              <c:layout/>
               <c:tx>
                 <c:rich>
                   <a:bodyPr/>
@@ -6960,9 +6850,7 @@
               <c:showPercent val="0"/>
               <c:showBubbleSize val="0"/>
               <c:extLst>
-                <c:ext xmlns:c15="http://schemas.microsoft.com/office/drawing/2012/chart" uri="{CE6537A1-D6FC-4f65-9D91-7224C49458BB}">
-                  <c15:layout/>
-                </c:ext>
+                <c:ext xmlns:c15="http://schemas.microsoft.com/office/drawing/2012/chart" uri="{CE6537A1-D6FC-4f65-9D91-7224C49458BB}"/>
                 <c:ext xmlns:c16="http://schemas.microsoft.com/office/drawing/2014/chart" uri="{C3380CC4-5D6E-409C-BE32-E72D297353CC}">
                   <c16:uniqueId val="{0000000A-B6CE-4EB2-8D16-B77496EEFCF5}"/>
                 </c:ext>
@@ -6970,7 +6858,6 @@
             </c:dLbl>
             <c:dLbl>
               <c:idx val="1"/>
-              <c:layout/>
               <c:tx>
                 <c:rich>
                   <a:bodyPr/>
@@ -6991,9 +6878,7 @@
               <c:showPercent val="0"/>
               <c:showBubbleSize val="0"/>
               <c:extLst>
-                <c:ext xmlns:c15="http://schemas.microsoft.com/office/drawing/2012/chart" uri="{CE6537A1-D6FC-4f65-9D91-7224C49458BB}">
-                  <c15:layout/>
-                </c:ext>
+                <c:ext xmlns:c15="http://schemas.microsoft.com/office/drawing/2012/chart" uri="{CE6537A1-D6FC-4f65-9D91-7224C49458BB}"/>
                 <c:ext xmlns:c16="http://schemas.microsoft.com/office/drawing/2014/chart" uri="{C3380CC4-5D6E-409C-BE32-E72D297353CC}">
                   <c16:uniqueId val="{0000000B-B6CE-4EB2-8D16-B77496EEFCF5}"/>
                 </c:ext>
@@ -7118,7 +7003,6 @@
           <c:dLbls>
             <c:dLbl>
               <c:idx val="0"/>
-              <c:layout/>
               <c:tx>
                 <c:rich>
                   <a:bodyPr/>
@@ -7139,9 +7023,7 @@
               <c:showPercent val="0"/>
               <c:showBubbleSize val="0"/>
               <c:extLst>
-                <c:ext xmlns:c15="http://schemas.microsoft.com/office/drawing/2012/chart" uri="{CE6537A1-D6FC-4f65-9D91-7224C49458BB}">
-                  <c15:layout/>
-                </c:ext>
+                <c:ext xmlns:c15="http://schemas.microsoft.com/office/drawing/2012/chart" uri="{CE6537A1-D6FC-4f65-9D91-7224C49458BB}"/>
                 <c:ext xmlns:c16="http://schemas.microsoft.com/office/drawing/2014/chart" uri="{C3380CC4-5D6E-409C-BE32-E72D297353CC}">
                   <c16:uniqueId val="{0000000D-B6CE-4EB2-8D16-B77496EEFCF5}"/>
                 </c:ext>
@@ -7149,7 +7031,6 @@
             </c:dLbl>
             <c:dLbl>
               <c:idx val="1"/>
-              <c:layout/>
               <c:tx>
                 <c:rich>
                   <a:bodyPr/>
@@ -7170,9 +7051,7 @@
               <c:showPercent val="0"/>
               <c:showBubbleSize val="0"/>
               <c:extLst>
-                <c:ext xmlns:c15="http://schemas.microsoft.com/office/drawing/2012/chart" uri="{CE6537A1-D6FC-4f65-9D91-7224C49458BB}">
-                  <c15:layout/>
-                </c:ext>
+                <c:ext xmlns:c15="http://schemas.microsoft.com/office/drawing/2012/chart" uri="{CE6537A1-D6FC-4f65-9D91-7224C49458BB}"/>
                 <c:ext xmlns:c16="http://schemas.microsoft.com/office/drawing/2014/chart" uri="{C3380CC4-5D6E-409C-BE32-E72D297353CC}">
                   <c16:uniqueId val="{0000000E-B6CE-4EB2-8D16-B77496EEFCF5}"/>
                 </c:ext>
@@ -7299,7 +7178,6 @@
           <c:dLbls>
             <c:dLbl>
               <c:idx val="0"/>
-              <c:layout/>
               <c:tx>
                 <c:rich>
                   <a:bodyPr/>
@@ -7320,9 +7198,7 @@
               <c:showPercent val="0"/>
               <c:showBubbleSize val="0"/>
               <c:extLst>
-                <c:ext xmlns:c15="http://schemas.microsoft.com/office/drawing/2012/chart" uri="{CE6537A1-D6FC-4f65-9D91-7224C49458BB}">
-                  <c15:layout/>
-                </c:ext>
+                <c:ext xmlns:c15="http://schemas.microsoft.com/office/drawing/2012/chart" uri="{CE6537A1-D6FC-4f65-9D91-7224C49458BB}"/>
                 <c:ext xmlns:c16="http://schemas.microsoft.com/office/drawing/2014/chart" uri="{C3380CC4-5D6E-409C-BE32-E72D297353CC}">
                   <c16:uniqueId val="{00000010-B6CE-4EB2-8D16-B77496EEFCF5}"/>
                 </c:ext>
@@ -7330,7 +7206,6 @@
             </c:dLbl>
             <c:dLbl>
               <c:idx val="1"/>
-              <c:layout/>
               <c:tx>
                 <c:rich>
                   <a:bodyPr/>
@@ -7351,9 +7226,7 @@
               <c:showPercent val="0"/>
               <c:showBubbleSize val="0"/>
               <c:extLst>
-                <c:ext xmlns:c15="http://schemas.microsoft.com/office/drawing/2012/chart" uri="{CE6537A1-D6FC-4f65-9D91-7224C49458BB}">
-                  <c15:layout/>
-                </c:ext>
+                <c:ext xmlns:c15="http://schemas.microsoft.com/office/drawing/2012/chart" uri="{CE6537A1-D6FC-4f65-9D91-7224C49458BB}"/>
                 <c:ext xmlns:c16="http://schemas.microsoft.com/office/drawing/2014/chart" uri="{C3380CC4-5D6E-409C-BE32-E72D297353CC}">
                   <c16:uniqueId val="{00000011-B6CE-4EB2-8D16-B77496EEFCF5}"/>
                 </c:ext>
@@ -7480,7 +7353,6 @@
           <c:dLbls>
             <c:dLbl>
               <c:idx val="0"/>
-              <c:layout/>
               <c:tx>
                 <c:rich>
                   <a:bodyPr/>
@@ -7501,9 +7373,7 @@
               <c:showPercent val="0"/>
               <c:showBubbleSize val="0"/>
               <c:extLst>
-                <c:ext xmlns:c15="http://schemas.microsoft.com/office/drawing/2012/chart" uri="{CE6537A1-D6FC-4f65-9D91-7224C49458BB}">
-                  <c15:layout/>
-                </c:ext>
+                <c:ext xmlns:c15="http://schemas.microsoft.com/office/drawing/2012/chart" uri="{CE6537A1-D6FC-4f65-9D91-7224C49458BB}"/>
                 <c:ext xmlns:c16="http://schemas.microsoft.com/office/drawing/2014/chart" uri="{C3380CC4-5D6E-409C-BE32-E72D297353CC}">
                   <c16:uniqueId val="{00000013-B6CE-4EB2-8D16-B77496EEFCF5}"/>
                 </c:ext>
@@ -7511,7 +7381,6 @@
             </c:dLbl>
             <c:dLbl>
               <c:idx val="1"/>
-              <c:layout/>
               <c:tx>
                 <c:rich>
                   <a:bodyPr/>
@@ -7532,9 +7401,7 @@
               <c:showPercent val="0"/>
               <c:showBubbleSize val="0"/>
               <c:extLst>
-                <c:ext xmlns:c15="http://schemas.microsoft.com/office/drawing/2012/chart" uri="{CE6537A1-D6FC-4f65-9D91-7224C49458BB}">
-                  <c15:layout/>
-                </c:ext>
+                <c:ext xmlns:c15="http://schemas.microsoft.com/office/drawing/2012/chart" uri="{CE6537A1-D6FC-4f65-9D91-7224C49458BB}"/>
                 <c:ext xmlns:c16="http://schemas.microsoft.com/office/drawing/2014/chart" uri="{C3380CC4-5D6E-409C-BE32-E72D297353CC}">
                   <c16:uniqueId val="{00000014-B6CE-4EB2-8D16-B77496EEFCF5}"/>
                 </c:ext>
@@ -7661,7 +7528,6 @@
           <c:dLbls>
             <c:dLbl>
               <c:idx val="0"/>
-              <c:layout/>
               <c:tx>
                 <c:rich>
                   <a:bodyPr/>
@@ -7682,9 +7548,7 @@
               <c:showPercent val="0"/>
               <c:showBubbleSize val="0"/>
               <c:extLst>
-                <c:ext xmlns:c15="http://schemas.microsoft.com/office/drawing/2012/chart" uri="{CE6537A1-D6FC-4f65-9D91-7224C49458BB}">
-                  <c15:layout/>
-                </c:ext>
+                <c:ext xmlns:c15="http://schemas.microsoft.com/office/drawing/2012/chart" uri="{CE6537A1-D6FC-4f65-9D91-7224C49458BB}"/>
                 <c:ext xmlns:c16="http://schemas.microsoft.com/office/drawing/2014/chart" uri="{C3380CC4-5D6E-409C-BE32-E72D297353CC}">
                   <c16:uniqueId val="{00000016-B6CE-4EB2-8D16-B77496EEFCF5}"/>
                 </c:ext>
@@ -7692,7 +7556,6 @@
             </c:dLbl>
             <c:dLbl>
               <c:idx val="1"/>
-              <c:layout/>
               <c:tx>
                 <c:rich>
                   <a:bodyPr/>
@@ -7713,9 +7576,7 @@
               <c:showPercent val="0"/>
               <c:showBubbleSize val="0"/>
               <c:extLst>
-                <c:ext xmlns:c15="http://schemas.microsoft.com/office/drawing/2012/chart" uri="{CE6537A1-D6FC-4f65-9D91-7224C49458BB}">
-                  <c15:layout/>
-                </c:ext>
+                <c:ext xmlns:c15="http://schemas.microsoft.com/office/drawing/2012/chart" uri="{CE6537A1-D6FC-4f65-9D91-7224C49458BB}"/>
                 <c:ext xmlns:c16="http://schemas.microsoft.com/office/drawing/2014/chart" uri="{C3380CC4-5D6E-409C-BE32-E72D297353CC}">
                   <c16:uniqueId val="{00000017-B6CE-4EB2-8D16-B77496EEFCF5}"/>
                 </c:ext>
@@ -7842,7 +7703,6 @@
           <c:dLbls>
             <c:dLbl>
               <c:idx val="0"/>
-              <c:layout/>
               <c:tx>
                 <c:rich>
                   <a:bodyPr/>
@@ -7863,9 +7723,7 @@
               <c:showPercent val="0"/>
               <c:showBubbleSize val="0"/>
               <c:extLst>
-                <c:ext xmlns:c15="http://schemas.microsoft.com/office/drawing/2012/chart" uri="{CE6537A1-D6FC-4f65-9D91-7224C49458BB}">
-                  <c15:layout/>
-                </c:ext>
+                <c:ext xmlns:c15="http://schemas.microsoft.com/office/drawing/2012/chart" uri="{CE6537A1-D6FC-4f65-9D91-7224C49458BB}"/>
                 <c:ext xmlns:c16="http://schemas.microsoft.com/office/drawing/2014/chart" uri="{C3380CC4-5D6E-409C-BE32-E72D297353CC}">
                   <c16:uniqueId val="{00000019-B6CE-4EB2-8D16-B77496EEFCF5}"/>
                 </c:ext>
@@ -7873,7 +7731,6 @@
             </c:dLbl>
             <c:dLbl>
               <c:idx val="1"/>
-              <c:layout/>
               <c:tx>
                 <c:rich>
                   <a:bodyPr/>
@@ -7894,9 +7751,7 @@
               <c:showPercent val="0"/>
               <c:showBubbleSize val="0"/>
               <c:extLst>
-                <c:ext xmlns:c15="http://schemas.microsoft.com/office/drawing/2012/chart" uri="{CE6537A1-D6FC-4f65-9D91-7224C49458BB}">
-                  <c15:layout/>
-                </c:ext>
+                <c:ext xmlns:c15="http://schemas.microsoft.com/office/drawing/2012/chart" uri="{CE6537A1-D6FC-4f65-9D91-7224C49458BB}"/>
                 <c:ext xmlns:c16="http://schemas.microsoft.com/office/drawing/2014/chart" uri="{C3380CC4-5D6E-409C-BE32-E72D297353CC}">
                   <c16:uniqueId val="{0000001A-B6CE-4EB2-8D16-B77496EEFCF5}"/>
                 </c:ext>
@@ -8124,7 +7979,6 @@
     </c:plotArea>
     <c:legend>
       <c:legendPos val="b"/>
-      <c:layout/>
       <c:overlay val="0"/>
       <c:spPr>
         <a:noFill/>
@@ -8221,7 +8075,6 @@
           </a:p>
         </c:rich>
       </c:tx>
-      <c:layout/>
       <c:overlay val="0"/>
       <c:spPr>
         <a:noFill/>
@@ -8285,7 +8138,6 @@
           <c:dLbls>
             <c:dLbl>
               <c:idx val="0"/>
-              <c:layout/>
               <c:tx>
                 <c:rich>
                   <a:bodyPr/>
@@ -8306,9 +8158,7 @@
               <c:showPercent val="0"/>
               <c:showBubbleSize val="0"/>
               <c:extLst>
-                <c:ext xmlns:c15="http://schemas.microsoft.com/office/drawing/2012/chart" uri="{CE6537A1-D6FC-4f65-9D91-7224C49458BB}">
-                  <c15:layout/>
-                </c:ext>
+                <c:ext xmlns:c15="http://schemas.microsoft.com/office/drawing/2012/chart" uri="{CE6537A1-D6FC-4f65-9D91-7224C49458BB}"/>
                 <c:ext xmlns:c16="http://schemas.microsoft.com/office/drawing/2014/chart" uri="{C3380CC4-5D6E-409C-BE32-E72D297353CC}">
                   <c16:uniqueId val="{00000000-C477-440E-9A5E-245CB0B45517}"/>
                 </c:ext>
@@ -8316,7 +8166,6 @@
             </c:dLbl>
             <c:dLbl>
               <c:idx val="2"/>
-              <c:layout/>
               <c:tx>
                 <c:rich>
                   <a:bodyPr/>
@@ -8337,9 +8186,7 @@
               <c:showPercent val="0"/>
               <c:showBubbleSize val="0"/>
               <c:extLst>
-                <c:ext xmlns:c15="http://schemas.microsoft.com/office/drawing/2012/chart" uri="{CE6537A1-D6FC-4f65-9D91-7224C49458BB}">
-                  <c15:layout/>
-                </c:ext>
+                <c:ext xmlns:c15="http://schemas.microsoft.com/office/drawing/2012/chart" uri="{CE6537A1-D6FC-4f65-9D91-7224C49458BB}"/>
                 <c:ext xmlns:c16="http://schemas.microsoft.com/office/drawing/2014/chart" uri="{C3380CC4-5D6E-409C-BE32-E72D297353CC}">
                   <c16:uniqueId val="{00000001-C477-440E-9A5E-245CB0B45517}"/>
                 </c:ext>
@@ -8467,7 +8314,6 @@
           <c:dLbls>
             <c:dLbl>
               <c:idx val="0"/>
-              <c:layout/>
               <c:tx>
                 <c:rich>
                   <a:bodyPr/>
@@ -8488,9 +8334,7 @@
               <c:showPercent val="0"/>
               <c:showBubbleSize val="0"/>
               <c:extLst>
-                <c:ext xmlns:c15="http://schemas.microsoft.com/office/drawing/2012/chart" uri="{CE6537A1-D6FC-4f65-9D91-7224C49458BB}">
-                  <c15:layout/>
-                </c:ext>
+                <c:ext xmlns:c15="http://schemas.microsoft.com/office/drawing/2012/chart" uri="{CE6537A1-D6FC-4f65-9D91-7224C49458BB}"/>
                 <c:ext xmlns:c16="http://schemas.microsoft.com/office/drawing/2014/chart" uri="{C3380CC4-5D6E-409C-BE32-E72D297353CC}">
                   <c16:uniqueId val="{00000003-C477-440E-9A5E-245CB0B45517}"/>
                 </c:ext>
@@ -8498,7 +8342,6 @@
             </c:dLbl>
             <c:dLbl>
               <c:idx val="2"/>
-              <c:layout/>
               <c:tx>
                 <c:rich>
                   <a:bodyPr/>
@@ -8519,9 +8362,7 @@
               <c:showPercent val="0"/>
               <c:showBubbleSize val="0"/>
               <c:extLst>
-                <c:ext xmlns:c15="http://schemas.microsoft.com/office/drawing/2012/chart" uri="{CE6537A1-D6FC-4f65-9D91-7224C49458BB}">
-                  <c15:layout/>
-                </c:ext>
+                <c:ext xmlns:c15="http://schemas.microsoft.com/office/drawing/2012/chart" uri="{CE6537A1-D6FC-4f65-9D91-7224C49458BB}"/>
                 <c:ext xmlns:c16="http://schemas.microsoft.com/office/drawing/2014/chart" uri="{C3380CC4-5D6E-409C-BE32-E72D297353CC}">
                   <c16:uniqueId val="{00000004-C477-440E-9A5E-245CB0B45517}"/>
                 </c:ext>
@@ -8649,7 +8490,6 @@
           <c:dLbls>
             <c:dLbl>
               <c:idx val="0"/>
-              <c:layout/>
               <c:tx>
                 <c:rich>
                   <a:bodyPr/>
@@ -8670,9 +8510,7 @@
               <c:showPercent val="0"/>
               <c:showBubbleSize val="0"/>
               <c:extLst>
-                <c:ext xmlns:c15="http://schemas.microsoft.com/office/drawing/2012/chart" uri="{CE6537A1-D6FC-4f65-9D91-7224C49458BB}">
-                  <c15:layout/>
-                </c:ext>
+                <c:ext xmlns:c15="http://schemas.microsoft.com/office/drawing/2012/chart" uri="{CE6537A1-D6FC-4f65-9D91-7224C49458BB}"/>
                 <c:ext xmlns:c16="http://schemas.microsoft.com/office/drawing/2014/chart" uri="{C3380CC4-5D6E-409C-BE32-E72D297353CC}">
                   <c16:uniqueId val="{00000006-C477-440E-9A5E-245CB0B45517}"/>
                 </c:ext>
@@ -8680,7 +8518,6 @@
             </c:dLbl>
             <c:dLbl>
               <c:idx val="2"/>
-              <c:layout/>
               <c:tx>
                 <c:rich>
                   <a:bodyPr/>
@@ -8701,9 +8538,7 @@
               <c:showPercent val="0"/>
               <c:showBubbleSize val="0"/>
               <c:extLst>
-                <c:ext xmlns:c15="http://schemas.microsoft.com/office/drawing/2012/chart" uri="{CE6537A1-D6FC-4f65-9D91-7224C49458BB}">
-                  <c15:layout/>
-                </c:ext>
+                <c:ext xmlns:c15="http://schemas.microsoft.com/office/drawing/2012/chart" uri="{CE6537A1-D6FC-4f65-9D91-7224C49458BB}"/>
                 <c:ext xmlns:c16="http://schemas.microsoft.com/office/drawing/2014/chart" uri="{C3380CC4-5D6E-409C-BE32-E72D297353CC}">
                   <c16:uniqueId val="{00000007-C477-440E-9A5E-245CB0B45517}"/>
                 </c:ext>
@@ -8831,7 +8666,6 @@
           <c:dLbls>
             <c:dLbl>
               <c:idx val="0"/>
-              <c:layout/>
               <c:tx>
                 <c:rich>
                   <a:bodyPr/>
@@ -8852,9 +8686,7 @@
               <c:showPercent val="0"/>
               <c:showBubbleSize val="0"/>
               <c:extLst>
-                <c:ext xmlns:c15="http://schemas.microsoft.com/office/drawing/2012/chart" uri="{CE6537A1-D6FC-4f65-9D91-7224C49458BB}">
-                  <c15:layout/>
-                </c:ext>
+                <c:ext xmlns:c15="http://schemas.microsoft.com/office/drawing/2012/chart" uri="{CE6537A1-D6FC-4f65-9D91-7224C49458BB}"/>
                 <c:ext xmlns:c16="http://schemas.microsoft.com/office/drawing/2014/chart" uri="{C3380CC4-5D6E-409C-BE32-E72D297353CC}">
                   <c16:uniqueId val="{00000009-C477-440E-9A5E-245CB0B45517}"/>
                 </c:ext>
@@ -8862,7 +8694,6 @@
             </c:dLbl>
             <c:dLbl>
               <c:idx val="2"/>
-              <c:layout/>
               <c:tx>
                 <c:rich>
                   <a:bodyPr/>
@@ -8883,9 +8714,7 @@
               <c:showPercent val="0"/>
               <c:showBubbleSize val="0"/>
               <c:extLst>
-                <c:ext xmlns:c15="http://schemas.microsoft.com/office/drawing/2012/chart" uri="{CE6537A1-D6FC-4f65-9D91-7224C49458BB}">
-                  <c15:layout/>
-                </c:ext>
+                <c:ext xmlns:c15="http://schemas.microsoft.com/office/drawing/2012/chart" uri="{CE6537A1-D6FC-4f65-9D91-7224C49458BB}"/>
                 <c:ext xmlns:c16="http://schemas.microsoft.com/office/drawing/2014/chart" uri="{C3380CC4-5D6E-409C-BE32-E72D297353CC}">
                   <c16:uniqueId val="{0000000A-C477-440E-9A5E-245CB0B45517}"/>
                 </c:ext>
@@ -9013,7 +8842,6 @@
           <c:dLbls>
             <c:dLbl>
               <c:idx val="0"/>
-              <c:layout/>
               <c:tx>
                 <c:rich>
                   <a:bodyPr/>
@@ -9034,9 +8862,7 @@
               <c:showPercent val="0"/>
               <c:showBubbleSize val="0"/>
               <c:extLst>
-                <c:ext xmlns:c15="http://schemas.microsoft.com/office/drawing/2012/chart" uri="{CE6537A1-D6FC-4f65-9D91-7224C49458BB}">
-                  <c15:layout/>
-                </c:ext>
+                <c:ext xmlns:c15="http://schemas.microsoft.com/office/drawing/2012/chart" uri="{CE6537A1-D6FC-4f65-9D91-7224C49458BB}"/>
                 <c:ext xmlns:c16="http://schemas.microsoft.com/office/drawing/2014/chart" uri="{C3380CC4-5D6E-409C-BE32-E72D297353CC}">
                   <c16:uniqueId val="{0000000C-C477-440E-9A5E-245CB0B45517}"/>
                 </c:ext>
@@ -9044,7 +8870,6 @@
             </c:dLbl>
             <c:dLbl>
               <c:idx val="2"/>
-              <c:layout/>
               <c:tx>
                 <c:rich>
                   <a:bodyPr/>
@@ -9065,9 +8890,7 @@
               <c:showPercent val="0"/>
               <c:showBubbleSize val="0"/>
               <c:extLst>
-                <c:ext xmlns:c15="http://schemas.microsoft.com/office/drawing/2012/chart" uri="{CE6537A1-D6FC-4f65-9D91-7224C49458BB}">
-                  <c15:layout/>
-                </c:ext>
+                <c:ext xmlns:c15="http://schemas.microsoft.com/office/drawing/2012/chart" uri="{CE6537A1-D6FC-4f65-9D91-7224C49458BB}"/>
                 <c:ext xmlns:c16="http://schemas.microsoft.com/office/drawing/2014/chart" uri="{C3380CC4-5D6E-409C-BE32-E72D297353CC}">
                   <c16:uniqueId val="{0000000D-C477-440E-9A5E-245CB0B45517}"/>
                 </c:ext>
@@ -9195,7 +9018,6 @@
           <c:dLbls>
             <c:dLbl>
               <c:idx val="0"/>
-              <c:layout/>
               <c:tx>
                 <c:rich>
                   <a:bodyPr/>
@@ -9216,9 +9038,7 @@
               <c:showPercent val="0"/>
               <c:showBubbleSize val="0"/>
               <c:extLst>
-                <c:ext xmlns:c15="http://schemas.microsoft.com/office/drawing/2012/chart" uri="{CE6537A1-D6FC-4f65-9D91-7224C49458BB}">
-                  <c15:layout/>
-                </c:ext>
+                <c:ext xmlns:c15="http://schemas.microsoft.com/office/drawing/2012/chart" uri="{CE6537A1-D6FC-4f65-9D91-7224C49458BB}"/>
                 <c:ext xmlns:c16="http://schemas.microsoft.com/office/drawing/2014/chart" uri="{C3380CC4-5D6E-409C-BE32-E72D297353CC}">
                   <c16:uniqueId val="{0000000F-C477-440E-9A5E-245CB0B45517}"/>
                 </c:ext>
@@ -9226,7 +9046,6 @@
             </c:dLbl>
             <c:dLbl>
               <c:idx val="2"/>
-              <c:layout/>
               <c:tx>
                 <c:rich>
                   <a:bodyPr/>
@@ -9247,9 +9066,7 @@
               <c:showPercent val="0"/>
               <c:showBubbleSize val="0"/>
               <c:extLst>
-                <c:ext xmlns:c15="http://schemas.microsoft.com/office/drawing/2012/chart" uri="{CE6537A1-D6FC-4f65-9D91-7224C49458BB}">
-                  <c15:layout/>
-                </c:ext>
+                <c:ext xmlns:c15="http://schemas.microsoft.com/office/drawing/2012/chart" uri="{CE6537A1-D6FC-4f65-9D91-7224C49458BB}"/>
                 <c:ext xmlns:c16="http://schemas.microsoft.com/office/drawing/2014/chart" uri="{C3380CC4-5D6E-409C-BE32-E72D297353CC}">
                   <c16:uniqueId val="{00000010-C477-440E-9A5E-245CB0B45517}"/>
                 </c:ext>
@@ -9379,7 +9196,6 @@
           <c:dLbls>
             <c:dLbl>
               <c:idx val="0"/>
-              <c:layout/>
               <c:tx>
                 <c:rich>
                   <a:bodyPr/>
@@ -9400,9 +9216,7 @@
               <c:showPercent val="0"/>
               <c:showBubbleSize val="0"/>
               <c:extLst>
-                <c:ext xmlns:c15="http://schemas.microsoft.com/office/drawing/2012/chart" uri="{CE6537A1-D6FC-4f65-9D91-7224C49458BB}">
-                  <c15:layout/>
-                </c:ext>
+                <c:ext xmlns:c15="http://schemas.microsoft.com/office/drawing/2012/chart" uri="{CE6537A1-D6FC-4f65-9D91-7224C49458BB}"/>
                 <c:ext xmlns:c16="http://schemas.microsoft.com/office/drawing/2014/chart" uri="{C3380CC4-5D6E-409C-BE32-E72D297353CC}">
                   <c16:uniqueId val="{00000012-C477-440E-9A5E-245CB0B45517}"/>
                 </c:ext>
@@ -9410,7 +9224,6 @@
             </c:dLbl>
             <c:dLbl>
               <c:idx val="2"/>
-              <c:layout/>
               <c:tx>
                 <c:rich>
                   <a:bodyPr/>
@@ -9431,9 +9244,7 @@
               <c:showPercent val="0"/>
               <c:showBubbleSize val="0"/>
               <c:extLst>
-                <c:ext xmlns:c15="http://schemas.microsoft.com/office/drawing/2012/chart" uri="{CE6537A1-D6FC-4f65-9D91-7224C49458BB}">
-                  <c15:layout/>
-                </c:ext>
+                <c:ext xmlns:c15="http://schemas.microsoft.com/office/drawing/2012/chart" uri="{CE6537A1-D6FC-4f65-9D91-7224C49458BB}"/>
                 <c:ext xmlns:c16="http://schemas.microsoft.com/office/drawing/2014/chart" uri="{C3380CC4-5D6E-409C-BE32-E72D297353CC}">
                   <c16:uniqueId val="{00000013-C477-440E-9A5E-245CB0B45517}"/>
                 </c:ext>
@@ -9563,7 +9374,6 @@
           <c:dLbls>
             <c:dLbl>
               <c:idx val="0"/>
-              <c:layout/>
               <c:tx>
                 <c:rich>
                   <a:bodyPr/>
@@ -9584,9 +9394,7 @@
               <c:showPercent val="0"/>
               <c:showBubbleSize val="0"/>
               <c:extLst>
-                <c:ext xmlns:c15="http://schemas.microsoft.com/office/drawing/2012/chart" uri="{CE6537A1-D6FC-4f65-9D91-7224C49458BB}">
-                  <c15:layout/>
-                </c:ext>
+                <c:ext xmlns:c15="http://schemas.microsoft.com/office/drawing/2012/chart" uri="{CE6537A1-D6FC-4f65-9D91-7224C49458BB}"/>
                 <c:ext xmlns:c16="http://schemas.microsoft.com/office/drawing/2014/chart" uri="{C3380CC4-5D6E-409C-BE32-E72D297353CC}">
                   <c16:uniqueId val="{00000015-C477-440E-9A5E-245CB0B45517}"/>
                 </c:ext>
@@ -9594,7 +9402,6 @@
             </c:dLbl>
             <c:dLbl>
               <c:idx val="2"/>
-              <c:layout/>
               <c:tx>
                 <c:rich>
                   <a:bodyPr/>
@@ -9615,9 +9422,7 @@
               <c:showPercent val="0"/>
               <c:showBubbleSize val="0"/>
               <c:extLst>
-                <c:ext xmlns:c15="http://schemas.microsoft.com/office/drawing/2012/chart" uri="{CE6537A1-D6FC-4f65-9D91-7224C49458BB}">
-                  <c15:layout/>
-                </c:ext>
+                <c:ext xmlns:c15="http://schemas.microsoft.com/office/drawing/2012/chart" uri="{CE6537A1-D6FC-4f65-9D91-7224C49458BB}"/>
                 <c:ext xmlns:c16="http://schemas.microsoft.com/office/drawing/2014/chart" uri="{C3380CC4-5D6E-409C-BE32-E72D297353CC}">
                   <c16:uniqueId val="{00000016-C477-440E-9A5E-245CB0B45517}"/>
                 </c:ext>
@@ -9747,7 +9552,6 @@
           <c:dLbls>
             <c:dLbl>
               <c:idx val="0"/>
-              <c:layout/>
               <c:tx>
                 <c:rich>
                   <a:bodyPr/>
@@ -9768,9 +9572,7 @@
               <c:showPercent val="0"/>
               <c:showBubbleSize val="0"/>
               <c:extLst>
-                <c:ext xmlns:c15="http://schemas.microsoft.com/office/drawing/2012/chart" uri="{CE6537A1-D6FC-4f65-9D91-7224C49458BB}">
-                  <c15:layout/>
-                </c:ext>
+                <c:ext xmlns:c15="http://schemas.microsoft.com/office/drawing/2012/chart" uri="{CE6537A1-D6FC-4f65-9D91-7224C49458BB}"/>
                 <c:ext xmlns:c16="http://schemas.microsoft.com/office/drawing/2014/chart" uri="{C3380CC4-5D6E-409C-BE32-E72D297353CC}">
                   <c16:uniqueId val="{00000018-C477-440E-9A5E-245CB0B45517}"/>
                 </c:ext>
@@ -9778,7 +9580,6 @@
             </c:dLbl>
             <c:dLbl>
               <c:idx val="2"/>
-              <c:layout/>
               <c:tx>
                 <c:rich>
                   <a:bodyPr/>
@@ -9799,9 +9600,7 @@
               <c:showPercent val="0"/>
               <c:showBubbleSize val="0"/>
               <c:extLst>
-                <c:ext xmlns:c15="http://schemas.microsoft.com/office/drawing/2012/chart" uri="{CE6537A1-D6FC-4f65-9D91-7224C49458BB}">
-                  <c15:layout/>
-                </c:ext>
+                <c:ext xmlns:c15="http://schemas.microsoft.com/office/drawing/2012/chart" uri="{CE6537A1-D6FC-4f65-9D91-7224C49458BB}"/>
                 <c:ext xmlns:c16="http://schemas.microsoft.com/office/drawing/2014/chart" uri="{C3380CC4-5D6E-409C-BE32-E72D297353CC}">
                   <c16:uniqueId val="{00000019-C477-440E-9A5E-245CB0B45517}"/>
                 </c:ext>
@@ -10032,7 +9831,6 @@
     </c:plotArea>
     <c:legend>
       <c:legendPos val="b"/>
-      <c:layout/>
       <c:overlay val="0"/>
       <c:spPr>
         <a:noFill/>
@@ -10129,7 +9927,6 @@
           </a:p>
         </c:rich>
       </c:tx>
-      <c:layout/>
       <c:overlay val="0"/>
       <c:spPr>
         <a:noFill/>
@@ -10230,7 +10027,6 @@
             <c:showLeaderLines val="0"/>
             <c:extLst>
               <c:ext xmlns:c15="http://schemas.microsoft.com/office/drawing/2012/chart" uri="{CE6537A1-D6FC-4f65-9D91-7224C49458BB}">
-                <c15:layout/>
                 <c15:showLeaderLines val="1"/>
                 <c15:leaderLines>
                   <c:spPr>
@@ -10433,7 +10229,6 @@
     </c:plotArea>
     <c:legend>
       <c:legendPos val="b"/>
-      <c:layout/>
       <c:overlay val="0"/>
       <c:spPr>
         <a:noFill/>
@@ -10530,7 +10325,6 @@
           </a:p>
         </c:rich>
       </c:tx>
-      <c:layout/>
       <c:overlay val="0"/>
       <c:spPr>
         <a:noFill/>
@@ -10631,7 +10425,6 @@
             <c:showLeaderLines val="0"/>
             <c:extLst>
               <c:ext xmlns:c15="http://schemas.microsoft.com/office/drawing/2012/chart" uri="{CE6537A1-D6FC-4f65-9D91-7224C49458BB}">
-                <c15:layout/>
                 <c15:showLeaderLines val="1"/>
                 <c15:leaderLines>
                   <c:spPr>
@@ -10861,7 +10654,6 @@
     </c:plotArea>
     <c:legend>
       <c:legendPos val="b"/>
-      <c:layout/>
       <c:overlay val="0"/>
       <c:spPr>
         <a:noFill/>
@@ -10958,7 +10750,6 @@
           </a:p>
         </c:rich>
       </c:tx>
-      <c:layout/>
       <c:overlay val="0"/>
       <c:spPr>
         <a:noFill/>
@@ -11059,7 +10850,6 @@
             <c:showLeaderLines val="0"/>
             <c:extLst>
               <c:ext xmlns:c15="http://schemas.microsoft.com/office/drawing/2012/chart" uri="{CE6537A1-D6FC-4f65-9D91-7224C49458BB}">
-                <c15:layout/>
                 <c15:showLeaderLines val="1"/>
                 <c15:leaderLines>
                   <c:spPr>
@@ -11174,7 +10964,6 @@
             <c:showLeaderLines val="0"/>
             <c:extLst>
               <c:ext xmlns:c15="http://schemas.microsoft.com/office/drawing/2012/chart" uri="{CE6537A1-D6FC-4f65-9D91-7224C49458BB}">
-                <c15:layout/>
                 <c15:showLeaderLines val="1"/>
                 <c15:leaderLines>
                   <c:spPr>
@@ -11289,7 +11078,6 @@
             <c:showLeaderLines val="0"/>
             <c:extLst>
               <c:ext xmlns:c15="http://schemas.microsoft.com/office/drawing/2012/chart" uri="{CE6537A1-D6FC-4f65-9D91-7224C49458BB}">
-                <c15:layout/>
                 <c15:showLeaderLines val="1"/>
                 <c15:leaderLines>
                   <c:spPr>
@@ -11404,7 +11192,6 @@
             <c:showLeaderLines val="0"/>
             <c:extLst>
               <c:ext xmlns:c15="http://schemas.microsoft.com/office/drawing/2012/chart" uri="{CE6537A1-D6FC-4f65-9D91-7224C49458BB}">
-                <c15:layout/>
                 <c15:showLeaderLines val="1"/>
                 <c15:leaderLines>
                   <c:spPr>
@@ -11519,7 +11306,6 @@
             <c:showLeaderLines val="0"/>
             <c:extLst>
               <c:ext xmlns:c15="http://schemas.microsoft.com/office/drawing/2012/chart" uri="{CE6537A1-D6FC-4f65-9D91-7224C49458BB}">
-                <c15:layout/>
                 <c15:showLeaderLines val="1"/>
                 <c15:leaderLines>
                   <c:spPr>
@@ -11634,7 +11420,6 @@
             <c:showLeaderLines val="0"/>
             <c:extLst>
               <c:ext xmlns:c15="http://schemas.microsoft.com/office/drawing/2012/chart" uri="{CE6537A1-D6FC-4f65-9D91-7224C49458BB}">
-                <c15:layout/>
                 <c15:showLeaderLines val="1"/>
                 <c15:leaderLines>
                   <c:spPr>
@@ -11751,7 +11536,6 @@
             <c:showLeaderLines val="0"/>
             <c:extLst>
               <c:ext xmlns:c15="http://schemas.microsoft.com/office/drawing/2012/chart" uri="{CE6537A1-D6FC-4f65-9D91-7224C49458BB}">
-                <c15:layout/>
                 <c15:showLeaderLines val="1"/>
                 <c15:leaderLines>
                   <c:spPr>
@@ -11868,7 +11652,6 @@
             <c:showLeaderLines val="0"/>
             <c:extLst>
               <c:ext xmlns:c15="http://schemas.microsoft.com/office/drawing/2012/chart" uri="{CE6537A1-D6FC-4f65-9D91-7224C49458BB}">
-                <c15:layout/>
                 <c15:showLeaderLines val="1"/>
                 <c15:leaderLines>
                   <c:spPr>
@@ -12049,7 +11832,6 @@
     </c:plotArea>
     <c:legend>
       <c:legendPos val="b"/>
-      <c:layout/>
       <c:overlay val="0"/>
       <c:spPr>
         <a:noFill/>
@@ -12146,7 +11928,6 @@
           </a:p>
         </c:rich>
       </c:tx>
-      <c:layout/>
       <c:overlay val="0"/>
       <c:spPr>
         <a:noFill/>
@@ -12247,7 +12028,6 @@
             <c:showLeaderLines val="0"/>
             <c:extLst>
               <c:ext xmlns:c15="http://schemas.microsoft.com/office/drawing/2012/chart" uri="{CE6537A1-D6FC-4f65-9D91-7224C49458BB}">
-                <c15:layout/>
                 <c15:showLeaderLines val="1"/>
                 <c15:leaderLines>
                   <c:spPr>
@@ -12414,7 +12194,6 @@
             <c:showLeaderLines val="0"/>
             <c:extLst>
               <c:ext xmlns:c15="http://schemas.microsoft.com/office/drawing/2012/chart" uri="{CE6537A1-D6FC-4f65-9D91-7224C49458BB}">
-                <c15:layout/>
                 <c15:showLeaderLines val="1"/>
                 <c15:leaderLines>
                   <c:spPr>
@@ -12647,7 +12426,6 @@
     </c:plotArea>
     <c:legend>
       <c:legendPos val="b"/>
-      <c:layout/>
       <c:overlay val="0"/>
       <c:spPr>
         <a:noFill/>
@@ -12861,7 +12639,6 @@
             <c:showLeaderLines val="0"/>
             <c:extLst>
               <c:ext xmlns:c15="http://schemas.microsoft.com/office/drawing/2012/chart" uri="{CE6537A1-D6FC-4f65-9D91-7224C49458BB}">
-                <c15:layout/>
                 <c15:showLeaderLines val="1"/>
                 <c15:leaderLines>
                   <c:spPr>
@@ -13009,7 +12786,6 @@
             <c:showLeaderLines val="0"/>
             <c:extLst>
               <c:ext xmlns:c15="http://schemas.microsoft.com/office/drawing/2012/chart" uri="{CE6537A1-D6FC-4f65-9D91-7224C49458BB}">
-                <c15:layout/>
                 <c15:showLeaderLines val="1"/>
                 <c15:leaderLines>
                   <c:spPr>
@@ -13157,7 +12933,6 @@
             <c:showLeaderLines val="0"/>
             <c:extLst>
               <c:ext xmlns:c15="http://schemas.microsoft.com/office/drawing/2012/chart" uri="{CE6537A1-D6FC-4f65-9D91-7224C49458BB}">
-                <c15:layout/>
                 <c15:showLeaderLines val="1"/>
                 <c15:leaderLines>
                   <c:spPr>
@@ -13305,7 +13080,6 @@
             <c:showLeaderLines val="0"/>
             <c:extLst>
               <c:ext xmlns:c15="http://schemas.microsoft.com/office/drawing/2012/chart" uri="{CE6537A1-D6FC-4f65-9D91-7224C49458BB}">
-                <c15:layout/>
                 <c15:showLeaderLines val="1"/>
                 <c15:leaderLines>
                   <c:spPr>
@@ -13453,7 +13227,6 @@
             <c:showLeaderLines val="0"/>
             <c:extLst>
               <c:ext xmlns:c15="http://schemas.microsoft.com/office/drawing/2012/chart" uri="{CE6537A1-D6FC-4f65-9D91-7224C49458BB}">
-                <c15:layout/>
                 <c15:showLeaderLines val="1"/>
                 <c15:leaderLines>
                   <c:spPr>
@@ -13601,7 +13374,6 @@
             <c:showLeaderLines val="0"/>
             <c:extLst>
               <c:ext xmlns:c15="http://schemas.microsoft.com/office/drawing/2012/chart" uri="{CE6537A1-D6FC-4f65-9D91-7224C49458BB}">
-                <c15:layout/>
                 <c15:showLeaderLines val="1"/>
                 <c15:leaderLines>
                   <c:spPr>
@@ -13751,7 +13523,6 @@
             <c:showLeaderLines val="0"/>
             <c:extLst>
               <c:ext xmlns:c15="http://schemas.microsoft.com/office/drawing/2012/chart" uri="{CE6537A1-D6FC-4f65-9D91-7224C49458BB}">
-                <c15:layout/>
                 <c15:showLeaderLines val="1"/>
                 <c15:leaderLines>
                   <c:spPr>
@@ -13901,7 +13672,6 @@
             <c:showLeaderLines val="0"/>
             <c:extLst>
               <c:ext xmlns:c15="http://schemas.microsoft.com/office/drawing/2012/chart" uri="{CE6537A1-D6FC-4f65-9D91-7224C49458BB}">
-                <c15:layout/>
                 <c15:showLeaderLines val="1"/>
                 <c15:leaderLines>
                   <c:spPr>
@@ -14116,7 +13886,6 @@
     </c:plotArea>
     <c:legend>
       <c:legendPos val="b"/>
-      <c:layout/>
       <c:overlay val="0"/>
       <c:spPr>
         <a:noFill/>
@@ -15652,7 +15421,6 @@
             <c:showLeaderLines val="0"/>
             <c:extLst>
               <c:ext xmlns:c15="http://schemas.microsoft.com/office/drawing/2012/chart" uri="{CE6537A1-D6FC-4f65-9D91-7224C49458BB}">
-                <c15:layout/>
                 <c15:showLeaderLines val="1"/>
                 <c15:leaderLines>
                   <c:spPr>
@@ -15800,7 +15568,6 @@
             <c:showLeaderLines val="0"/>
             <c:extLst>
               <c:ext xmlns:c15="http://schemas.microsoft.com/office/drawing/2012/chart" uri="{CE6537A1-D6FC-4f65-9D91-7224C49458BB}">
-                <c15:layout/>
                 <c15:showLeaderLines val="1"/>
                 <c15:leaderLines>
                   <c:spPr>
@@ -15948,7 +15715,6 @@
             <c:showLeaderLines val="0"/>
             <c:extLst>
               <c:ext xmlns:c15="http://schemas.microsoft.com/office/drawing/2012/chart" uri="{CE6537A1-D6FC-4f65-9D91-7224C49458BB}">
-                <c15:layout/>
                 <c15:showLeaderLines val="1"/>
                 <c15:leaderLines>
                   <c:spPr>
@@ -16096,7 +15862,6 @@
             <c:showLeaderLines val="0"/>
             <c:extLst>
               <c:ext xmlns:c15="http://schemas.microsoft.com/office/drawing/2012/chart" uri="{CE6537A1-D6FC-4f65-9D91-7224C49458BB}">
-                <c15:layout/>
                 <c15:showLeaderLines val="1"/>
                 <c15:leaderLines>
                   <c:spPr>
@@ -16244,7 +16009,6 @@
             <c:showLeaderLines val="0"/>
             <c:extLst>
               <c:ext xmlns:c15="http://schemas.microsoft.com/office/drawing/2012/chart" uri="{CE6537A1-D6FC-4f65-9D91-7224C49458BB}">
-                <c15:layout/>
                 <c15:showLeaderLines val="1"/>
                 <c15:leaderLines>
                   <c:spPr>
@@ -16392,7 +16156,6 @@
             <c:showLeaderLines val="0"/>
             <c:extLst>
               <c:ext xmlns:c15="http://schemas.microsoft.com/office/drawing/2012/chart" uri="{CE6537A1-D6FC-4f65-9D91-7224C49458BB}">
-                <c15:layout/>
                 <c15:showLeaderLines val="1"/>
                 <c15:leaderLines>
                   <c:spPr>
@@ -16542,7 +16305,6 @@
             <c:showLeaderLines val="0"/>
             <c:extLst>
               <c:ext xmlns:c15="http://schemas.microsoft.com/office/drawing/2012/chart" uri="{CE6537A1-D6FC-4f65-9D91-7224C49458BB}">
-                <c15:layout/>
                 <c15:showLeaderLines val="1"/>
                 <c15:leaderLines>
                   <c:spPr>
@@ -16692,7 +16454,6 @@
             <c:showLeaderLines val="0"/>
             <c:extLst>
               <c:ext xmlns:c15="http://schemas.microsoft.com/office/drawing/2012/chart" uri="{CE6537A1-D6FC-4f65-9D91-7224C49458BB}">
-                <c15:layout/>
                 <c15:showLeaderLines val="1"/>
                 <c15:leaderLines>
                   <c:spPr>
@@ -16906,7 +16667,6 @@
     </c:plotArea>
     <c:legend>
       <c:legendPos val="b"/>
-      <c:layout/>
       <c:overlay val="0"/>
       <c:spPr>
         <a:noFill/>
@@ -18580,7 +18340,6 @@
           </a:p>
         </c:rich>
       </c:tx>
-      <c:layout/>
       <c:overlay val="0"/>
       <c:spPr>
         <a:noFill/>
@@ -18681,7 +18440,6 @@
             <c:showLeaderLines val="0"/>
             <c:extLst>
               <c:ext xmlns:c15="http://schemas.microsoft.com/office/drawing/2012/chart" uri="{CE6537A1-D6FC-4f65-9D91-7224C49458BB}">
-                <c15:layout/>
                 <c15:showLeaderLines val="1"/>
                 <c15:leaderLines>
                   <c:spPr>
@@ -18907,7 +18665,6 @@
     </c:plotArea>
     <c:legend>
       <c:legendPos val="b"/>
-      <c:layout/>
       <c:overlay val="0"/>
       <c:spPr>
         <a:noFill/>
@@ -19004,7 +18761,6 @@
           </a:p>
         </c:rich>
       </c:tx>
-      <c:layout/>
       <c:overlay val="0"/>
       <c:spPr>
         <a:noFill/>
@@ -19105,7 +18861,6 @@
             <c:showLeaderLines val="0"/>
             <c:extLst>
               <c:ext xmlns:c15="http://schemas.microsoft.com/office/drawing/2012/chart" uri="{CE6537A1-D6FC-4f65-9D91-7224C49458BB}">
-                <c15:layout/>
                 <c15:showLeaderLines val="1"/>
                 <c15:leaderLines>
                   <c:spPr>
@@ -19331,7 +19086,6 @@
     </c:plotArea>
     <c:legend>
       <c:legendPos val="b"/>
-      <c:layout/>
       <c:overlay val="0"/>
       <c:spPr>
         <a:noFill/>
@@ -20749,7 +20503,6 @@
           </a:p>
         </c:rich>
       </c:tx>
-      <c:layout/>
       <c:overlay val="0"/>
       <c:spPr>
         <a:noFill/>
@@ -20850,7 +20603,6 @@
             <c:showLeaderLines val="0"/>
             <c:extLst>
               <c:ext xmlns:c15="http://schemas.microsoft.com/office/drawing/2012/chart" uri="{CE6537A1-D6FC-4f65-9D91-7224C49458BB}">
-                <c15:layout/>
                 <c15:showLeaderLines val="1"/>
                 <c15:leaderLines>
                   <c:spPr>
@@ -20968,7 +20720,6 @@
             <c:showLeaderLines val="0"/>
             <c:extLst>
               <c:ext xmlns:c15="http://schemas.microsoft.com/office/drawing/2012/chart" uri="{CE6537A1-D6FC-4f65-9D91-7224C49458BB}">
-                <c15:layout/>
                 <c15:showLeaderLines val="1"/>
                 <c15:leaderLines>
                   <c:spPr>
@@ -21086,7 +20837,6 @@
             <c:showLeaderLines val="0"/>
             <c:extLst>
               <c:ext xmlns:c15="http://schemas.microsoft.com/office/drawing/2012/chart" uri="{CE6537A1-D6FC-4f65-9D91-7224C49458BB}">
-                <c15:layout/>
                 <c15:showLeaderLines val="1"/>
                 <c15:leaderLines>
                   <c:spPr>
@@ -21204,7 +20954,6 @@
             <c:showLeaderLines val="0"/>
             <c:extLst>
               <c:ext xmlns:c15="http://schemas.microsoft.com/office/drawing/2012/chart" uri="{CE6537A1-D6FC-4f65-9D91-7224C49458BB}">
-                <c15:layout/>
                 <c15:showLeaderLines val="1"/>
                 <c15:leaderLines>
                   <c:spPr>
@@ -21322,7 +21071,6 @@
             <c:showLeaderLines val="0"/>
             <c:extLst>
               <c:ext xmlns:c15="http://schemas.microsoft.com/office/drawing/2012/chart" uri="{CE6537A1-D6FC-4f65-9D91-7224C49458BB}">
-                <c15:layout/>
                 <c15:showLeaderLines val="1"/>
                 <c15:leaderLines>
                   <c:spPr>
@@ -21440,7 +21188,6 @@
             <c:showLeaderLines val="0"/>
             <c:extLst>
               <c:ext xmlns:c15="http://schemas.microsoft.com/office/drawing/2012/chart" uri="{CE6537A1-D6FC-4f65-9D91-7224C49458BB}">
-                <c15:layout/>
                 <c15:showLeaderLines val="1"/>
                 <c15:leaderLines>
                   <c:spPr>
@@ -21560,7 +21307,6 @@
             <c:showLeaderLines val="0"/>
             <c:extLst>
               <c:ext xmlns:c15="http://schemas.microsoft.com/office/drawing/2012/chart" uri="{CE6537A1-D6FC-4f65-9D91-7224C49458BB}">
-                <c15:layout/>
                 <c15:showLeaderLines val="1"/>
                 <c15:leaderLines>
                   <c:spPr>
@@ -21680,7 +21426,6 @@
             <c:showLeaderLines val="0"/>
             <c:extLst>
               <c:ext xmlns:c15="http://schemas.microsoft.com/office/drawing/2012/chart" uri="{CE6537A1-D6FC-4f65-9D91-7224C49458BB}">
-                <c15:layout/>
                 <c15:showLeaderLines val="1"/>
                 <c15:leaderLines>
                   <c:spPr>
@@ -21800,7 +21545,6 @@
             <c:showLeaderLines val="0"/>
             <c:extLst>
               <c:ext xmlns:c15="http://schemas.microsoft.com/office/drawing/2012/chart" uri="{CE6537A1-D6FC-4f65-9D91-7224C49458BB}">
-                <c15:layout/>
                 <c15:showLeaderLines val="1"/>
                 <c15:leaderLines>
                   <c:spPr>
@@ -21984,7 +21728,6 @@
     </c:plotArea>
     <c:legend>
       <c:legendPos val="b"/>
-      <c:layout/>
       <c:overlay val="0"/>
       <c:spPr>
         <a:noFill/>
@@ -22081,7 +21824,6 @@
           </a:p>
         </c:rich>
       </c:tx>
-      <c:layout/>
       <c:overlay val="0"/>
       <c:spPr>
         <a:noFill/>
@@ -22182,7 +21924,6 @@
             <c:showLeaderLines val="0"/>
             <c:extLst>
               <c:ext xmlns:c15="http://schemas.microsoft.com/office/drawing/2012/chart" uri="{CE6537A1-D6FC-4f65-9D91-7224C49458BB}">
-                <c15:layout/>
                 <c15:showLeaderLines val="1"/>
                 <c15:leaderLines>
                   <c:spPr>
@@ -22300,7 +22041,6 @@
             <c:showLeaderLines val="0"/>
             <c:extLst>
               <c:ext xmlns:c15="http://schemas.microsoft.com/office/drawing/2012/chart" uri="{CE6537A1-D6FC-4f65-9D91-7224C49458BB}">
-                <c15:layout/>
                 <c15:showLeaderLines val="1"/>
                 <c15:leaderLines>
                   <c:spPr>
@@ -22418,7 +22158,6 @@
             <c:showLeaderLines val="0"/>
             <c:extLst>
               <c:ext xmlns:c15="http://schemas.microsoft.com/office/drawing/2012/chart" uri="{CE6537A1-D6FC-4f65-9D91-7224C49458BB}">
-                <c15:layout/>
                 <c15:showLeaderLines val="1"/>
                 <c15:leaderLines>
                   <c:spPr>
@@ -22536,7 +22275,6 @@
             <c:showLeaderLines val="0"/>
             <c:extLst>
               <c:ext xmlns:c15="http://schemas.microsoft.com/office/drawing/2012/chart" uri="{CE6537A1-D6FC-4f65-9D91-7224C49458BB}">
-                <c15:layout/>
                 <c15:showLeaderLines val="1"/>
                 <c15:leaderLines>
                   <c:spPr>
@@ -22654,7 +22392,6 @@
             <c:showLeaderLines val="0"/>
             <c:extLst>
               <c:ext xmlns:c15="http://schemas.microsoft.com/office/drawing/2012/chart" uri="{CE6537A1-D6FC-4f65-9D91-7224C49458BB}">
-                <c15:layout/>
                 <c15:showLeaderLines val="1"/>
                 <c15:leaderLines>
                   <c:spPr>
@@ -22772,7 +22509,6 @@
             <c:showLeaderLines val="0"/>
             <c:extLst>
               <c:ext xmlns:c15="http://schemas.microsoft.com/office/drawing/2012/chart" uri="{CE6537A1-D6FC-4f65-9D91-7224C49458BB}">
-                <c15:layout/>
                 <c15:showLeaderLines val="1"/>
                 <c15:leaderLines>
                   <c:spPr>
@@ -22892,7 +22628,6 @@
             <c:showLeaderLines val="0"/>
             <c:extLst>
               <c:ext xmlns:c15="http://schemas.microsoft.com/office/drawing/2012/chart" uri="{CE6537A1-D6FC-4f65-9D91-7224C49458BB}">
-                <c15:layout/>
                 <c15:showLeaderLines val="1"/>
                 <c15:leaderLines>
                   <c:spPr>
@@ -23012,7 +22747,6 @@
             <c:showLeaderLines val="0"/>
             <c:extLst>
               <c:ext xmlns:c15="http://schemas.microsoft.com/office/drawing/2012/chart" uri="{CE6537A1-D6FC-4f65-9D91-7224C49458BB}">
-                <c15:layout/>
                 <c15:showLeaderLines val="1"/>
                 <c15:leaderLines>
                   <c:spPr>
@@ -23132,7 +22866,6 @@
             <c:showLeaderLines val="0"/>
             <c:extLst>
               <c:ext xmlns:c15="http://schemas.microsoft.com/office/drawing/2012/chart" uri="{CE6537A1-D6FC-4f65-9D91-7224C49458BB}">
-                <c15:layout/>
                 <c15:showLeaderLines val="1"/>
                 <c15:leaderLines>
                   <c:spPr>
@@ -23316,7 +23049,6 @@
     </c:plotArea>
     <c:legend>
       <c:legendPos val="b"/>
-      <c:layout/>
       <c:overlay val="0"/>
       <c:spPr>
         <a:noFill/>
@@ -23413,7 +23145,6 @@
           </a:p>
         </c:rich>
       </c:tx>
-      <c:layout/>
       <c:overlay val="0"/>
       <c:spPr>
         <a:noFill/>
@@ -23514,7 +23245,6 @@
             <c:showLeaderLines val="0"/>
             <c:extLst>
               <c:ext xmlns:c15="http://schemas.microsoft.com/office/drawing/2012/chart" uri="{CE6537A1-D6FC-4f65-9D91-7224C49458BB}">
-                <c15:layout/>
                 <c15:showLeaderLines val="1"/>
                 <c15:leaderLines>
                   <c:spPr>
@@ -23632,7 +23362,6 @@
             <c:showLeaderLines val="0"/>
             <c:extLst>
               <c:ext xmlns:c15="http://schemas.microsoft.com/office/drawing/2012/chart" uri="{CE6537A1-D6FC-4f65-9D91-7224C49458BB}">
-                <c15:layout/>
                 <c15:showLeaderLines val="1"/>
                 <c15:leaderLines>
                   <c:spPr>
@@ -23750,7 +23479,6 @@
             <c:showLeaderLines val="0"/>
             <c:extLst>
               <c:ext xmlns:c15="http://schemas.microsoft.com/office/drawing/2012/chart" uri="{CE6537A1-D6FC-4f65-9D91-7224C49458BB}">
-                <c15:layout/>
                 <c15:showLeaderLines val="1"/>
                 <c15:leaderLines>
                   <c:spPr>
@@ -23868,7 +23596,6 @@
             <c:showLeaderLines val="0"/>
             <c:extLst>
               <c:ext xmlns:c15="http://schemas.microsoft.com/office/drawing/2012/chart" uri="{CE6537A1-D6FC-4f65-9D91-7224C49458BB}">
-                <c15:layout/>
                 <c15:showLeaderLines val="1"/>
                 <c15:leaderLines>
                   <c:spPr>
@@ -23986,7 +23713,6 @@
             <c:showLeaderLines val="0"/>
             <c:extLst>
               <c:ext xmlns:c15="http://schemas.microsoft.com/office/drawing/2012/chart" uri="{CE6537A1-D6FC-4f65-9D91-7224C49458BB}">
-                <c15:layout/>
                 <c15:showLeaderLines val="1"/>
                 <c15:leaderLines>
                   <c:spPr>
@@ -24104,7 +23830,6 @@
             <c:showLeaderLines val="0"/>
             <c:extLst>
               <c:ext xmlns:c15="http://schemas.microsoft.com/office/drawing/2012/chart" uri="{CE6537A1-D6FC-4f65-9D91-7224C49458BB}">
-                <c15:layout/>
                 <c15:showLeaderLines val="1"/>
                 <c15:leaderLines>
                   <c:spPr>
@@ -24224,7 +23949,6 @@
             <c:showLeaderLines val="0"/>
             <c:extLst>
               <c:ext xmlns:c15="http://schemas.microsoft.com/office/drawing/2012/chart" uri="{CE6537A1-D6FC-4f65-9D91-7224C49458BB}">
-                <c15:layout/>
                 <c15:showLeaderLines val="1"/>
                 <c15:leaderLines>
                   <c:spPr>
@@ -24344,7 +24068,6 @@
             <c:showLeaderLines val="0"/>
             <c:extLst>
               <c:ext xmlns:c15="http://schemas.microsoft.com/office/drawing/2012/chart" uri="{CE6537A1-D6FC-4f65-9D91-7224C49458BB}">
-                <c15:layout/>
                 <c15:showLeaderLines val="1"/>
                 <c15:leaderLines>
                   <c:spPr>
@@ -24528,7 +24251,6 @@
     </c:plotArea>
     <c:legend>
       <c:legendPos val="b"/>
-      <c:layout/>
       <c:overlay val="0"/>
       <c:spPr>
         <a:noFill/>
@@ -24626,7 +24348,6 @@
           </a:p>
         </c:rich>
       </c:tx>
-      <c:layout/>
       <c:overlay val="0"/>
       <c:spPr>
         <a:noFill/>
@@ -24727,7 +24448,6 @@
             <c:showLeaderLines val="0"/>
             <c:extLst>
               <c:ext xmlns:c15="http://schemas.microsoft.com/office/drawing/2012/chart" uri="{CE6537A1-D6FC-4f65-9D91-7224C49458BB}">
-                <c15:layout/>
                 <c15:showLeaderLines val="1"/>
                 <c15:leaderLines>
                   <c:spPr>
@@ -24845,7 +24565,6 @@
             <c:showLeaderLines val="0"/>
             <c:extLst>
               <c:ext xmlns:c15="http://schemas.microsoft.com/office/drawing/2012/chart" uri="{CE6537A1-D6FC-4f65-9D91-7224C49458BB}">
-                <c15:layout/>
                 <c15:showLeaderLines val="1"/>
                 <c15:leaderLines>
                   <c:spPr>
@@ -24963,7 +24682,6 @@
             <c:showLeaderLines val="0"/>
             <c:extLst>
               <c:ext xmlns:c15="http://schemas.microsoft.com/office/drawing/2012/chart" uri="{CE6537A1-D6FC-4f65-9D91-7224C49458BB}">
-                <c15:layout/>
                 <c15:showLeaderLines val="1"/>
                 <c15:leaderLines>
                   <c:spPr>
@@ -25081,7 +24799,6 @@
             <c:showLeaderLines val="0"/>
             <c:extLst>
               <c:ext xmlns:c15="http://schemas.microsoft.com/office/drawing/2012/chart" uri="{CE6537A1-D6FC-4f65-9D91-7224C49458BB}">
-                <c15:layout/>
                 <c15:showLeaderLines val="1"/>
                 <c15:leaderLines>
                   <c:spPr>
@@ -25199,7 +24916,6 @@
             <c:showLeaderLines val="0"/>
             <c:extLst>
               <c:ext xmlns:c15="http://schemas.microsoft.com/office/drawing/2012/chart" uri="{CE6537A1-D6FC-4f65-9D91-7224C49458BB}">
-                <c15:layout/>
                 <c15:showLeaderLines val="1"/>
                 <c15:leaderLines>
                   <c:spPr>
@@ -25317,7 +25033,6 @@
             <c:showLeaderLines val="0"/>
             <c:extLst>
               <c:ext xmlns:c15="http://schemas.microsoft.com/office/drawing/2012/chart" uri="{CE6537A1-D6FC-4f65-9D91-7224C49458BB}">
-                <c15:layout/>
                 <c15:showLeaderLines val="1"/>
                 <c15:leaderLines>
                   <c:spPr>
@@ -25437,7 +25152,6 @@
             <c:showLeaderLines val="0"/>
             <c:extLst>
               <c:ext xmlns:c15="http://schemas.microsoft.com/office/drawing/2012/chart" uri="{CE6537A1-D6FC-4f65-9D91-7224C49458BB}">
-                <c15:layout/>
                 <c15:showLeaderLines val="1"/>
                 <c15:leaderLines>
                   <c:spPr>
@@ -25621,7 +25335,6 @@
     </c:plotArea>
     <c:legend>
       <c:legendPos val="b"/>
-      <c:layout/>
       <c:overlay val="0"/>
       <c:spPr>
         <a:noFill/>
@@ -37149,10 +36862,9 @@
         <a:p xmlns:a="http://schemas.openxmlformats.org/drawingml/2006/main">
           <a:pPr algn="ctr"/>
           <a:r>
-            <a:rPr lang="en-GB" sz="1100" smtClean="0"/>
+            <a:rPr lang="en-GB" sz="1100"/>
             <a:t>51.7%</a:t>
           </a:r>
-          <a:endParaRPr lang="en-GB" sz="1100"/>
         </a:p>
       </cdr:txBody>
     </cdr:sp>
@@ -37188,10 +36900,9 @@
         <a:p xmlns:a="http://schemas.openxmlformats.org/drawingml/2006/main">
           <a:pPr algn="ctr"/>
           <a:r>
-            <a:rPr lang="en-GB" sz="1100" smtClean="0"/>
+            <a:rPr lang="en-GB" sz="1100"/>
             <a:t>51.7%</a:t>
           </a:r>
-          <a:endParaRPr lang="en-GB" sz="1100"/>
         </a:p>
       </cdr:txBody>
     </cdr:sp>
@@ -37227,10 +36938,9 @@
         <a:p xmlns:a="http://schemas.openxmlformats.org/drawingml/2006/main">
           <a:pPr algn="ctr"/>
           <a:r>
-            <a:rPr lang="en-GB" sz="1100" smtClean="0"/>
+            <a:rPr lang="en-GB" sz="1100"/>
             <a:t>51.7%</a:t>
           </a:r>
-          <a:endParaRPr lang="en-GB" sz="1100"/>
         </a:p>
       </cdr:txBody>
     </cdr:sp>
@@ -37266,10 +36976,9 @@
         <a:p xmlns:a="http://schemas.openxmlformats.org/drawingml/2006/main">
           <a:pPr algn="ctr"/>
           <a:r>
-            <a:rPr lang="en-GB" sz="1100" smtClean="0"/>
+            <a:rPr lang="en-GB" sz="1100"/>
             <a:t>51.7%</a:t>
           </a:r>
-          <a:endParaRPr lang="en-GB" sz="1100"/>
         </a:p>
       </cdr:txBody>
     </cdr:sp>
@@ -37305,10 +37014,9 @@
         <a:p xmlns:a="http://schemas.openxmlformats.org/drawingml/2006/main">
           <a:pPr algn="ctr"/>
           <a:r>
-            <a:rPr lang="en-GB" sz="1100" smtClean="0"/>
+            <a:rPr lang="en-GB" sz="1100"/>
             <a:t>51.7%</a:t>
           </a:r>
-          <a:endParaRPr lang="en-GB" sz="1100"/>
         </a:p>
       </cdr:txBody>
     </cdr:sp>
@@ -37344,10 +37052,9 @@
         <a:p xmlns:a="http://schemas.openxmlformats.org/drawingml/2006/main">
           <a:pPr algn="ctr"/>
           <a:r>
-            <a:rPr lang="en-GB" sz="1100" smtClean="0"/>
+            <a:rPr lang="en-GB" sz="1100"/>
             <a:t>51.7%</a:t>
           </a:r>
-          <a:endParaRPr lang="en-GB" sz="1100"/>
         </a:p>
       </cdr:txBody>
     </cdr:sp>
@@ -37383,10 +37090,9 @@
         <a:p xmlns:a="http://schemas.openxmlformats.org/drawingml/2006/main">
           <a:pPr algn="ctr"/>
           <a:r>
-            <a:rPr lang="en-GB" sz="1100" smtClean="0"/>
+            <a:rPr lang="en-GB" sz="1100"/>
             <a:t>51.7%</a:t>
           </a:r>
-          <a:endParaRPr lang="en-GB" sz="1100"/>
         </a:p>
       </cdr:txBody>
     </cdr:sp>
@@ -37422,10 +37128,9 @@
         <a:p xmlns:a="http://schemas.openxmlformats.org/drawingml/2006/main">
           <a:pPr algn="ctr"/>
           <a:r>
-            <a:rPr lang="en-GB" sz="1100" smtClean="0"/>
+            <a:rPr lang="en-GB" sz="1100"/>
             <a:t>10.3%</a:t>
           </a:r>
-          <a:endParaRPr lang="en-GB" sz="1100"/>
         </a:p>
       </cdr:txBody>
     </cdr:sp>
@@ -37461,10 +37166,9 @@
         <a:p xmlns:a="http://schemas.openxmlformats.org/drawingml/2006/main">
           <a:pPr algn="ctr"/>
           <a:r>
-            <a:rPr lang="en-GB" sz="1100" smtClean="0"/>
+            <a:rPr lang="en-GB" sz="1100"/>
             <a:t>12.5%</a:t>
           </a:r>
-          <a:endParaRPr lang="en-GB" sz="1100"/>
         </a:p>
       </cdr:txBody>
     </cdr:sp>
@@ -37500,10 +37204,9 @@
         <a:p xmlns:a="http://schemas.openxmlformats.org/drawingml/2006/main">
           <a:pPr algn="ctr"/>
           <a:r>
-            <a:rPr lang="en-GB" sz="1100" smtClean="0"/>
+            <a:rPr lang="en-GB" sz="1100"/>
             <a:t>8.7%</a:t>
           </a:r>
-          <a:endParaRPr lang="en-GB" sz="1100"/>
         </a:p>
       </cdr:txBody>
     </cdr:sp>
@@ -37539,10 +37242,9 @@
         <a:p xmlns:a="http://schemas.openxmlformats.org/drawingml/2006/main">
           <a:pPr algn="ctr"/>
           <a:r>
-            <a:rPr lang="en-GB" sz="1100" smtClean="0"/>
+            <a:rPr lang="en-GB" sz="1100"/>
             <a:t>29.6%</a:t>
           </a:r>
-          <a:endParaRPr lang="en-GB" sz="1100"/>
         </a:p>
       </cdr:txBody>
     </cdr:sp>
@@ -37578,10 +37280,9 @@
         <a:p xmlns:a="http://schemas.openxmlformats.org/drawingml/2006/main">
           <a:pPr algn="ctr"/>
           <a:r>
-            <a:rPr lang="en-GB" sz="1100" smtClean="0"/>
+            <a:rPr lang="en-GB" sz="1100"/>
             <a:t>22.2%</a:t>
           </a:r>
-          <a:endParaRPr lang="en-GB" sz="1100"/>
         </a:p>
       </cdr:txBody>
     </cdr:sp>
@@ -37617,7 +37318,7 @@
         <a:p xmlns:a="http://schemas.openxmlformats.org/drawingml/2006/main">
           <a:pPr algn="ctr"/>
           <a:r>
-            <a:rPr lang="en-GB" sz="1100" smtClean="0"/>
+            <a:rPr lang="en-GB" sz="1100"/>
             <a:t>30.0%</a:t>
           </a:r>
           <a:endParaRPr lang="en-GB" sz="1100" dirty="0"/>
@@ -37696,10 +37397,9 @@
         <a:p xmlns:a="http://schemas.openxmlformats.org/drawingml/2006/main">
           <a:pPr algn="ctr"/>
           <a:r>
-            <a:rPr lang="en-GB" sz="1100" smtClean="0"/>
+            <a:rPr lang="en-GB" sz="1100"/>
             <a:t>51.7%</a:t>
           </a:r>
-          <a:endParaRPr lang="en-GB" sz="1100"/>
         </a:p>
       </cdr:txBody>
     </cdr:sp>
@@ -37735,10 +37435,9 @@
         <a:p xmlns:a="http://schemas.openxmlformats.org/drawingml/2006/main">
           <a:pPr algn="ctr"/>
           <a:r>
-            <a:rPr lang="en-GB" sz="1100" smtClean="0"/>
+            <a:rPr lang="en-GB" sz="1100"/>
             <a:t>51.7%</a:t>
           </a:r>
-          <a:endParaRPr lang="en-GB" sz="1100"/>
         </a:p>
       </cdr:txBody>
     </cdr:sp>
@@ -37774,10 +37473,9 @@
         <a:p xmlns:a="http://schemas.openxmlformats.org/drawingml/2006/main">
           <a:pPr algn="ctr"/>
           <a:r>
-            <a:rPr lang="en-GB" sz="1100" smtClean="0"/>
+            <a:rPr lang="en-GB" sz="1100"/>
             <a:t>51.7%</a:t>
           </a:r>
-          <a:endParaRPr lang="en-GB" sz="1100"/>
         </a:p>
       </cdr:txBody>
     </cdr:sp>
@@ -37813,10 +37511,9 @@
         <a:p xmlns:a="http://schemas.openxmlformats.org/drawingml/2006/main">
           <a:pPr algn="ctr"/>
           <a:r>
-            <a:rPr lang="en-GB" sz="1100" smtClean="0"/>
+            <a:rPr lang="en-GB" sz="1100"/>
             <a:t>51.7%</a:t>
           </a:r>
-          <a:endParaRPr lang="en-GB" sz="1100"/>
         </a:p>
       </cdr:txBody>
     </cdr:sp>
@@ -37852,10 +37549,9 @@
         <a:p xmlns:a="http://schemas.openxmlformats.org/drawingml/2006/main">
           <a:pPr algn="ctr"/>
           <a:r>
-            <a:rPr lang="en-GB" sz="1100" smtClean="0"/>
+            <a:rPr lang="en-GB" sz="1100"/>
             <a:t>51.7%</a:t>
           </a:r>
-          <a:endParaRPr lang="en-GB" sz="1100"/>
         </a:p>
       </cdr:txBody>
     </cdr:sp>
@@ -37891,10 +37587,9 @@
         <a:p xmlns:a="http://schemas.openxmlformats.org/drawingml/2006/main">
           <a:pPr algn="ctr"/>
           <a:r>
-            <a:rPr lang="en-GB" sz="1100" smtClean="0"/>
+            <a:rPr lang="en-GB" sz="1100"/>
             <a:t>51.7%</a:t>
           </a:r>
-          <a:endParaRPr lang="en-GB" sz="1100"/>
         </a:p>
       </cdr:txBody>
     </cdr:sp>
@@ -37930,10 +37625,9 @@
         <a:p xmlns:a="http://schemas.openxmlformats.org/drawingml/2006/main">
           <a:pPr algn="ctr"/>
           <a:r>
-            <a:rPr lang="en-GB" sz="1100" smtClean="0"/>
+            <a:rPr lang="en-GB" sz="1100"/>
             <a:t>51.7%</a:t>
           </a:r>
-          <a:endParaRPr lang="en-GB" sz="1100"/>
         </a:p>
       </cdr:txBody>
     </cdr:sp>
@@ -37969,10 +37663,9 @@
         <a:p xmlns:a="http://schemas.openxmlformats.org/drawingml/2006/main">
           <a:pPr algn="ctr"/>
           <a:r>
-            <a:rPr lang="en-GB" sz="1100" smtClean="0"/>
+            <a:rPr lang="en-GB" sz="1100"/>
             <a:t>10.3%</a:t>
           </a:r>
-          <a:endParaRPr lang="en-GB" sz="1100"/>
         </a:p>
       </cdr:txBody>
     </cdr:sp>
@@ -38008,7 +37701,7 @@
         <a:p xmlns:a="http://schemas.openxmlformats.org/drawingml/2006/main">
           <a:pPr algn="ctr"/>
           <a:r>
-            <a:rPr lang="en-GB" sz="1100" smtClean="0"/>
+            <a:rPr lang="en-GB" sz="1100"/>
             <a:t>12.5%</a:t>
           </a:r>
           <a:endParaRPr lang="en-GB" sz="1100" dirty="0"/>
@@ -38047,10 +37740,9 @@
         <a:p xmlns:a="http://schemas.openxmlformats.org/drawingml/2006/main">
           <a:pPr algn="ctr"/>
           <a:r>
-            <a:rPr lang="en-GB" sz="1100" smtClean="0"/>
+            <a:rPr lang="en-GB" sz="1100"/>
             <a:t>8.7%</a:t>
           </a:r>
-          <a:endParaRPr lang="en-GB" sz="1100"/>
         </a:p>
       </cdr:txBody>
     </cdr:sp>
@@ -38086,10 +37778,9 @@
         <a:p xmlns:a="http://schemas.openxmlformats.org/drawingml/2006/main">
           <a:pPr algn="ctr"/>
           <a:r>
-            <a:rPr lang="en-GB" sz="1100" smtClean="0"/>
+            <a:rPr lang="en-GB" sz="1100"/>
             <a:t>29.6%</a:t>
           </a:r>
-          <a:endParaRPr lang="en-GB" sz="1100"/>
         </a:p>
       </cdr:txBody>
     </cdr:sp>
@@ -38125,10 +37816,9 @@
         <a:p xmlns:a="http://schemas.openxmlformats.org/drawingml/2006/main">
           <a:pPr algn="ctr"/>
           <a:r>
-            <a:rPr lang="en-GB" sz="1100" smtClean="0"/>
+            <a:rPr lang="en-GB" sz="1100"/>
             <a:t>22.2%</a:t>
           </a:r>
-          <a:endParaRPr lang="en-GB" sz="1100"/>
         </a:p>
       </cdr:txBody>
     </cdr:sp>
@@ -38164,7 +37854,7 @@
         <a:p xmlns:a="http://schemas.openxmlformats.org/drawingml/2006/main">
           <a:pPr algn="ctr"/>
           <a:r>
-            <a:rPr lang="en-GB" sz="1100" smtClean="0"/>
+            <a:rPr lang="en-GB" sz="1100"/>
             <a:t>30.0%</a:t>
           </a:r>
           <a:endParaRPr lang="en-GB" sz="1100" dirty="0"/>
@@ -38243,10 +37933,9 @@
         <a:p xmlns:a="http://schemas.openxmlformats.org/drawingml/2006/main">
           <a:pPr algn="ctr"/>
           <a:r>
-            <a:rPr lang="en-GB" sz="1100" smtClean="0"/>
+            <a:rPr lang="en-GB" sz="1100"/>
             <a:t>51.7%</a:t>
           </a:r>
-          <a:endParaRPr lang="en-GB" sz="1100"/>
         </a:p>
       </cdr:txBody>
     </cdr:sp>
@@ -38282,10 +37971,9 @@
         <a:p xmlns:a="http://schemas.openxmlformats.org/drawingml/2006/main">
           <a:pPr algn="ctr"/>
           <a:r>
-            <a:rPr lang="en-GB" sz="1100" smtClean="0"/>
+            <a:rPr lang="en-GB" sz="1100"/>
             <a:t>51.7%</a:t>
           </a:r>
-          <a:endParaRPr lang="en-GB" sz="1100"/>
         </a:p>
       </cdr:txBody>
     </cdr:sp>
@@ -38321,10 +38009,9 @@
         <a:p xmlns:a="http://schemas.openxmlformats.org/drawingml/2006/main">
           <a:pPr algn="ctr"/>
           <a:r>
-            <a:rPr lang="en-GB" sz="1100" smtClean="0"/>
+            <a:rPr lang="en-GB" sz="1100"/>
             <a:t>51.7%</a:t>
           </a:r>
-          <a:endParaRPr lang="en-GB" sz="1100"/>
         </a:p>
       </cdr:txBody>
     </cdr:sp>
@@ -38360,10 +38047,9 @@
         <a:p xmlns:a="http://schemas.openxmlformats.org/drawingml/2006/main">
           <a:pPr algn="ctr"/>
           <a:r>
-            <a:rPr lang="en-GB" sz="1100" smtClean="0"/>
+            <a:rPr lang="en-GB" sz="1100"/>
             <a:t>51.7%</a:t>
           </a:r>
-          <a:endParaRPr lang="en-GB" sz="1100"/>
         </a:p>
       </cdr:txBody>
     </cdr:sp>
@@ -38399,10 +38085,9 @@
         <a:p xmlns:a="http://schemas.openxmlformats.org/drawingml/2006/main">
           <a:pPr algn="ctr"/>
           <a:r>
-            <a:rPr lang="en-GB" sz="1100" smtClean="0"/>
+            <a:rPr lang="en-GB" sz="1100"/>
             <a:t>51.7%</a:t>
           </a:r>
-          <a:endParaRPr lang="en-GB" sz="1100"/>
         </a:p>
       </cdr:txBody>
     </cdr:sp>
@@ -38438,10 +38123,9 @@
         <a:p xmlns:a="http://schemas.openxmlformats.org/drawingml/2006/main">
           <a:pPr algn="ctr"/>
           <a:r>
-            <a:rPr lang="en-GB" sz="1100" smtClean="0"/>
+            <a:rPr lang="en-GB" sz="1100"/>
             <a:t>51.7%</a:t>
           </a:r>
-          <a:endParaRPr lang="en-GB" sz="1100"/>
         </a:p>
       </cdr:txBody>
     </cdr:sp>
@@ -38477,10 +38161,9 @@
         <a:p xmlns:a="http://schemas.openxmlformats.org/drawingml/2006/main">
           <a:pPr algn="ctr"/>
           <a:r>
-            <a:rPr lang="en-GB" sz="1100" smtClean="0"/>
+            <a:rPr lang="en-GB" sz="1100"/>
             <a:t>51.7%</a:t>
           </a:r>
-          <a:endParaRPr lang="en-GB" sz="1100"/>
         </a:p>
       </cdr:txBody>
     </cdr:sp>
@@ -38516,10 +38199,9 @@
         <a:p xmlns:a="http://schemas.openxmlformats.org/drawingml/2006/main">
           <a:pPr algn="r"/>
           <a:r>
-            <a:rPr lang="en-GB" sz="1100" smtClean="0"/>
+            <a:rPr lang="en-GB" sz="1100"/>
             <a:t>Age Under 20</a:t>
           </a:r>
-          <a:endParaRPr lang="en-GB" sz="1100"/>
         </a:p>
       </cdr:txBody>
     </cdr:sp>
@@ -38555,10 +38237,9 @@
         <a:p xmlns:a="http://schemas.openxmlformats.org/drawingml/2006/main">
           <a:pPr algn="r"/>
           <a:r>
-            <a:rPr lang="en-GB" sz="1100" smtClean="0"/>
+            <a:rPr lang="en-GB" sz="1100"/>
             <a:t>Age 20-25</a:t>
           </a:r>
-          <a:endParaRPr lang="en-GB" sz="1100"/>
         </a:p>
       </cdr:txBody>
     </cdr:sp>
@@ -38594,10 +38275,9 @@
         <a:p xmlns:a="http://schemas.openxmlformats.org/drawingml/2006/main">
           <a:pPr algn="r"/>
           <a:r>
-            <a:rPr lang="en-GB" sz="1100" smtClean="0"/>
+            <a:rPr lang="en-GB" sz="1100"/>
             <a:t>Age 25-35</a:t>
           </a:r>
-          <a:endParaRPr lang="en-GB" sz="1100"/>
         </a:p>
       </cdr:txBody>
     </cdr:sp>
@@ -38633,10 +38313,9 @@
         <a:p xmlns:a="http://schemas.openxmlformats.org/drawingml/2006/main">
           <a:pPr algn="r"/>
           <a:r>
-            <a:rPr lang="en-GB" sz="1100" smtClean="0"/>
+            <a:rPr lang="en-GB" sz="1100"/>
             <a:t>Age 35-45</a:t>
           </a:r>
-          <a:endParaRPr lang="en-GB" sz="1100"/>
         </a:p>
       </cdr:txBody>
     </cdr:sp>
@@ -38672,10 +38351,9 @@
         <a:p xmlns:a="http://schemas.openxmlformats.org/drawingml/2006/main">
           <a:pPr algn="r"/>
           <a:r>
-            <a:rPr lang="en-GB" sz="1100" smtClean="0"/>
+            <a:rPr lang="en-GB" sz="1100"/>
             <a:t>Age 45-55</a:t>
           </a:r>
-          <a:endParaRPr lang="en-GB" sz="1100"/>
         </a:p>
       </cdr:txBody>
     </cdr:sp>
@@ -38711,10 +38389,9 @@
         <a:p xmlns:a="http://schemas.openxmlformats.org/drawingml/2006/main">
           <a:pPr algn="r"/>
           <a:r>
-            <a:rPr lang="en-GB" sz="1100" dirty="0" smtClean="0"/>
+            <a:rPr lang="en-GB" sz="1100" dirty="0"/>
             <a:t>Age 55 Plus</a:t>
           </a:r>
-          <a:endParaRPr lang="en-GB" sz="1100" dirty="0"/>
         </a:p>
       </cdr:txBody>
     </cdr:sp>
@@ -38764,7 +38441,7 @@
           </a:lstStyle>
           <a:p>
             <a:r>
-              <a:rPr lang="en-US" smtClean="0"/>
+              <a:rPr lang="en-US"/>
               <a:t>Click to edit Master title style</a:t>
             </a:r>
             <a:endParaRPr lang="en-GB"/>
@@ -38829,7 +38506,7 @@
           </a:lstStyle>
           <a:p>
             <a:r>
-              <a:rPr lang="en-US" smtClean="0"/>
+              <a:rPr lang="en-US"/>
               <a:t>Click to edit Master subtitle style</a:t>
             </a:r>
             <a:endParaRPr lang="en-GB"/>
@@ -38853,7 +38530,7 @@
           <a:p>
             <a:fld id="{E482DFA6-6B95-4553-B7D7-11376DF2CCB4}" type="datetimeFigureOut">
               <a:rPr lang="en-GB" smtClean="0"/>
-              <a:t>06/04/2016</a:t>
+              <a:t>28/10/2016</a:t>
             </a:fld>
             <a:endParaRPr lang="en-GB"/>
           </a:p>
@@ -38941,10 +38618,9 @@
           <a:p>
             <a:pPr algn="ctr"/>
             <a:r>
-              <a:rPr lang="en-GB" dirty="0" smtClean="0"/>
+              <a:rPr lang="en-GB" dirty="0"/>
               <a:t>v4_2_support.py module</a:t>
             </a:r>
-            <a:endParaRPr lang="en-GB" dirty="0"/>
           </a:p>
         </p:txBody>
       </p:sp>
@@ -38994,7 +38670,7 @@
           <a:lstStyle/>
           <a:p>
             <a:r>
-              <a:rPr lang="en-US" smtClean="0"/>
+              <a:rPr lang="en-US"/>
               <a:t>Click to edit Master title style</a:t>
             </a:r>
             <a:endParaRPr lang="en-GB"/>
@@ -39018,35 +38694,35 @@
           <a:p>
             <a:pPr lvl="0"/>
             <a:r>
-              <a:rPr lang="en-US" smtClean="0"/>
+              <a:rPr lang="en-US"/>
               <a:t>Edit Master text styles</a:t>
             </a:r>
           </a:p>
           <a:p>
             <a:pPr lvl="1"/>
             <a:r>
-              <a:rPr lang="en-US" smtClean="0"/>
+              <a:rPr lang="en-US"/>
               <a:t>Second level</a:t>
             </a:r>
           </a:p>
           <a:p>
             <a:pPr lvl="2"/>
             <a:r>
-              <a:rPr lang="en-US" smtClean="0"/>
+              <a:rPr lang="en-US"/>
               <a:t>Third level</a:t>
             </a:r>
           </a:p>
           <a:p>
             <a:pPr lvl="3"/>
             <a:r>
-              <a:rPr lang="en-US" smtClean="0"/>
+              <a:rPr lang="en-US"/>
               <a:t>Fourth level</a:t>
             </a:r>
           </a:p>
           <a:p>
             <a:pPr lvl="4"/>
             <a:r>
-              <a:rPr lang="en-US" smtClean="0"/>
+              <a:rPr lang="en-US"/>
               <a:t>Fifth level</a:t>
             </a:r>
             <a:endParaRPr lang="en-GB"/>
@@ -39070,7 +38746,7 @@
           <a:p>
             <a:fld id="{E482DFA6-6B95-4553-B7D7-11376DF2CCB4}" type="datetimeFigureOut">
               <a:rPr lang="en-GB" smtClean="0"/>
-              <a:t>06/04/2016</a:t>
+              <a:t>28/10/2016</a:t>
             </a:fld>
             <a:endParaRPr lang="en-GB"/>
           </a:p>
@@ -39169,7 +38845,7 @@
           <a:lstStyle/>
           <a:p>
             <a:r>
-              <a:rPr lang="en-US" smtClean="0"/>
+              <a:rPr lang="en-US"/>
               <a:t>Click to edit Master title style</a:t>
             </a:r>
             <a:endParaRPr lang="en-GB"/>
@@ -39198,35 +38874,35 @@
           <a:p>
             <a:pPr lvl="0"/>
             <a:r>
-              <a:rPr lang="en-US" smtClean="0"/>
+              <a:rPr lang="en-US"/>
               <a:t>Edit Master text styles</a:t>
             </a:r>
           </a:p>
           <a:p>
             <a:pPr lvl="1"/>
             <a:r>
-              <a:rPr lang="en-US" smtClean="0"/>
+              <a:rPr lang="en-US"/>
               <a:t>Second level</a:t>
             </a:r>
           </a:p>
           <a:p>
             <a:pPr lvl="2"/>
             <a:r>
-              <a:rPr lang="en-US" smtClean="0"/>
+              <a:rPr lang="en-US"/>
               <a:t>Third level</a:t>
             </a:r>
           </a:p>
           <a:p>
             <a:pPr lvl="3"/>
             <a:r>
-              <a:rPr lang="en-US" smtClean="0"/>
+              <a:rPr lang="en-US"/>
               <a:t>Fourth level</a:t>
             </a:r>
           </a:p>
           <a:p>
             <a:pPr lvl="4"/>
             <a:r>
-              <a:rPr lang="en-US" smtClean="0"/>
+              <a:rPr lang="en-US"/>
               <a:t>Fifth level</a:t>
             </a:r>
             <a:endParaRPr lang="en-GB"/>
@@ -39250,7 +38926,7 @@
           <a:p>
             <a:fld id="{E482DFA6-6B95-4553-B7D7-11376DF2CCB4}" type="datetimeFigureOut">
               <a:rPr lang="en-GB" smtClean="0"/>
-              <a:t>06/04/2016</a:t>
+              <a:t>28/10/2016</a:t>
             </a:fld>
             <a:endParaRPr lang="en-GB"/>
           </a:p>
@@ -39344,7 +39020,7 @@
           <a:lstStyle/>
           <a:p>
             <a:r>
-              <a:rPr lang="en-US" smtClean="0"/>
+              <a:rPr lang="en-US"/>
               <a:t>Click to edit Master title style</a:t>
             </a:r>
             <a:endParaRPr lang="en-GB"/>
@@ -39368,35 +39044,35 @@
           <a:p>
             <a:pPr lvl="0"/>
             <a:r>
-              <a:rPr lang="en-US" smtClean="0"/>
+              <a:rPr lang="en-US"/>
               <a:t>Edit Master text styles</a:t>
             </a:r>
           </a:p>
           <a:p>
             <a:pPr lvl="1"/>
             <a:r>
-              <a:rPr lang="en-US" smtClean="0"/>
+              <a:rPr lang="en-US"/>
               <a:t>Second level</a:t>
             </a:r>
           </a:p>
           <a:p>
             <a:pPr lvl="2"/>
             <a:r>
-              <a:rPr lang="en-US" smtClean="0"/>
+              <a:rPr lang="en-US"/>
               <a:t>Third level</a:t>
             </a:r>
           </a:p>
           <a:p>
             <a:pPr lvl="3"/>
             <a:r>
-              <a:rPr lang="en-US" smtClean="0"/>
+              <a:rPr lang="en-US"/>
               <a:t>Fourth level</a:t>
             </a:r>
           </a:p>
           <a:p>
             <a:pPr lvl="4"/>
             <a:r>
-              <a:rPr lang="en-US" smtClean="0"/>
+              <a:rPr lang="en-US"/>
               <a:t>Fifth level</a:t>
             </a:r>
             <a:endParaRPr lang="en-GB"/>
@@ -39420,7 +39096,7 @@
           <a:p>
             <a:fld id="{E482DFA6-6B95-4553-B7D7-11376DF2CCB4}" type="datetimeFigureOut">
               <a:rPr lang="en-GB" smtClean="0"/>
-              <a:t>06/04/2016</a:t>
+              <a:t>28/10/2016</a:t>
             </a:fld>
             <a:endParaRPr lang="en-GB"/>
           </a:p>
@@ -39523,7 +39199,7 @@
           </a:lstStyle>
           <a:p>
             <a:r>
-              <a:rPr lang="en-US" smtClean="0"/>
+              <a:rPr lang="en-US"/>
               <a:t>Click to edit Master title style</a:t>
             </a:r>
             <a:endParaRPr lang="en-GB"/>
@@ -39643,7 +39319,7 @@
           <a:p>
             <a:pPr lvl="0"/>
             <a:r>
-              <a:rPr lang="en-US" smtClean="0"/>
+              <a:rPr lang="en-US"/>
               <a:t>Edit Master text styles</a:t>
             </a:r>
           </a:p>
@@ -39666,7 +39342,7 @@
           <a:p>
             <a:fld id="{E482DFA6-6B95-4553-B7D7-11376DF2CCB4}" type="datetimeFigureOut">
               <a:rPr lang="en-GB" smtClean="0"/>
-              <a:t>06/04/2016</a:t>
+              <a:t>28/10/2016</a:t>
             </a:fld>
             <a:endParaRPr lang="en-GB"/>
           </a:p>
@@ -39760,7 +39436,7 @@
           <a:lstStyle/>
           <a:p>
             <a:r>
-              <a:rPr lang="en-US" smtClean="0"/>
+              <a:rPr lang="en-US"/>
               <a:t>Click to edit Master title style</a:t>
             </a:r>
             <a:endParaRPr lang="en-GB"/>
@@ -39789,35 +39465,35 @@
           <a:p>
             <a:pPr lvl="0"/>
             <a:r>
-              <a:rPr lang="en-US" smtClean="0"/>
+              <a:rPr lang="en-US"/>
               <a:t>Edit Master text styles</a:t>
             </a:r>
           </a:p>
           <a:p>
             <a:pPr lvl="1"/>
             <a:r>
-              <a:rPr lang="en-US" smtClean="0"/>
+              <a:rPr lang="en-US"/>
               <a:t>Second level</a:t>
             </a:r>
           </a:p>
           <a:p>
             <a:pPr lvl="2"/>
             <a:r>
-              <a:rPr lang="en-US" smtClean="0"/>
+              <a:rPr lang="en-US"/>
               <a:t>Third level</a:t>
             </a:r>
           </a:p>
           <a:p>
             <a:pPr lvl="3"/>
             <a:r>
-              <a:rPr lang="en-US" smtClean="0"/>
+              <a:rPr lang="en-US"/>
               <a:t>Fourth level</a:t>
             </a:r>
           </a:p>
           <a:p>
             <a:pPr lvl="4"/>
             <a:r>
-              <a:rPr lang="en-US" smtClean="0"/>
+              <a:rPr lang="en-US"/>
               <a:t>Fifth level</a:t>
             </a:r>
             <a:endParaRPr lang="en-GB"/>
@@ -39846,35 +39522,35 @@
           <a:p>
             <a:pPr lvl="0"/>
             <a:r>
-              <a:rPr lang="en-US" smtClean="0"/>
+              <a:rPr lang="en-US"/>
               <a:t>Edit Master text styles</a:t>
             </a:r>
           </a:p>
           <a:p>
             <a:pPr lvl="1"/>
             <a:r>
-              <a:rPr lang="en-US" smtClean="0"/>
+              <a:rPr lang="en-US"/>
               <a:t>Second level</a:t>
             </a:r>
           </a:p>
           <a:p>
             <a:pPr lvl="2"/>
             <a:r>
-              <a:rPr lang="en-US" smtClean="0"/>
+              <a:rPr lang="en-US"/>
               <a:t>Third level</a:t>
             </a:r>
           </a:p>
           <a:p>
             <a:pPr lvl="3"/>
             <a:r>
-              <a:rPr lang="en-US" smtClean="0"/>
+              <a:rPr lang="en-US"/>
               <a:t>Fourth level</a:t>
             </a:r>
           </a:p>
           <a:p>
             <a:pPr lvl="4"/>
             <a:r>
-              <a:rPr lang="en-US" smtClean="0"/>
+              <a:rPr lang="en-US"/>
               <a:t>Fifth level</a:t>
             </a:r>
             <a:endParaRPr lang="en-GB"/>
@@ -39898,7 +39574,7 @@
           <a:p>
             <a:fld id="{E482DFA6-6B95-4553-B7D7-11376DF2CCB4}" type="datetimeFigureOut">
               <a:rPr lang="en-GB" smtClean="0"/>
-              <a:t>06/04/2016</a:t>
+              <a:t>28/10/2016</a:t>
             </a:fld>
             <a:endParaRPr lang="en-GB"/>
           </a:p>
@@ -39997,7 +39673,7 @@
           <a:lstStyle/>
           <a:p>
             <a:r>
-              <a:rPr lang="en-US" smtClean="0"/>
+              <a:rPr lang="en-US"/>
               <a:t>Click to edit Master title style</a:t>
             </a:r>
             <a:endParaRPr lang="en-GB"/>
@@ -40063,7 +39739,7 @@
           <a:p>
             <a:pPr lvl="0"/>
             <a:r>
-              <a:rPr lang="en-US" smtClean="0"/>
+              <a:rPr lang="en-US"/>
               <a:t>Edit Master text styles</a:t>
             </a:r>
           </a:p>
@@ -40091,35 +39767,35 @@
           <a:p>
             <a:pPr lvl="0"/>
             <a:r>
-              <a:rPr lang="en-US" smtClean="0"/>
+              <a:rPr lang="en-US"/>
               <a:t>Edit Master text styles</a:t>
             </a:r>
           </a:p>
           <a:p>
             <a:pPr lvl="1"/>
             <a:r>
-              <a:rPr lang="en-US" smtClean="0"/>
+              <a:rPr lang="en-US"/>
               <a:t>Second level</a:t>
             </a:r>
           </a:p>
           <a:p>
             <a:pPr lvl="2"/>
             <a:r>
-              <a:rPr lang="en-US" smtClean="0"/>
+              <a:rPr lang="en-US"/>
               <a:t>Third level</a:t>
             </a:r>
           </a:p>
           <a:p>
             <a:pPr lvl="3"/>
             <a:r>
-              <a:rPr lang="en-US" smtClean="0"/>
+              <a:rPr lang="en-US"/>
               <a:t>Fourth level</a:t>
             </a:r>
           </a:p>
           <a:p>
             <a:pPr lvl="4"/>
             <a:r>
-              <a:rPr lang="en-US" smtClean="0"/>
+              <a:rPr lang="en-US"/>
               <a:t>Fifth level</a:t>
             </a:r>
             <a:endParaRPr lang="en-GB"/>
@@ -40185,7 +39861,7 @@
           <a:p>
             <a:pPr lvl="0"/>
             <a:r>
-              <a:rPr lang="en-US" smtClean="0"/>
+              <a:rPr lang="en-US"/>
               <a:t>Edit Master text styles</a:t>
             </a:r>
           </a:p>
@@ -40213,35 +39889,35 @@
           <a:p>
             <a:pPr lvl="0"/>
             <a:r>
-              <a:rPr lang="en-US" smtClean="0"/>
+              <a:rPr lang="en-US"/>
               <a:t>Edit Master text styles</a:t>
             </a:r>
           </a:p>
           <a:p>
             <a:pPr lvl="1"/>
             <a:r>
-              <a:rPr lang="en-US" smtClean="0"/>
+              <a:rPr lang="en-US"/>
               <a:t>Second level</a:t>
             </a:r>
           </a:p>
           <a:p>
             <a:pPr lvl="2"/>
             <a:r>
-              <a:rPr lang="en-US" smtClean="0"/>
+              <a:rPr lang="en-US"/>
               <a:t>Third level</a:t>
             </a:r>
           </a:p>
           <a:p>
             <a:pPr lvl="3"/>
             <a:r>
-              <a:rPr lang="en-US" smtClean="0"/>
+              <a:rPr lang="en-US"/>
               <a:t>Fourth level</a:t>
             </a:r>
           </a:p>
           <a:p>
             <a:pPr lvl="4"/>
             <a:r>
-              <a:rPr lang="en-US" smtClean="0"/>
+              <a:rPr lang="en-US"/>
               <a:t>Fifth level</a:t>
             </a:r>
             <a:endParaRPr lang="en-GB"/>
@@ -40265,7 +39941,7 @@
           <a:p>
             <a:fld id="{E482DFA6-6B95-4553-B7D7-11376DF2CCB4}" type="datetimeFigureOut">
               <a:rPr lang="en-GB" smtClean="0"/>
-              <a:t>06/04/2016</a:t>
+              <a:t>28/10/2016</a:t>
             </a:fld>
             <a:endParaRPr lang="en-GB"/>
           </a:p>
@@ -40359,7 +40035,7 @@
           <a:lstStyle/>
           <a:p>
             <a:r>
-              <a:rPr lang="en-US" smtClean="0"/>
+              <a:rPr lang="en-US"/>
               <a:t>Click to edit Master title style</a:t>
             </a:r>
             <a:endParaRPr lang="en-GB"/>
@@ -40383,7 +40059,7 @@
           <a:p>
             <a:fld id="{E482DFA6-6B95-4553-B7D7-11376DF2CCB4}" type="datetimeFigureOut">
               <a:rPr lang="en-GB" smtClean="0"/>
-              <a:t>06/04/2016</a:t>
+              <a:t>28/10/2016</a:t>
             </a:fld>
             <a:endParaRPr lang="en-GB"/>
           </a:p>
@@ -40478,7 +40154,7 @@
           <a:p>
             <a:fld id="{E482DFA6-6B95-4553-B7D7-11376DF2CCB4}" type="datetimeFigureOut">
               <a:rPr lang="en-GB" smtClean="0"/>
-              <a:t>06/04/2016</a:t>
+              <a:t>28/10/2016</a:t>
             </a:fld>
             <a:endParaRPr lang="en-GB"/>
           </a:p>
@@ -40581,7 +40257,7 @@
           </a:lstStyle>
           <a:p>
             <a:r>
-              <a:rPr lang="en-US" smtClean="0"/>
+              <a:rPr lang="en-US"/>
               <a:t>Click to edit Master title style</a:t>
             </a:r>
             <a:endParaRPr lang="en-GB"/>
@@ -40638,35 +40314,35 @@
           <a:p>
             <a:pPr lvl="0"/>
             <a:r>
-              <a:rPr lang="en-US" smtClean="0"/>
+              <a:rPr lang="en-US"/>
               <a:t>Edit Master text styles</a:t>
             </a:r>
           </a:p>
           <a:p>
             <a:pPr lvl="1"/>
             <a:r>
-              <a:rPr lang="en-US" smtClean="0"/>
+              <a:rPr lang="en-US"/>
               <a:t>Second level</a:t>
             </a:r>
           </a:p>
           <a:p>
             <a:pPr lvl="2"/>
             <a:r>
-              <a:rPr lang="en-US" smtClean="0"/>
+              <a:rPr lang="en-US"/>
               <a:t>Third level</a:t>
             </a:r>
           </a:p>
           <a:p>
             <a:pPr lvl="3"/>
             <a:r>
-              <a:rPr lang="en-US" smtClean="0"/>
+              <a:rPr lang="en-US"/>
               <a:t>Fourth level</a:t>
             </a:r>
           </a:p>
           <a:p>
             <a:pPr lvl="4"/>
             <a:r>
-              <a:rPr lang="en-US" smtClean="0"/>
+              <a:rPr lang="en-US"/>
               <a:t>Fifth level</a:t>
             </a:r>
             <a:endParaRPr lang="en-GB"/>
@@ -40732,7 +40408,7 @@
           <a:p>
             <a:pPr lvl="0"/>
             <a:r>
-              <a:rPr lang="en-US" smtClean="0"/>
+              <a:rPr lang="en-US"/>
               <a:t>Edit Master text styles</a:t>
             </a:r>
           </a:p>
@@ -40755,7 +40431,7 @@
           <a:p>
             <a:fld id="{E482DFA6-6B95-4553-B7D7-11376DF2CCB4}" type="datetimeFigureOut">
               <a:rPr lang="en-GB" smtClean="0"/>
-              <a:t>06/04/2016</a:t>
+              <a:t>28/10/2016</a:t>
             </a:fld>
             <a:endParaRPr lang="en-GB"/>
           </a:p>
@@ -40858,7 +40534,7 @@
           </a:lstStyle>
           <a:p>
             <a:r>
-              <a:rPr lang="en-US" smtClean="0"/>
+              <a:rPr lang="en-US"/>
               <a:t>Click to edit Master title style</a:t>
             </a:r>
             <a:endParaRPr lang="en-GB"/>
@@ -40985,7 +40661,7 @@
           <a:p>
             <a:pPr lvl="0"/>
             <a:r>
-              <a:rPr lang="en-US" smtClean="0"/>
+              <a:rPr lang="en-US"/>
               <a:t>Edit Master text styles</a:t>
             </a:r>
           </a:p>
@@ -41008,7 +40684,7 @@
           <a:p>
             <a:fld id="{E482DFA6-6B95-4553-B7D7-11376DF2CCB4}" type="datetimeFigureOut">
               <a:rPr lang="en-GB" smtClean="0"/>
-              <a:t>06/04/2016</a:t>
+              <a:t>28/10/2016</a:t>
             </a:fld>
             <a:endParaRPr lang="en-GB"/>
           </a:p>
@@ -41117,7 +40793,7 @@
           <a:lstStyle/>
           <a:p>
             <a:r>
-              <a:rPr lang="en-US" smtClean="0"/>
+              <a:rPr lang="en-US"/>
               <a:t>Click to edit Master title style</a:t>
             </a:r>
             <a:endParaRPr lang="en-GB"/>
@@ -41151,35 +40827,35 @@
           <a:p>
             <a:pPr lvl="0"/>
             <a:r>
-              <a:rPr lang="en-US" smtClean="0"/>
+              <a:rPr lang="en-US"/>
               <a:t>Edit Master text styles</a:t>
             </a:r>
           </a:p>
           <a:p>
             <a:pPr lvl="1"/>
             <a:r>
-              <a:rPr lang="en-US" smtClean="0"/>
+              <a:rPr lang="en-US"/>
               <a:t>Second level</a:t>
             </a:r>
           </a:p>
           <a:p>
             <a:pPr lvl="2"/>
             <a:r>
-              <a:rPr lang="en-US" smtClean="0"/>
+              <a:rPr lang="en-US"/>
               <a:t>Third level</a:t>
             </a:r>
           </a:p>
           <a:p>
             <a:pPr lvl="3"/>
             <a:r>
-              <a:rPr lang="en-US" smtClean="0"/>
+              <a:rPr lang="en-US"/>
               <a:t>Fourth level</a:t>
             </a:r>
           </a:p>
           <a:p>
             <a:pPr lvl="4"/>
             <a:r>
-              <a:rPr lang="en-US" smtClean="0"/>
+              <a:rPr lang="en-US"/>
               <a:t>Fifth level</a:t>
             </a:r>
             <a:endParaRPr lang="en-GB"/>
@@ -41221,7 +40897,7 @@
           <a:p>
             <a:fld id="{E482DFA6-6B95-4553-B7D7-11376DF2CCB4}" type="datetimeFigureOut">
               <a:rPr lang="en-GB" smtClean="0"/>
-              <a:t>06/04/2016</a:t>
+              <a:t>28/10/2016</a:t>
             </a:fld>
             <a:endParaRPr lang="en-GB"/>
           </a:p>
@@ -41667,36 +41343,16 @@
             <a:br>
               <a:rPr lang="en-GB" sz="1800" dirty="0"/>
             </a:br>
-            <a:r>
-              <a:rPr lang="en-GB" sz="1800" dirty="0"/>
-              <a:t/>
-            </a:r>
             <a:br>
               <a:rPr lang="en-GB" sz="1800" dirty="0"/>
             </a:br>
             <a:r>
               <a:rPr lang="en-GB" sz="1400" u="sng" dirty="0"/>
-              <a:t>$</a:t>
-            </a:r>
-            <a:r>
-              <a:rPr lang="en-GB" sz="1400" u="sng" dirty="0" smtClean="0"/>
-              <a:t>\</a:t>
-            </a:r>
-            <a:r>
-              <a:rPr lang="en-GB" sz="1400" u="sng" dirty="0"/>
-              <a:t>RepSuite\Releases\4.2\Slides2\Templates\Scripts\Transformations</a:t>
-            </a:r>
-            <a:r>
-              <a:rPr lang="en-GB" sz="1800" dirty="0"/>
-              <a:t/>
+              <a:t>$\RepSuite\Releases\4.2\Slides2\Templates\Scripts\Transformations</a:t>
             </a:r>
             <a:br>
               <a:rPr lang="en-GB" sz="1800" dirty="0"/>
             </a:br>
-            <a:r>
-              <a:rPr lang="en-GB" sz="1800" dirty="0"/>
-              <a:t/>
-            </a:r>
             <a:br>
               <a:rPr lang="en-GB" sz="1800" dirty="0"/>
             </a:br>
@@ -41765,7 +41421,7 @@
           <a:p>
             <a:pPr algn="l"/>
             <a:r>
-              <a:rPr lang="en-GB" sz="4000" dirty="0" smtClean="0"/>
+              <a:rPr lang="en-GB" sz="4000" dirty="0"/>
               <a:t>Notes on running this Slides project</a:t>
             </a:r>
           </a:p>
@@ -41959,37 +41615,25 @@
           <a:p>
             <a:pPr algn="l"/>
             <a:r>
-              <a:rPr lang="en-GB" dirty="0" smtClean="0"/>
+              <a:rPr lang="en-GB" dirty="0"/>
               <a:t>It should be run as follows:</a:t>
             </a:r>
             <a:br>
-              <a:rPr lang="en-GB" dirty="0" smtClean="0"/>
+              <a:rPr lang="en-GB" dirty="0"/>
             </a:br>
-            <a:r>
-              <a:rPr lang="en-GB" dirty="0" smtClean="0"/>
-              <a:t/>
-            </a:r>
             <a:br>
-              <a:rPr lang="en-GB" dirty="0" smtClean="0"/>
+              <a:rPr lang="en-GB" dirty="0"/>
             </a:br>
             <a:r>
-              <a:rPr lang="en-GB" dirty="0" smtClean="0"/>
+              <a:rPr lang="en-GB" dirty="0"/>
               <a:t>1. Using the new script modules:</a:t>
             </a:r>
           </a:p>
           <a:p>
             <a:pPr algn="l"/>
             <a:r>
-              <a:rPr lang="en-GB" dirty="0" smtClean="0"/>
-              <a:t>Open </a:t>
-            </a:r>
-            <a:r>
               <a:rPr lang="en-GB" dirty="0"/>
-              <a:t>test_manual_v4_2_support_module.pptx  </a:t>
-            </a:r>
-            <a:r>
-              <a:rPr lang="en-GB" dirty="0" smtClean="0"/>
-              <a:t>and using Slides! run “Refresh all” and save the file.</a:t>
+              <a:t>Open test_manual_v4_2_support_module.pptx  and using Slides! run “Refresh all” and save the file.</a:t>
             </a:r>
           </a:p>
           <a:p>
@@ -41999,7 +41643,7 @@
           <a:p>
             <a:pPr algn="l"/>
             <a:r>
-              <a:rPr lang="en-GB" dirty="0" smtClean="0"/>
+              <a:rPr lang="en-GB" dirty="0"/>
               <a:t>2. Using the installed 4.2 script modules:</a:t>
             </a:r>
           </a:p>
@@ -42007,132 +41651,86 @@
             <a:pPr algn="l"/>
             <a:r>
               <a:rPr lang="en-GB" dirty="0"/>
-              <a:t>Open </a:t>
-            </a:r>
-            <a:r>
-              <a:rPr lang="en-GB" dirty="0" smtClean="0"/>
-              <a:t>test_manual_v4_2_support_module_results_from_4.2_scripts.pptx  </a:t>
-            </a:r>
-            <a:r>
-              <a:rPr lang="en-GB" dirty="0"/>
-              <a:t>and using Slides! run “Refresh all” and save the file</a:t>
-            </a:r>
-            <a:r>
-              <a:rPr lang="en-GB" dirty="0" smtClean="0"/>
-              <a:t>.</a:t>
+              <a:t>Open test_manual_v4_2_support_module_results_from_4.2_scripts.pptx  and using Slides! run “Refresh all” and save the file.</a:t>
             </a:r>
           </a:p>
           <a:p>
             <a:pPr algn="l"/>
             <a:r>
-              <a:rPr lang="en-GB" dirty="0" smtClean="0"/>
+              <a:rPr lang="en-GB" dirty="0"/>
               <a:t>(this doesn’t need to be run each time as it’s known good results)</a:t>
             </a:r>
+          </a:p>
+          <a:p>
+            <a:pPr algn="l"/>
+            <a:br>
+              <a:rPr lang="en-GB" dirty="0"/>
+            </a:br>
+            <a:r>
+              <a:rPr lang="en-GB" dirty="0"/>
+              <a:t>3. From a command prompt run:</a:t>
+            </a:r>
+          </a:p>
+          <a:p>
+            <a:pPr algn="l"/>
+            <a:r>
+              <a:rPr lang="en-GB" dirty="0" err="1"/>
+              <a:t>diff_pptx_files</a:t>
+            </a:r>
+            <a:r>
+              <a:rPr lang="en-GB" dirty="0"/>
+              <a:t> -p1 " test_manual_v4_2_support_module.pptx " -p2 " test_manual_v4_2_support_module_results_from_4_2_scripts.pptx "</a:t>
+            </a:r>
+            <a:br>
+              <a:rPr lang="en-GB" dirty="0"/>
+            </a:br>
             <a:endParaRPr lang="en-GB" dirty="0"/>
           </a:p>
           <a:p>
             <a:pPr algn="l"/>
             <a:r>
-              <a:rPr lang="en-GB" dirty="0" smtClean="0"/>
-              <a:t/>
-            </a:r>
-            <a:br>
-              <a:rPr lang="en-GB" dirty="0" smtClean="0"/>
-            </a:br>
-            <a:r>
               <a:rPr lang="en-GB" dirty="0"/>
-              <a:t>3</a:t>
-            </a:r>
-            <a:r>
-              <a:rPr lang="en-GB" dirty="0" smtClean="0"/>
-              <a:t>. From a command prompt run:</a:t>
+              <a:t>4. The output from this will be found here:</a:t>
             </a:r>
           </a:p>
           <a:p>
             <a:pPr algn="l"/>
             <a:r>
-              <a:rPr lang="en-GB" dirty="0" err="1" smtClean="0"/>
-              <a:t>diff_pptx_files</a:t>
-            </a:r>
-            <a:r>
-              <a:rPr lang="en-GB" dirty="0" smtClean="0"/>
-              <a:t> -p1 "</a:t>
-            </a:r>
-            <a:r>
               <a:rPr lang="en-GB" dirty="0"/>
-              <a:t> </a:t>
-            </a:r>
-            <a:r>
-              <a:rPr lang="en-GB" dirty="0" smtClean="0"/>
-              <a:t>test_manual_v4_2_support_module.pptx " -p2 "</a:t>
+              <a:t>\</a:t>
+            </a:r>
+            <a:r>
+              <a:rPr lang="en-GB" dirty="0" err="1"/>
+              <a:t>diff_output_files</a:t>
             </a:r>
             <a:r>
               <a:rPr lang="en-GB" dirty="0"/>
-              <a:t> </a:t>
-            </a:r>
-            <a:r>
-              <a:rPr lang="en-GB" dirty="0" smtClean="0"/>
-              <a:t>test_manual_v4_2_support_module_results_from_4_2_scripts.pptx "</a:t>
-            </a:r>
-            <a:br>
-              <a:rPr lang="en-GB" dirty="0" smtClean="0"/>
-            </a:br>
-            <a:endParaRPr lang="en-GB" dirty="0" smtClean="0"/>
+              <a:t>\diff_test_manual_v4_2_support_module_test_manual_v4_2_support_module_results_from_4_2_scripts.html</a:t>
+            </a:r>
           </a:p>
           <a:p>
             <a:pPr algn="l"/>
-            <a:r>
-              <a:rPr lang="en-GB" dirty="0"/>
-              <a:t>4</a:t>
-            </a:r>
-            <a:r>
-              <a:rPr lang="en-GB" dirty="0" smtClean="0"/>
-              <a:t>. The output from this will be found here:</a:t>
-            </a:r>
+            <a:endParaRPr lang="en-GB" dirty="0"/>
           </a:p>
           <a:p>
             <a:pPr algn="l"/>
             <a:r>
               <a:rPr lang="en-GB" dirty="0"/>
-              <a:t>\</a:t>
+              <a:t>Note: </a:t>
             </a:r>
             <a:r>
               <a:rPr lang="en-GB" dirty="0" err="1"/>
-              <a:t>diff_output_files</a:t>
+              <a:t>diff_pptx_files</a:t>
             </a:r>
             <a:r>
               <a:rPr lang="en-GB" dirty="0"/>
-              <a:t>\diff_test_manual_v4_2_support_module_test_manual_v4_2_support_module_results_from_4_2_scripts.html</a:t>
-            </a:r>
-            <a:endParaRPr lang="en-GB" dirty="0" smtClean="0"/>
-          </a:p>
-          <a:p>
-            <a:pPr algn="l"/>
-            <a:endParaRPr lang="en-GB" dirty="0" smtClean="0"/>
-          </a:p>
-          <a:p>
-            <a:pPr algn="l"/>
-            <a:r>
-              <a:rPr lang="en-GB" dirty="0" smtClean="0"/>
-              <a:t>Note: </a:t>
-            </a:r>
-            <a:r>
-              <a:rPr lang="en-GB" dirty="0" err="1" smtClean="0"/>
-              <a:t>diff_pptx_files</a:t>
-            </a:r>
-            <a:r>
-              <a:rPr lang="en-GB" dirty="0" smtClean="0"/>
               <a:t> can be found here: https://github.com/swinstanley/slides-modules/</a:t>
             </a:r>
             <a:br>
-              <a:rPr lang="en-GB" dirty="0" smtClean="0"/>
+              <a:rPr lang="en-GB" dirty="0"/>
             </a:br>
-            <a:r>
-              <a:rPr lang="en-GB" dirty="0" smtClean="0"/>
-              <a:t/>
-            </a:r>
             <a:br>
-              <a:rPr lang="en-GB" dirty="0" smtClean="0"/>
+              <a:rPr lang="en-GB" dirty="0"/>
             </a:br>
             <a:endParaRPr lang="en-GB" dirty="0"/>
           </a:p>
@@ -42206,7 +41804,7 @@
           <a:p>
             <a:pPr algn="l"/>
             <a:r>
-              <a:rPr lang="en-GB" sz="1600" smtClean="0"/>
+              <a:rPr lang="en-GB" sz="1600"/>
               <a:t>TopNSummary(10) Strongly Disagree</a:t>
             </a:r>
             <a:endParaRPr lang="en-GB" sz="1600" dirty="0"/>
@@ -42278,18 +41876,17 @@
           <a:p>
             <a:pPr algn="ctr"/>
             <a:r>
-              <a:rPr lang="en-GB" dirty="0" smtClean="0"/>
+              <a:rPr lang="en-GB" dirty="0"/>
               <a:t>4.2 </a:t>
             </a:r>
             <a:r>
-              <a:rPr lang="en-GB" dirty="0" err="1" smtClean="0"/>
+              <a:rPr lang="en-GB" dirty="0" err="1"/>
               <a:t>transformations.compute</a:t>
             </a:r>
             <a:r>
-              <a:rPr lang="en-GB" dirty="0" smtClean="0"/>
+              <a:rPr lang="en-GB" dirty="0"/>
               <a:t> module</a:t>
             </a:r>
-            <a:endParaRPr lang="en-GB" dirty="0"/>
           </a:p>
         </p:txBody>
       </p:sp>
@@ -42329,36 +41926,36 @@
           <a:lstStyle/>
           <a:p>
             <a:r>
-              <a:rPr lang="en-GB" sz="800" dirty="0" smtClean="0"/>
+              <a:rPr lang="en-GB" sz="800" dirty="0"/>
               <a:t>NOTE: Installed </a:t>
             </a:r>
             <a:r>
-              <a:rPr lang="en-GB" sz="800" dirty="0" err="1" smtClean="0"/>
+              <a:rPr lang="en-GB" sz="800" dirty="0" err="1"/>
               <a:t>Transformations.compute</a:t>
             </a:r>
             <a:r>
-              <a:rPr lang="en-GB" sz="800" dirty="0" smtClean="0"/>
+              <a:rPr lang="en-GB" sz="800" dirty="0"/>
               <a:t> </a:t>
             </a:r>
             <a:r>
-              <a:rPr lang="en-GB" sz="800" dirty="0" err="1" smtClean="0"/>
+              <a:rPr lang="en-GB" sz="800" dirty="0" err="1"/>
               <a:t>TopNSummary</a:t>
             </a:r>
             <a:r>
-              <a:rPr lang="en-GB" sz="800" dirty="0" smtClean="0"/>
+              <a:rPr lang="en-GB" sz="800" dirty="0"/>
               <a:t> function fails to run, and is specific to a </a:t>
             </a:r>
             <a:r>
-              <a:rPr lang="en-GB" sz="800" dirty="0" err="1" smtClean="0"/>
+              <a:rPr lang="en-GB" sz="800" dirty="0" err="1"/>
               <a:t>german</a:t>
             </a:r>
             <a:r>
-              <a:rPr lang="en-GB" sz="800" dirty="0" smtClean="0"/>
+              <a:rPr lang="en-GB" sz="800" dirty="0"/>
               <a:t> script.   Update as follows:</a:t>
             </a:r>
           </a:p>
           <a:p>
-            <a:endParaRPr lang="en-GB" sz="800" dirty="0" smtClean="0"/>
+            <a:endParaRPr lang="en-GB" sz="800" dirty="0"/>
           </a:p>
           <a:p>
             <a:r>
@@ -42862,7 +42459,7 @@
           <a:p>
             <a:pPr algn="l"/>
             <a:r>
-              <a:rPr lang="en-GB" sz="1600" smtClean="0"/>
+              <a:rPr lang="en-GB" sz="1600"/>
               <a:t>ColumnDifference(0,1)['-13.0', '22.0', '-9.0', '-4.0', '1.0', '-11.0', '2.0', '10.0', '11.0']</a:t>
             </a:r>
             <a:endParaRPr lang="en-GB" sz="1600" dirty="0"/>
@@ -42934,18 +42531,17 @@
           <a:p>
             <a:pPr algn="ctr"/>
             <a:r>
-              <a:rPr lang="en-GB" dirty="0" smtClean="0"/>
+              <a:rPr lang="en-GB" dirty="0"/>
               <a:t>4.2 </a:t>
             </a:r>
             <a:r>
-              <a:rPr lang="en-GB" dirty="0" err="1" smtClean="0"/>
+              <a:rPr lang="en-GB" dirty="0" err="1"/>
               <a:t>transformations.compute</a:t>
             </a:r>
             <a:r>
-              <a:rPr lang="en-GB" dirty="0" smtClean="0"/>
+              <a:rPr lang="en-GB" dirty="0"/>
               <a:t> module</a:t>
             </a:r>
-            <a:endParaRPr lang="en-GB" dirty="0"/>
           </a:p>
         </p:txBody>
       </p:sp>
@@ -43017,7 +42613,7 @@
           <a:p>
             <a:pPr algn="l"/>
             <a:r>
-              <a:rPr lang="en-GB" sz="1600" smtClean="0"/>
+              <a:rPr lang="en-GB" sz="1600"/>
               <a:t>RenumberSigTests()['Female A', 'Male B']</a:t>
             </a:r>
             <a:endParaRPr lang="en-GB" sz="1600" dirty="0"/>
@@ -43089,18 +42685,17 @@
           <a:p>
             <a:pPr algn="ctr"/>
             <a:r>
-              <a:rPr lang="en-GB" dirty="0" smtClean="0"/>
+              <a:rPr lang="en-GB" dirty="0"/>
               <a:t>4.2 </a:t>
             </a:r>
             <a:r>
-              <a:rPr lang="en-GB" dirty="0" err="1" smtClean="0"/>
+              <a:rPr lang="en-GB" dirty="0" err="1"/>
               <a:t>transformations.compute</a:t>
             </a:r>
             <a:r>
-              <a:rPr lang="en-GB" dirty="0" smtClean="0"/>
+              <a:rPr lang="en-GB" dirty="0"/>
               <a:t> module</a:t>
             </a:r>
-            <a:endParaRPr lang="en-GB" dirty="0"/>
           </a:p>
         </p:txBody>
       </p:sp>
@@ -43140,36 +42735,36 @@
           <a:lstStyle/>
           <a:p>
             <a:r>
-              <a:rPr lang="en-GB" sz="800" dirty="0" smtClean="0"/>
+              <a:rPr lang="en-GB" sz="800" dirty="0"/>
               <a:t>Installed </a:t>
             </a:r>
             <a:r>
-              <a:rPr lang="en-GB" sz="800" dirty="0" err="1" smtClean="0"/>
+              <a:rPr lang="en-GB" sz="800" dirty="0" err="1"/>
               <a:t>Transformations.compute</a:t>
             </a:r>
             <a:r>
-              <a:rPr lang="en-GB" sz="800" dirty="0" smtClean="0"/>
+              <a:rPr lang="en-GB" sz="800" dirty="0"/>
               <a:t> </a:t>
             </a:r>
             <a:r>
-              <a:rPr lang="en-GB" sz="800" dirty="0" err="1" smtClean="0"/>
+              <a:rPr lang="en-GB" sz="800" dirty="0" err="1"/>
               <a:t>ReenumberSigTests</a:t>
             </a:r>
             <a:r>
-              <a:rPr lang="en-GB" sz="800" dirty="0" smtClean="0"/>
+              <a:rPr lang="en-GB" sz="800" dirty="0"/>
               <a:t>() function </a:t>
             </a:r>
             <a:r>
-              <a:rPr lang="en-GB" sz="800" u="sng" dirty="0" smtClean="0"/>
+              <a:rPr lang="en-GB" sz="800" u="sng" dirty="0"/>
               <a:t>silently</a:t>
             </a:r>
             <a:r>
-              <a:rPr lang="en-GB" sz="800" dirty="0" smtClean="0"/>
+              <a:rPr lang="en-GB" sz="800" dirty="0"/>
               <a:t> fails to run.   Comment out lines 3 and 4 as follows:</a:t>
             </a:r>
           </a:p>
           <a:p>
-            <a:endParaRPr lang="en-GB" sz="800" dirty="0" smtClean="0"/>
+            <a:endParaRPr lang="en-GB" sz="800" dirty="0"/>
           </a:p>
           <a:p>
             <a:r>
@@ -43241,13 +42836,13 @@
               <a:t>dict</a:t>
             </a:r>
             <a:r>
-              <a:rPr lang="en-GB" sz="800" dirty="0" smtClean="0"/>
+              <a:rPr lang="en-GB" sz="800" dirty="0"/>
               <a:t>()</a:t>
             </a:r>
           </a:p>
           <a:p>
             <a:r>
-              <a:rPr lang="en-GB" sz="800" dirty="0" smtClean="0"/>
+              <a:rPr lang="en-GB" sz="800" dirty="0"/>
               <a:t>    …</a:t>
             </a:r>
           </a:p>
@@ -43321,7 +42916,7 @@
           <a:p>
             <a:pPr algn="l"/>
             <a:r>
-              <a:rPr lang="en-GB" sz="1600" smtClean="0"/>
+              <a:rPr lang="en-GB" sz="1600"/>
               <a:t>NumberDownbreaks('...') 1...Top 2</a:t>
             </a:r>
             <a:endParaRPr lang="en-GB" sz="1600" dirty="0"/>
@@ -43393,18 +42988,17 @@
           <a:p>
             <a:pPr algn="ctr"/>
             <a:r>
-              <a:rPr lang="en-GB" dirty="0" smtClean="0"/>
+              <a:rPr lang="en-GB" dirty="0"/>
               <a:t>4.2 </a:t>
             </a:r>
             <a:r>
-              <a:rPr lang="en-GB" dirty="0" err="1" smtClean="0"/>
+              <a:rPr lang="en-GB" dirty="0" err="1"/>
               <a:t>transformations.compute</a:t>
             </a:r>
             <a:r>
-              <a:rPr lang="en-GB" dirty="0" smtClean="0"/>
+              <a:rPr lang="en-GB" dirty="0"/>
               <a:t> module</a:t>
             </a:r>
-            <a:endParaRPr lang="en-GB" dirty="0"/>
           </a:p>
         </p:txBody>
       </p:sp>
@@ -43476,7 +43070,7 @@
           <a:p>
             <a:pPr algn="l"/>
             <a:r>
-              <a:rPr lang="en-GB" sz="1600" smtClean="0"/>
+              <a:rPr lang="en-GB" sz="1600"/>
               <a:t>GetCsvVal(file, name) ['100', '100', '100']</a:t>
             </a:r>
             <a:endParaRPr lang="en-GB" sz="1600" dirty="0"/>
@@ -43523,18 +43117,17 @@
           <a:p>
             <a:pPr algn="ctr"/>
             <a:r>
-              <a:rPr lang="en-GB" dirty="0" smtClean="0"/>
+              <a:rPr lang="en-GB" dirty="0"/>
               <a:t>4.2 </a:t>
             </a:r>
             <a:r>
-              <a:rPr lang="en-GB" dirty="0" err="1" smtClean="0"/>
+              <a:rPr lang="en-GB" dirty="0" err="1"/>
               <a:t>transformations.csvvalues</a:t>
             </a:r>
             <a:r>
-              <a:rPr lang="en-GB" dirty="0" smtClean="0"/>
+              <a:rPr lang="en-GB" dirty="0"/>
               <a:t> module</a:t>
             </a:r>
-            <a:endParaRPr lang="en-GB" dirty="0"/>
           </a:p>
         </p:txBody>
       </p:sp>
@@ -43574,104 +43167,24 @@
           <a:lstStyle/>
           <a:p>
             <a:r>
-              <a:rPr lang="en-GB" sz="800" dirty="0" smtClean="0"/>
+              <a:rPr lang="en-GB" sz="800" dirty="0"/>
               <a:t>Installed </a:t>
             </a:r>
             <a:r>
-              <a:rPr lang="en-GB" sz="800" dirty="0" err="1" smtClean="0"/>
+              <a:rPr lang="en-GB" sz="800" dirty="0" err="1"/>
               <a:t>Transformations.csvvalues</a:t>
             </a:r>
             <a:r>
-              <a:rPr lang="en-GB" sz="800" dirty="0" smtClean="0"/>
+              <a:rPr lang="en-GB" sz="800" dirty="0"/>
               <a:t> </a:t>
             </a:r>
             <a:r>
-              <a:rPr lang="en-GB" sz="800" dirty="0" err="1" smtClean="0"/>
+              <a:rPr lang="en-GB" sz="800" dirty="0" err="1"/>
               <a:t>GetCsvVal</a:t>
             </a:r>
             <a:r>
-              <a:rPr lang="en-GB" sz="800" dirty="0" smtClean="0"/>
+              <a:rPr lang="en-GB" sz="800" dirty="0"/>
               <a:t>() function fails to run as it’s hard coded to a specific file.  Update it as follows:</a:t>
-            </a:r>
-          </a:p>
-          <a:p>
-            <a:endParaRPr lang="en-GB" sz="800" dirty="0" smtClean="0"/>
-          </a:p>
-          <a:p>
-            <a:r>
-              <a:rPr lang="en-GB" sz="800" dirty="0" err="1" smtClean="0"/>
-              <a:t>def</a:t>
-            </a:r>
-            <a:r>
-              <a:rPr lang="en-GB" sz="800" dirty="0" smtClean="0"/>
-              <a:t> </a:t>
-            </a:r>
-            <a:r>
-              <a:rPr lang="en-GB" sz="800" dirty="0" err="1" smtClean="0"/>
-              <a:t>GetCsvVal</a:t>
-            </a:r>
-            <a:r>
-              <a:rPr lang="en-GB" sz="800" dirty="0" smtClean="0"/>
-              <a:t>(file, name):</a:t>
-            </a:r>
-          </a:p>
-          <a:p>
-            <a:r>
-              <a:rPr lang="en-GB" sz="800" dirty="0" smtClean="0"/>
-              <a:t>    global f</a:t>
-            </a:r>
-          </a:p>
-          <a:p>
-            <a:r>
-              <a:rPr lang="en-GB" sz="800" dirty="0" smtClean="0"/>
-              <a:t>    f = _</a:t>
-            </a:r>
-            <a:r>
-              <a:rPr lang="en-GB" sz="800" dirty="0" err="1" smtClean="0"/>
-              <a:t>csv.reader</a:t>
-            </a:r>
-            <a:r>
-              <a:rPr lang="en-GB" sz="800" dirty="0" smtClean="0"/>
-              <a:t>(open(file, "r"))</a:t>
-            </a:r>
-          </a:p>
-          <a:p>
-            <a:r>
-              <a:rPr lang="en-GB" sz="800" dirty="0" smtClean="0"/>
-              <a:t>    for row in f:</a:t>
-            </a:r>
-          </a:p>
-          <a:p>
-            <a:r>
-              <a:rPr lang="en-GB" sz="800" dirty="0" smtClean="0"/>
-              <a:t>        if(row[0] == name):</a:t>
-            </a:r>
-          </a:p>
-          <a:p>
-            <a:r>
-              <a:rPr lang="en-GB" sz="800" dirty="0" smtClean="0"/>
-              <a:t>            return row[1:]</a:t>
-            </a:r>
-          </a:p>
-          <a:p>
-            <a:r>
-              <a:rPr lang="en-GB" sz="800" dirty="0" smtClean="0"/>
-              <a:t>        </a:t>
-            </a:r>
-          </a:p>
-          <a:p>
-            <a:r>
-              <a:rPr lang="en-GB" sz="800" dirty="0" smtClean="0"/>
-              <a:t>    return "0“</a:t>
-            </a:r>
-          </a:p>
-          <a:p>
-            <a:endParaRPr lang="en-GB" sz="800" dirty="0" smtClean="0"/>
-          </a:p>
-          <a:p>
-            <a:r>
-              <a:rPr lang="en-GB" sz="800" dirty="0" smtClean="0"/>
-              <a:t>Was:</a:t>
             </a:r>
           </a:p>
           <a:p>
@@ -43692,7 +43205,7 @@
             </a:r>
             <a:r>
               <a:rPr lang="en-GB" sz="800" dirty="0"/>
-              <a:t>(name):</a:t>
+              <a:t>(file, name):</a:t>
             </a:r>
           </a:p>
           <a:p>
@@ -43712,7 +43225,7 @@
             </a:r>
             <a:r>
               <a:rPr lang="en-GB" sz="800" dirty="0"/>
-              <a:t>(open("c:/temp/text1.txt", "r"))</a:t>
+              <a:t>(open(file, "r"))</a:t>
             </a:r>
           </a:p>
           <a:p>
@@ -43730,7 +43243,7 @@
           <a:p>
             <a:r>
               <a:rPr lang="en-GB" sz="800" dirty="0"/>
-              <a:t>            return row[1]</a:t>
+              <a:t>            return row[1:]</a:t>
             </a:r>
           </a:p>
           <a:p>
@@ -43742,12 +43255,91 @@
           <a:p>
             <a:r>
               <a:rPr lang="en-GB" sz="800" dirty="0"/>
-              <a:t>    return "0"</a:t>
-            </a:r>
-            <a:endParaRPr lang="en-GB" sz="800" dirty="0" smtClean="0"/>
+              <a:t>    return "0“</a:t>
+            </a:r>
           </a:p>
           <a:p>
-            <a:endParaRPr lang="en-GB" sz="800" dirty="0" smtClean="0"/>
+            <a:endParaRPr lang="en-GB" sz="800" dirty="0"/>
+          </a:p>
+          <a:p>
+            <a:r>
+              <a:rPr lang="en-GB" sz="800" dirty="0"/>
+              <a:t>Was:</a:t>
+            </a:r>
+          </a:p>
+          <a:p>
+            <a:endParaRPr lang="en-GB" sz="800" dirty="0"/>
+          </a:p>
+          <a:p>
+            <a:r>
+              <a:rPr lang="en-GB" sz="800" dirty="0" err="1"/>
+              <a:t>def</a:t>
+            </a:r>
+            <a:r>
+              <a:rPr lang="en-GB" sz="800" dirty="0"/>
+              <a:t> </a:t>
+            </a:r>
+            <a:r>
+              <a:rPr lang="en-GB" sz="800" dirty="0" err="1"/>
+              <a:t>GetCsvVal</a:t>
+            </a:r>
+            <a:r>
+              <a:rPr lang="en-GB" sz="800" dirty="0"/>
+              <a:t>(name):</a:t>
+            </a:r>
+          </a:p>
+          <a:p>
+            <a:r>
+              <a:rPr lang="en-GB" sz="800" dirty="0"/>
+              <a:t>    global f</a:t>
+            </a:r>
+          </a:p>
+          <a:p>
+            <a:r>
+              <a:rPr lang="en-GB" sz="800" dirty="0"/>
+              <a:t>    f = _</a:t>
+            </a:r>
+            <a:r>
+              <a:rPr lang="en-GB" sz="800" dirty="0" err="1"/>
+              <a:t>csv.reader</a:t>
+            </a:r>
+            <a:r>
+              <a:rPr lang="en-GB" sz="800" dirty="0"/>
+              <a:t>(open("c:/temp/text1.txt", "r"))</a:t>
+            </a:r>
+          </a:p>
+          <a:p>
+            <a:r>
+              <a:rPr lang="en-GB" sz="800" dirty="0"/>
+              <a:t>    for row in f:</a:t>
+            </a:r>
+          </a:p>
+          <a:p>
+            <a:r>
+              <a:rPr lang="en-GB" sz="800" dirty="0"/>
+              <a:t>        if(row[0] == name):</a:t>
+            </a:r>
+          </a:p>
+          <a:p>
+            <a:r>
+              <a:rPr lang="en-GB" sz="800" dirty="0"/>
+              <a:t>            return row[1]</a:t>
+            </a:r>
+          </a:p>
+          <a:p>
+            <a:r>
+              <a:rPr lang="en-GB" sz="800" dirty="0"/>
+              <a:t>        </a:t>
+            </a:r>
+          </a:p>
+          <a:p>
+            <a:r>
+              <a:rPr lang="en-GB" sz="800" dirty="0"/>
+              <a:t>    return "0"</a:t>
+            </a:r>
+          </a:p>
+          <a:p>
+            <a:endParaRPr lang="en-GB" sz="800" dirty="0"/>
           </a:p>
         </p:txBody>
       </p:sp>
@@ -43819,7 +43411,7 @@
           <a:p>
             <a:pPr algn="l"/>
             <a:r>
-              <a:rPr lang="en-GB" sz="1600" smtClean="0"/>
+              <a:rPr lang="en-GB" sz="1600"/>
               <a:t>InsertRow(1, label = 'abc-row') - abc-row</a:t>
             </a:r>
             <a:endParaRPr lang="en-GB" sz="1600" dirty="0"/>
@@ -43891,18 +43483,17 @@
           <a:p>
             <a:pPr algn="ctr"/>
             <a:r>
-              <a:rPr lang="en-GB" dirty="0" smtClean="0"/>
+              <a:rPr lang="en-GB" dirty="0"/>
               <a:t>4.2 </a:t>
             </a:r>
             <a:r>
-              <a:rPr lang="en-GB" dirty="0" err="1" smtClean="0"/>
+              <a:rPr lang="en-GB" dirty="0" err="1"/>
               <a:t>transformations.manipulate</a:t>
             </a:r>
             <a:r>
-              <a:rPr lang="en-GB" dirty="0" smtClean="0"/>
+              <a:rPr lang="en-GB" dirty="0"/>
               <a:t> module</a:t>
             </a:r>
-            <a:endParaRPr lang="en-GB" dirty="0"/>
           </a:p>
         </p:txBody>
       </p:sp>
@@ -43974,7 +43565,7 @@
           <a:p>
             <a:pPr algn="l"/>
             <a:r>
-              <a:rPr lang="en-GB" sz="1600" smtClean="0"/>
+              <a:rPr lang="en-GB" sz="1600"/>
               <a:t>InsertColumn(1, label = 'abc-column') - abc-column</a:t>
             </a:r>
             <a:endParaRPr lang="en-GB" sz="1600" dirty="0"/>
@@ -44046,18 +43637,17 @@
           <a:p>
             <a:pPr algn="ctr"/>
             <a:r>
-              <a:rPr lang="en-GB" dirty="0" smtClean="0"/>
+              <a:rPr lang="en-GB" dirty="0"/>
               <a:t>4.2 </a:t>
             </a:r>
             <a:r>
-              <a:rPr lang="en-GB" dirty="0" err="1" smtClean="0"/>
+              <a:rPr lang="en-GB" dirty="0" err="1"/>
               <a:t>transformations.manipulate</a:t>
             </a:r>
             <a:r>
-              <a:rPr lang="en-GB" dirty="0" smtClean="0"/>
+              <a:rPr lang="en-GB" dirty="0"/>
               <a:t> module</a:t>
             </a:r>
-            <a:endParaRPr lang="en-GB" dirty="0"/>
           </a:p>
         </p:txBody>
       </p:sp>
@@ -44129,7 +43719,7 @@
           <a:p>
             <a:pPr algn="l"/>
             <a:r>
-              <a:rPr lang="en-GB" sz="1600" smtClean="0"/>
+              <a:rPr lang="en-GB" sz="1600"/>
               <a:t>UngroupRows()  - It is a great company to work for. : Level of Agreement - Male</a:t>
             </a:r>
             <a:endParaRPr lang="en-GB" sz="1600" dirty="0"/>
@@ -44201,18 +43791,17 @@
           <a:p>
             <a:pPr algn="ctr"/>
             <a:r>
-              <a:rPr lang="en-GB" dirty="0" smtClean="0"/>
+              <a:rPr lang="en-GB" dirty="0"/>
               <a:t>4.2 </a:t>
             </a:r>
             <a:r>
-              <a:rPr lang="en-GB" dirty="0" err="1" smtClean="0"/>
+              <a:rPr lang="en-GB" dirty="0" err="1"/>
               <a:t>transformations.manipulate</a:t>
             </a:r>
             <a:r>
-              <a:rPr lang="en-GB" dirty="0" smtClean="0"/>
+              <a:rPr lang="en-GB" dirty="0"/>
               <a:t> module</a:t>
             </a:r>
-            <a:endParaRPr lang="en-GB" dirty="0"/>
           </a:p>
         </p:txBody>
       </p:sp>
@@ -44252,58 +43841,58 @@
           <a:lstStyle/>
           <a:p>
             <a:r>
-              <a:rPr lang="en-GB" sz="800" dirty="0" smtClean="0"/>
+              <a:rPr lang="en-GB" sz="800" dirty="0"/>
               <a:t>Installed </a:t>
             </a:r>
             <a:r>
-              <a:rPr lang="en-GB" sz="800" dirty="0" err="1" smtClean="0"/>
+              <a:rPr lang="en-GB" sz="800" dirty="0" err="1"/>
               <a:t>Transformations.manipulate</a:t>
             </a:r>
             <a:r>
-              <a:rPr lang="en-GB" sz="800" dirty="0" smtClean="0"/>
+              <a:rPr lang="en-GB" sz="800" dirty="0"/>
               <a:t> </a:t>
             </a:r>
             <a:r>
-              <a:rPr lang="en-GB" sz="800" dirty="0" err="1" smtClean="0"/>
+              <a:rPr lang="en-GB" sz="800" dirty="0" err="1"/>
               <a:t>UngroupRows</a:t>
             </a:r>
             <a:r>
-              <a:rPr lang="en-GB" sz="800" dirty="0" smtClean="0"/>
+              <a:rPr lang="en-GB" sz="800" dirty="0"/>
               <a:t>() function fails to label the first column header.  Update it as follows:</a:t>
             </a:r>
           </a:p>
           <a:p>
             <a:r>
-              <a:rPr lang="en-GB" sz="800" dirty="0" err="1" smtClean="0"/>
+              <a:rPr lang="en-GB" sz="800" dirty="0" err="1"/>
               <a:t>def</a:t>
             </a:r>
             <a:r>
-              <a:rPr lang="en-GB" sz="800" dirty="0" smtClean="0"/>
+              <a:rPr lang="en-GB" sz="800" dirty="0"/>
               <a:t> </a:t>
             </a:r>
             <a:r>
-              <a:rPr lang="en-GB" sz="800" dirty="0" err="1" smtClean="0"/>
+              <a:rPr lang="en-GB" sz="800" dirty="0" err="1"/>
               <a:t>UngroupRows</a:t>
             </a:r>
             <a:r>
-              <a:rPr lang="en-GB" sz="800" dirty="0" smtClean="0"/>
+              <a:rPr lang="en-GB" sz="800" dirty="0"/>
               <a:t>():</a:t>
             </a:r>
           </a:p>
           <a:p>
             <a:r>
-              <a:rPr lang="en-GB" sz="800" dirty="0" smtClean="0"/>
+              <a:rPr lang="en-GB" sz="800" dirty="0"/>
               <a:t>…</a:t>
             </a:r>
           </a:p>
           <a:p>
             <a:r>
-              <a:rPr lang="en-GB" sz="800" dirty="0" smtClean="0"/>
+              <a:rPr lang="en-GB" sz="800" dirty="0"/>
               <a:t>…</a:t>
             </a:r>
           </a:p>
           <a:p>
-            <a:endParaRPr lang="en-GB" sz="800" dirty="0" smtClean="0"/>
+            <a:endParaRPr lang="en-GB" sz="800" dirty="0"/>
           </a:p>
           <a:p>
             <a:r>
@@ -44336,11 +43925,7 @@
           <a:p>
             <a:r>
               <a:rPr lang="en-GB" sz="800" dirty="0"/>
-              <a:t> </a:t>
-            </a:r>
-            <a:r>
-              <a:rPr lang="en-GB" sz="800" dirty="0" smtClean="0"/>
-              <a:t>while </a:t>
+              <a:t> while </a:t>
             </a:r>
             <a:r>
               <a:rPr lang="en-GB" sz="800" dirty="0" err="1"/>
@@ -44380,10 +43965,9 @@
               <a:rPr lang="en-GB" sz="800" dirty="0"/>
               <a:t>)</a:t>
             </a:r>
-            <a:endParaRPr lang="en-GB" sz="800" dirty="0" smtClean="0"/>
           </a:p>
           <a:p>
-            <a:endParaRPr lang="en-GB" sz="800" dirty="0" smtClean="0"/>
+            <a:endParaRPr lang="en-GB" sz="800" dirty="0"/>
           </a:p>
         </p:txBody>
       </p:sp>
@@ -44455,7 +44039,7 @@
           <a:p>
             <a:pPr algn="l"/>
             <a:r>
-              <a:rPr lang="it-IT" sz="1600" smtClean="0"/>
+              <a:rPr lang="it-IT" sz="1600"/>
               <a:t>MergeRowsByLabel()  - ['26.1%', '12.8%', '27.6%', '31.2%', '34.8%', '33.3%', '37.0%', '32.5%']</a:t>
             </a:r>
             <a:endParaRPr lang="en-GB" sz="1600" dirty="0"/>
@@ -44530,18 +44114,17 @@
           <a:p>
             <a:pPr algn="ctr"/>
             <a:r>
-              <a:rPr lang="en-GB" dirty="0" smtClean="0"/>
+              <a:rPr lang="en-GB" dirty="0"/>
               <a:t>4.2 </a:t>
             </a:r>
             <a:r>
-              <a:rPr lang="en-GB" dirty="0" err="1" smtClean="0"/>
+              <a:rPr lang="en-GB" dirty="0" err="1"/>
               <a:t>transformations.merge</a:t>
             </a:r>
             <a:r>
-              <a:rPr lang="en-GB" dirty="0" smtClean="0"/>
+              <a:rPr lang="en-GB" dirty="0"/>
               <a:t> module</a:t>
             </a:r>
-            <a:endParaRPr lang="en-GB" dirty="0"/>
           </a:p>
         </p:txBody>
       </p:sp>
@@ -44613,7 +44196,7 @@
           <a:p>
             <a:pPr algn="l"/>
             <a:r>
-              <a:rPr lang="es-ES" sz="1600" smtClean="0"/>
+              <a:rPr lang="es-ES" sz="1600"/>
               <a:t>MergeColumnsByLabel()  - ['26.1%', '12.8%', '27.6%', '31.2%', '34.8%', '33.3%', '37.0%', '32.5%']</a:t>
             </a:r>
             <a:endParaRPr lang="en-GB" sz="1600" dirty="0"/>
@@ -44688,18 +44271,17 @@
           <a:p>
             <a:pPr algn="ctr"/>
             <a:r>
-              <a:rPr lang="en-GB" dirty="0" smtClean="0"/>
+              <a:rPr lang="en-GB" dirty="0"/>
               <a:t>4.2 </a:t>
             </a:r>
             <a:r>
-              <a:rPr lang="en-GB" dirty="0" err="1" smtClean="0"/>
+              <a:rPr lang="en-GB" dirty="0" err="1"/>
               <a:t>transformations.merge</a:t>
             </a:r>
             <a:r>
-              <a:rPr lang="en-GB" dirty="0" smtClean="0"/>
+              <a:rPr lang="en-GB" dirty="0"/>
               <a:t> module</a:t>
             </a:r>
-            <a:endParaRPr lang="en-GB" dirty="0"/>
           </a:p>
         </p:txBody>
       </p:sp>
@@ -44771,7 +44353,7 @@
           <a:p>
             <a:pPr algn="l"/>
             <a:r>
-              <a:rPr lang="en-GB" sz="1600" smtClean="0"/>
+              <a:rPr lang="en-GB" sz="1600"/>
               <a:t>SortRows() - default ( vals from col 1 only)
 ['26%', '21%', '18%', '18%', '16%', '15%', '11%', '10%', '9%']</a:t>
             </a:r>
@@ -44844,18 +44426,17 @@
           <a:p>
             <a:pPr algn="ctr"/>
             <a:r>
-              <a:rPr lang="en-GB" dirty="0" smtClean="0"/>
+              <a:rPr lang="en-GB" dirty="0"/>
               <a:t>4.2 </a:t>
             </a:r>
             <a:r>
-              <a:rPr lang="en-GB" dirty="0" err="1" smtClean="0"/>
+              <a:rPr lang="en-GB" dirty="0" err="1"/>
               <a:t>transformations.sorting</a:t>
             </a:r>
             <a:r>
-              <a:rPr lang="en-GB" dirty="0" smtClean="0"/>
+              <a:rPr lang="en-GB" dirty="0"/>
               <a:t> module</a:t>
             </a:r>
-            <a:endParaRPr lang="en-GB" dirty="0"/>
           </a:p>
         </p:txBody>
       </p:sp>
@@ -44927,7 +44508,7 @@
           <a:p>
             <a:pPr algn="l"/>
             <a:r>
-              <a:rPr lang="es-ES" sz="1600" smtClean="0"/>
+              <a:rPr lang="es-ES" sz="1600"/>
               <a:t>NumberStatementsInMatrix() - 1. Male</a:t>
             </a:r>
             <a:endParaRPr lang="en-GB" sz="1600" dirty="0"/>
@@ -45001,18 +44582,17 @@
           <a:p>
             <a:pPr algn="ctr"/>
             <a:r>
-              <a:rPr lang="en-GB" dirty="0" smtClean="0"/>
+              <a:rPr lang="en-GB" dirty="0"/>
               <a:t>4.2 </a:t>
             </a:r>
             <a:r>
-              <a:rPr lang="en-GB" dirty="0" err="1" smtClean="0"/>
+              <a:rPr lang="en-GB" dirty="0" err="1"/>
               <a:t>transformations.numberstatements</a:t>
             </a:r>
             <a:r>
-              <a:rPr lang="en-GB" dirty="0" smtClean="0"/>
+              <a:rPr lang="en-GB" dirty="0"/>
               <a:t> module</a:t>
             </a:r>
-            <a:endParaRPr lang="en-GB" dirty="0"/>
           </a:p>
         </p:txBody>
       </p:sp>
@@ -45084,7 +44664,7 @@
           <a:p>
             <a:pPr algn="l"/>
             <a:r>
-              <a:rPr lang="es-ES" sz="1600" smtClean="0"/>
+              <a:rPr lang="es-ES" sz="1600"/>
               <a:t>SetMatrixLabelToStatement(2) - Female</a:t>
             </a:r>
             <a:endParaRPr lang="en-GB" sz="1600" dirty="0"/>
@@ -45133,18 +44713,17 @@
           <a:p>
             <a:pPr algn="ctr"/>
             <a:r>
-              <a:rPr lang="en-GB" dirty="0" smtClean="0"/>
+              <a:rPr lang="en-GB" dirty="0"/>
               <a:t>4.2 </a:t>
             </a:r>
             <a:r>
-              <a:rPr lang="en-GB" dirty="0" err="1" smtClean="0"/>
+              <a:rPr lang="en-GB" dirty="0" err="1"/>
               <a:t>transformations.numberstatements</a:t>
             </a:r>
             <a:r>
-              <a:rPr lang="en-GB" dirty="0" smtClean="0"/>
+              <a:rPr lang="en-GB" dirty="0"/>
               <a:t> module</a:t>
             </a:r>
-            <a:endParaRPr lang="en-GB" dirty="0"/>
           </a:p>
         </p:txBody>
       </p:sp>
@@ -45217,7 +44796,7 @@
           <a:p>
             <a:pPr algn="l"/>
             <a:r>
-              <a:rPr lang="en-GB" sz="1600" smtClean="0"/>
+              <a:rPr lang="en-GB" sz="1600"/>
               <a:t>SetBgImageAndSize(fileName)
 Width: 27.8377
 Height: 20.1583</a:t>
@@ -45269,10 +44848,9 @@
           <a:p>
             <a:pPr algn="ctr"/>
             <a:r>
-              <a:rPr lang="en-GB" dirty="0" smtClean="0"/>
+              <a:rPr lang="en-GB" dirty="0"/>
               <a:t>4.2 backgrounds module</a:t>
             </a:r>
-            <a:endParaRPr lang="en-GB" dirty="0"/>
           </a:p>
         </p:txBody>
       </p:sp>
@@ -45329,18 +44907,17 @@
           <a:p>
             <a:pPr algn="l"/>
             <a:r>
-              <a:rPr lang="en-GB" sz="1600" dirty="0" smtClean="0"/>
+              <a:rPr lang="en-GB" sz="1600" dirty="0"/>
               <a:t>transformations\</a:t>
             </a:r>
             <a:r>
-              <a:rPr lang="en-GB" sz="1600" dirty="0" err="1" smtClean="0"/>
+              <a:rPr lang="en-GB" sz="1600" dirty="0" err="1"/>
               <a:t>utils</a:t>
             </a:r>
             <a:r>
-              <a:rPr lang="en-GB" sz="1600" dirty="0" smtClean="0"/>
+              <a:rPr lang="en-GB" sz="1600" dirty="0"/>
               <a:t>\images\greenarrow.png</a:t>
             </a:r>
-            <a:endParaRPr lang="en-GB" sz="1600" dirty="0"/>
           </a:p>
         </p:txBody>
       </p:sp>
@@ -45392,7 +44969,7 @@
           <a:p>
             <a:pPr algn="l"/>
             <a:r>
-              <a:rPr lang="en-GB" sz="1600" smtClean="0"/>
+              <a:rPr lang="en-GB" sz="1600"/>
               <a:t>GetPptImageSize(fileName)
 Width: 27.8377
 Height: 20.1583</a:t>
@@ -45454,7 +45031,7 @@
           <a:p>
             <a:pPr algn="l"/>
             <a:r>
-              <a:rPr lang="en-GB" sz="1600" smtClean="0"/>
+              <a:rPr lang="en-GB" sz="1600"/>
               <a:t>GetPptImageSize(fileName) 27.8377 20.1583</a:t>
             </a:r>
             <a:endParaRPr lang="en-GB" sz="1600" dirty="0"/>
@@ -45530,24 +45107,23 @@
           <a:p>
             <a:pPr algn="l"/>
             <a:r>
-              <a:rPr lang="en-GB" sz="1600" dirty="0" err="1" smtClean="0"/>
+              <a:rPr lang="en-GB" sz="1600" dirty="0" err="1"/>
               <a:t>SetBgImage</a:t>
             </a:r>
             <a:r>
-              <a:rPr lang="en-GB" sz="1600" dirty="0" smtClean="0"/>
+              <a:rPr lang="en-GB" sz="1600" dirty="0"/>
               <a:t>(</a:t>
             </a:r>
             <a:r>
-              <a:rPr lang="en-GB" sz="1600" dirty="0" err="1" smtClean="0"/>
+              <a:rPr lang="en-GB" sz="1600" dirty="0" err="1"/>
               <a:t>fileName</a:t>
             </a:r>
             <a:r>
-              <a:rPr lang="en-GB" sz="1600" dirty="0" smtClean="0"/>
+              <a:rPr lang="en-GB" sz="1600" dirty="0"/>
               <a:t>)
 Width: 311.870
 Height: 106.400</a:t>
             </a:r>
-            <a:endParaRPr lang="en-GB" sz="1600" dirty="0"/>
           </a:p>
         </p:txBody>
       </p:sp>
@@ -45604,7 +45180,7 @@
           <a:p>
             <a:pPr algn="l"/>
             <a:r>
-              <a:rPr lang="en-GB" sz="1600" smtClean="0"/>
+              <a:rPr lang="en-GB" sz="1600"/>
               <a:t>transformations\utils\images\greenarrow.png</a:t>
             </a:r>
             <a:endParaRPr lang="en-GB" sz="1600" dirty="0"/>
@@ -45659,7 +45235,7 @@
           <a:p>
             <a:pPr algn="l"/>
             <a:r>
-              <a:rPr lang="en-GB" sz="1600" smtClean="0"/>
+              <a:rPr lang="en-GB" sz="1600"/>
               <a:t>SetBgPictureCenter(Shape,fileName)
 Width: 186.309
 Height: 98.2743</a:t>
@@ -45720,7 +45296,7 @@
           <a:p>
             <a:pPr algn="l"/>
             <a:r>
-              <a:rPr lang="en-GB" sz="1600" smtClean="0"/>
+              <a:rPr lang="en-GB" sz="1600"/>
               <a:t>transformations\utils\images\greenarrow.png</a:t>
             </a:r>
             <a:endParaRPr lang="en-GB" sz="1600" dirty="0"/>
@@ -45770,10 +45346,9 @@
           <a:p>
             <a:pPr algn="ctr"/>
             <a:r>
-              <a:rPr lang="en-GB" dirty="0" smtClean="0"/>
+              <a:rPr lang="en-GB" dirty="0"/>
               <a:t>4.2 backgrounds module</a:t>
             </a:r>
-            <a:endParaRPr lang="en-GB" dirty="0"/>
           </a:p>
         </p:txBody>
       </p:sp>
@@ -45868,7 +45443,7 @@
           <a:p>
             <a:pPr algn="l"/>
             <a:r>
-              <a:rPr lang="en-GB" sz="1600" smtClean="0"/>
+              <a:rPr lang="en-GB" sz="1600"/>
               <a:t>RGB(155,155,155)
 </a:t>
             </a:r>
@@ -45926,7 +45501,7 @@
           <a:p>
             <a:pPr algn="l"/>
             <a:r>
-              <a:rPr lang="en-GB" sz="1600" smtClean="0"/>
+              <a:rPr lang="en-GB" sz="1600"/>
               <a:t>SetBackgroundColor(Shape,155,155,0)</a:t>
             </a:r>
             <a:endParaRPr lang="en-GB" sz="1600" dirty="0"/>
@@ -45976,10 +45551,9 @@
           <a:p>
             <a:pPr algn="ctr"/>
             <a:r>
-              <a:rPr lang="en-GB" dirty="0" smtClean="0"/>
+              <a:rPr lang="en-GB" dirty="0"/>
               <a:t>4.2 backgrounds module</a:t>
             </a:r>
-            <a:endParaRPr lang="en-GB" dirty="0"/>
           </a:p>
         </p:txBody>
       </p:sp>
@@ -46048,19 +45622,19 @@
           <a:p>
             <a:pPr algn="l"/>
             <a:r>
-              <a:rPr lang="es-ES" sz="1600" dirty="0" err="1" smtClean="0"/>
+              <a:rPr lang="es-ES" sz="1600" dirty="0" err="1"/>
               <a:t>Overlay</a:t>
             </a:r>
             <a:r>
-              <a:rPr lang="es-ES" sz="1600" dirty="0" smtClean="0"/>
+              <a:rPr lang="es-ES" sz="1600" dirty="0"/>
               <a:t> </a:t>
             </a:r>
             <a:r>
-              <a:rPr lang="es-ES" sz="1600" dirty="0" err="1" smtClean="0"/>
+              <a:rPr lang="es-ES" sz="1600" dirty="0" err="1"/>
               <a:t>example</a:t>
             </a:r>
             <a:r>
-              <a:rPr lang="es-ES" sz="1600" dirty="0" smtClean="0"/>
+              <a:rPr lang="es-ES" sz="1600" dirty="0"/>
               <a:t> – </a:t>
             </a:r>
             <a:r>
@@ -46068,27 +45642,27 @@
               <a:t>TopNStackedColumnAlign</a:t>
             </a:r>
             <a:r>
-              <a:rPr lang="es-ES" sz="1600" dirty="0" smtClean="0"/>
+              <a:rPr lang="es-ES" sz="1600" dirty="0"/>
               <a:t>  - </a:t>
             </a:r>
             <a:r>
-              <a:rPr lang="es-ES" sz="1600" dirty="0" err="1" smtClean="0"/>
+              <a:rPr lang="es-ES" sz="1600" dirty="0" err="1"/>
               <a:t>column</a:t>
             </a:r>
             <a:r>
-              <a:rPr lang="es-ES" sz="1600" dirty="0" smtClean="0"/>
+              <a:rPr lang="es-ES" sz="1600" dirty="0"/>
               <a:t> chart </a:t>
             </a:r>
             <a:r>
-              <a:rPr lang="es-ES" sz="1600" dirty="0" err="1" smtClean="0"/>
+              <a:rPr lang="es-ES" sz="1600" dirty="0" err="1"/>
               <a:t>without</a:t>
             </a:r>
             <a:r>
-              <a:rPr lang="es-ES" sz="1600" dirty="0" smtClean="0"/>
+              <a:rPr lang="es-ES" sz="1600" dirty="0"/>
               <a:t> reverse </a:t>
             </a:r>
             <a:r>
-              <a:rPr lang="es-ES" sz="1600" dirty="0" err="1" smtClean="0"/>
+              <a:rPr lang="es-ES" sz="1600" dirty="0" err="1"/>
               <a:t>order</a:t>
             </a:r>
             <a:endParaRPr lang="en-GB" sz="1600" dirty="0"/>
@@ -46162,10 +45736,9 @@
           <a:p>
             <a:pPr algn="ctr"/>
             <a:r>
-              <a:rPr lang="en-GB" dirty="0" smtClean="0"/>
+              <a:rPr lang="en-GB" dirty="0"/>
               <a:t>4.2 overlay module</a:t>
             </a:r>
-            <a:endParaRPr lang="en-GB" dirty="0"/>
           </a:p>
         </p:txBody>
       </p:sp>
@@ -46234,43 +45807,43 @@
           <a:p>
             <a:pPr algn="l"/>
             <a:r>
-              <a:rPr lang="es-ES" sz="1600" dirty="0" err="1" smtClean="0"/>
+              <a:rPr lang="es-ES" sz="1600" dirty="0" err="1"/>
               <a:t>Overlay</a:t>
             </a:r>
             <a:r>
-              <a:rPr lang="es-ES" sz="1600" dirty="0" smtClean="0"/>
+              <a:rPr lang="es-ES" sz="1600" dirty="0"/>
               <a:t> </a:t>
             </a:r>
             <a:r>
-              <a:rPr lang="es-ES" sz="1600" dirty="0" err="1" smtClean="0"/>
+              <a:rPr lang="es-ES" sz="1600" dirty="0" err="1"/>
               <a:t>example</a:t>
             </a:r>
             <a:r>
-              <a:rPr lang="es-ES" sz="1600" dirty="0" smtClean="0"/>
+              <a:rPr lang="es-ES" sz="1600" dirty="0"/>
               <a:t> – </a:t>
             </a:r>
             <a:r>
-              <a:rPr lang="en-GB" sz="2000" b="1" dirty="0" err="1" smtClean="0"/>
+              <a:rPr lang="en-GB" sz="2000" b="1" dirty="0" err="1"/>
               <a:t>TopNStackedColumnAlign</a:t>
             </a:r>
             <a:r>
-              <a:rPr lang="en-GB" sz="2000" b="1" dirty="0" smtClean="0"/>
+              <a:rPr lang="en-GB" sz="2000" b="1" dirty="0"/>
               <a:t> - </a:t>
             </a:r>
             <a:r>
-              <a:rPr lang="es-ES" sz="1600" dirty="0" smtClean="0"/>
+              <a:rPr lang="es-ES" sz="1600" dirty="0"/>
               <a:t>bar chart </a:t>
             </a:r>
             <a:r>
-              <a:rPr lang="es-ES" sz="1600" dirty="0" err="1" smtClean="0"/>
+              <a:rPr lang="es-ES" sz="1600" dirty="0" err="1"/>
               <a:t>with</a:t>
             </a:r>
             <a:r>
-              <a:rPr lang="es-ES" sz="1600" dirty="0" smtClean="0"/>
+              <a:rPr lang="es-ES" sz="1600" dirty="0"/>
               <a:t> reverse </a:t>
             </a:r>
             <a:r>
-              <a:rPr lang="es-ES" sz="1600" dirty="0" err="1" smtClean="0"/>
+              <a:rPr lang="es-ES" sz="1600" dirty="0" err="1"/>
               <a:t>order</a:t>
             </a:r>
             <a:endParaRPr lang="en-GB" sz="1600" dirty="0"/>
@@ -46344,10 +45917,9 @@
           <a:p>
             <a:pPr algn="ctr"/>
             <a:r>
-              <a:rPr lang="en-GB" dirty="0" smtClean="0"/>
+              <a:rPr lang="en-GB" dirty="0"/>
               <a:t>4.2 overlay module</a:t>
             </a:r>
-            <a:endParaRPr lang="en-GB" dirty="0"/>
           </a:p>
         </p:txBody>
       </p:sp>
@@ -46416,27 +45988,27 @@
           <a:p>
             <a:pPr algn="l"/>
             <a:r>
-              <a:rPr lang="es-ES" sz="2000" dirty="0" err="1" smtClean="0"/>
+              <a:rPr lang="es-ES" sz="2000" dirty="0" err="1"/>
               <a:t>Overlay</a:t>
             </a:r>
             <a:r>
-              <a:rPr lang="es-ES" sz="2000" dirty="0" smtClean="0"/>
+              <a:rPr lang="es-ES" sz="2000" dirty="0"/>
               <a:t> </a:t>
             </a:r>
             <a:r>
-              <a:rPr lang="es-ES" sz="2000" dirty="0" err="1" smtClean="0"/>
+              <a:rPr lang="es-ES" sz="2000" dirty="0" err="1"/>
               <a:t>example</a:t>
             </a:r>
             <a:r>
-              <a:rPr lang="es-ES" sz="2000" dirty="0" smtClean="0"/>
+              <a:rPr lang="es-ES" sz="2000" dirty="0"/>
               <a:t> – </a:t>
             </a:r>
             <a:r>
-              <a:rPr lang="en-GB" sz="2000" b="1" dirty="0" err="1" smtClean="0"/>
+              <a:rPr lang="en-GB" sz="2000" b="1" dirty="0" err="1"/>
               <a:t>GenerateOverlayAxisLabels</a:t>
             </a:r>
             <a:r>
-              <a:rPr lang="en-GB" sz="2000" b="1" dirty="0" smtClean="0"/>
+              <a:rPr lang="en-GB" sz="2000" b="1" dirty="0"/>
               <a:t> </a:t>
             </a:r>
             <a:endParaRPr lang="en-GB" sz="2000" dirty="0"/>
@@ -46453,14 +46025,14 @@
             </p:custDataLst>
             <p:extLst>
               <p:ext uri="{D42A27DB-BD31-4B8C-83A1-F6EECF244321}">
-                <p14:modId xmlns:p14="http://schemas.microsoft.com/office/powerpoint/2010/main" val="2761821235"/>
+                <p14:modId xmlns:p14="http://schemas.microsoft.com/office/powerpoint/2010/main" val="3797318623"/>
               </p:ext>
             </p:extLst>
           </p:nvPr>
         </p:nvGraphicFramePr>
         <p:xfrm>
           <a:off x="265081" y="1554480"/>
-          <a:ext cx="9402011" cy="4583853"/>
+          <a:ext cx="9479960" cy="4583853"/>
         </p:xfrm>
         <a:graphic>
           <a:graphicData uri="http://schemas.openxmlformats.org/drawingml/2006/chart">
@@ -46510,196 +46082,9 @@
           <a:p>
             <a:pPr algn="ctr"/>
             <a:r>
-              <a:rPr lang="en-GB" dirty="0" smtClean="0"/>
+              <a:rPr lang="en-GB" dirty="0"/>
               <a:t>4.2 overlay module</a:t>
             </a:r>
-            <a:endParaRPr lang="en-GB" dirty="0"/>
-          </a:p>
-        </p:txBody>
-      </p:sp>
-      <p:sp>
-        <p:nvSpPr>
-          <p:cNvPr id="4" name="Chart 8AL0"/>
-          <p:cNvSpPr txBox="1"/>
-          <p:nvPr/>
-        </p:nvSpPr>
-        <p:spPr>
-          <a:xfrm>
-            <a:off x="571500" y="4230295"/>
-            <a:ext cx="3243765" cy="380968"/>
-          </a:xfrm>
-          <a:prstGeom prst="rect">
-            <a:avLst/>
-          </a:prstGeom>
-          <a:noFill/>
-        </p:spPr>
-        <p:txBody>
-          <a:bodyPr vert="horz" rtlCol="0" anchor="ctr">
-            <a:noAutofit/>
-          </a:bodyPr>
-          <a:lstStyle/>
-          <a:p>
-            <a:pPr algn="r"/>
-            <a:r>
-              <a:rPr lang="en-GB" smtClean="0"/>
-              <a:t>Age Under 20</a:t>
-            </a:r>
-            <a:endParaRPr lang="en-GB"/>
-          </a:p>
-        </p:txBody>
-      </p:sp>
-      <p:sp>
-        <p:nvSpPr>
-          <p:cNvPr id="5" name="Chart 8AL1"/>
-          <p:cNvSpPr txBox="1"/>
-          <p:nvPr/>
-        </p:nvSpPr>
-        <p:spPr>
-          <a:xfrm>
-            <a:off x="571500" y="3849327"/>
-            <a:ext cx="3243765" cy="380968"/>
-          </a:xfrm>
-          <a:prstGeom prst="rect">
-            <a:avLst/>
-          </a:prstGeom>
-          <a:noFill/>
-        </p:spPr>
-        <p:txBody>
-          <a:bodyPr vert="horz" rtlCol="0" anchor="ctr">
-            <a:noAutofit/>
-          </a:bodyPr>
-          <a:lstStyle/>
-          <a:p>
-            <a:pPr algn="r"/>
-            <a:r>
-              <a:rPr lang="en-GB" smtClean="0"/>
-              <a:t>Age 20-25</a:t>
-            </a:r>
-            <a:endParaRPr lang="en-GB"/>
-          </a:p>
-        </p:txBody>
-      </p:sp>
-      <p:sp>
-        <p:nvSpPr>
-          <p:cNvPr id="7" name="Chart 8AL2"/>
-          <p:cNvSpPr txBox="1"/>
-          <p:nvPr/>
-        </p:nvSpPr>
-        <p:spPr>
-          <a:xfrm>
-            <a:off x="571500" y="3468359"/>
-            <a:ext cx="3243765" cy="380968"/>
-          </a:xfrm>
-          <a:prstGeom prst="rect">
-            <a:avLst/>
-          </a:prstGeom>
-          <a:noFill/>
-        </p:spPr>
-        <p:txBody>
-          <a:bodyPr vert="horz" rtlCol="0" anchor="ctr">
-            <a:noAutofit/>
-          </a:bodyPr>
-          <a:lstStyle/>
-          <a:p>
-            <a:pPr algn="r"/>
-            <a:r>
-              <a:rPr lang="en-GB" smtClean="0"/>
-              <a:t>Age 25-35</a:t>
-            </a:r>
-            <a:endParaRPr lang="en-GB"/>
-          </a:p>
-        </p:txBody>
-      </p:sp>
-      <p:sp>
-        <p:nvSpPr>
-          <p:cNvPr id="8" name="Chart 8AL3"/>
-          <p:cNvSpPr txBox="1"/>
-          <p:nvPr/>
-        </p:nvSpPr>
-        <p:spPr>
-          <a:xfrm>
-            <a:off x="571500" y="3087391"/>
-            <a:ext cx="3243765" cy="380968"/>
-          </a:xfrm>
-          <a:prstGeom prst="rect">
-            <a:avLst/>
-          </a:prstGeom>
-          <a:noFill/>
-        </p:spPr>
-        <p:txBody>
-          <a:bodyPr vert="horz" rtlCol="0" anchor="ctr">
-            <a:noAutofit/>
-          </a:bodyPr>
-          <a:lstStyle/>
-          <a:p>
-            <a:pPr algn="r"/>
-            <a:r>
-              <a:rPr lang="en-GB" smtClean="0"/>
-              <a:t>Age 35-45</a:t>
-            </a:r>
-            <a:endParaRPr lang="en-GB"/>
-          </a:p>
-        </p:txBody>
-      </p:sp>
-      <p:sp>
-        <p:nvSpPr>
-          <p:cNvPr id="10" name="Chart 8AL4"/>
-          <p:cNvSpPr txBox="1"/>
-          <p:nvPr/>
-        </p:nvSpPr>
-        <p:spPr>
-          <a:xfrm>
-            <a:off x="571500" y="2706424"/>
-            <a:ext cx="3243765" cy="380968"/>
-          </a:xfrm>
-          <a:prstGeom prst="rect">
-            <a:avLst/>
-          </a:prstGeom>
-          <a:noFill/>
-        </p:spPr>
-        <p:txBody>
-          <a:bodyPr vert="horz" rtlCol="0" anchor="ctr">
-            <a:noAutofit/>
-          </a:bodyPr>
-          <a:lstStyle/>
-          <a:p>
-            <a:pPr algn="r"/>
-            <a:r>
-              <a:rPr lang="en-GB" smtClean="0"/>
-              <a:t>Age 45-55</a:t>
-            </a:r>
-            <a:endParaRPr lang="en-GB"/>
-          </a:p>
-        </p:txBody>
-      </p:sp>
-      <p:sp>
-        <p:nvSpPr>
-          <p:cNvPr id="11" name="Chart 8AL5"/>
-          <p:cNvSpPr txBox="1"/>
-          <p:nvPr/>
-        </p:nvSpPr>
-        <p:spPr>
-          <a:xfrm>
-            <a:off x="571500" y="2325456"/>
-            <a:ext cx="3243765" cy="380968"/>
-          </a:xfrm>
-          <a:prstGeom prst="rect">
-            <a:avLst/>
-          </a:prstGeom>
-          <a:noFill/>
-        </p:spPr>
-        <p:txBody>
-          <a:bodyPr vert="horz" rtlCol="0" anchor="ctr">
-            <a:noAutofit/>
-          </a:bodyPr>
-          <a:lstStyle/>
-          <a:p>
-            <a:pPr algn="r"/>
-            <a:r>
-              <a:rPr lang="en-GB" smtClean="0"/>
-              <a:t>Age 55 Plus</a:t>
-            </a:r>
-            <a:endParaRPr lang="en-GB"/>
           </a:p>
         </p:txBody>
       </p:sp>
@@ -46786,10 +46171,9 @@
           <a:p>
             <a:pPr algn="ctr"/>
             <a:r>
-              <a:rPr lang="en-GB" dirty="0" smtClean="0"/>
+              <a:rPr lang="en-GB" dirty="0"/>
               <a:t>4.2 traffic lights module</a:t>
             </a:r>
-            <a:endParaRPr lang="en-GB" dirty="0"/>
           </a:p>
         </p:txBody>
       </p:sp>
@@ -46985,11 +46369,11 @@
           </a:lstStyle>
           <a:p>
             <a:r>
-              <a:rPr lang="en-GB" sz="2800" smtClean="0"/>
+              <a:rPr lang="en-GB" sz="2800"/>
               <a:t>Trafficlights.</a:t>
             </a:r>
             <a:r>
-              <a:rPr lang="en-GB" sz="2800" b="1" smtClean="0"/>
+              <a:rPr lang="en-GB" sz="2800" b="1"/>
               <a:t> SetTrafficLights(greenLimit,yellowLimit)</a:t>
             </a:r>
             <a:endParaRPr lang="en-GB" sz="2800" dirty="0"/>
@@ -47079,18 +46463,17 @@
           <a:p>
             <a:pPr algn="ctr"/>
             <a:r>
-              <a:rPr lang="en-GB" dirty="0" smtClean="0"/>
+              <a:rPr lang="en-GB" dirty="0"/>
               <a:t>4.2 </a:t>
             </a:r>
             <a:r>
-              <a:rPr lang="en-GB" dirty="0" err="1" smtClean="0"/>
+              <a:rPr lang="en-GB" dirty="0" err="1"/>
               <a:t>trafficlights</a:t>
             </a:r>
             <a:r>
-              <a:rPr lang="en-GB" dirty="0" smtClean="0"/>
+              <a:rPr lang="en-GB" dirty="0"/>
               <a:t> module</a:t>
             </a:r>
-            <a:endParaRPr lang="en-GB" dirty="0"/>
           </a:p>
         </p:txBody>
       </p:sp>
@@ -47137,23 +46520,19 @@
           <a:p>
             <a:pPr algn="l"/>
             <a:r>
-              <a:rPr lang="en-GB" sz="2000" b="1" dirty="0" err="1" smtClean="0"/>
+              <a:rPr lang="en-GB" sz="2000" b="1" dirty="0" err="1"/>
               <a:t>Trafficlights</a:t>
             </a:r>
             <a:r>
-              <a:rPr lang="en-GB" sz="2000" b="1" dirty="0" smtClean="0"/>
-              <a:t>.</a:t>
-            </a:r>
-            <a:r>
               <a:rPr lang="en-GB" sz="2000" b="1" dirty="0"/>
-              <a:t> </a:t>
-            </a:r>
-            <a:r>
-              <a:rPr lang="en-GB" sz="2000" b="1" dirty="0" err="1" smtClean="0"/>
+              <a:t>. </a:t>
+            </a:r>
+            <a:r>
+              <a:rPr lang="en-GB" sz="2000" b="1" dirty="0" err="1"/>
               <a:t>SetTrafficLightsFromMatrix</a:t>
             </a:r>
             <a:r>
-              <a:rPr lang="en-GB" sz="2000" b="1" dirty="0" smtClean="0"/>
+              <a:rPr lang="en-GB" sz="2000" b="1" dirty="0"/>
               <a:t>()</a:t>
             </a:r>
             <a:endParaRPr lang="en-GB" sz="2000" dirty="0"/>
@@ -47276,7 +46655,7 @@
                     <a:lstStyle/>
                     <a:p>
                       <a:r>
-                        <a:rPr lang="en-GB" smtClean="0">
+                        <a:rPr lang="en-GB">
                           <a:solidFill>
                             <a:schemeClr val="tx1"/>
                           </a:solidFill>
@@ -47336,7 +46715,7 @@
                     <a:lstStyle/>
                     <a:p>
                       <a:r>
-                        <a:rPr lang="en-GB" smtClean="0">
+                        <a:rPr lang="en-GB">
                           <a:solidFill>
                             <a:schemeClr val="tx1"/>
                           </a:solidFill>
@@ -47396,7 +46775,7 @@
                     <a:lstStyle/>
                     <a:p>
                       <a:r>
-                        <a:rPr lang="en-GB" smtClean="0">
+                        <a:rPr lang="en-GB">
                           <a:solidFill>
                             <a:schemeClr val="tx1"/>
                           </a:solidFill>
@@ -47463,7 +46842,7 @@
                     <a:lstStyle/>
                     <a:p>
                       <a:r>
-                        <a:rPr lang="en-GB" smtClean="0"/>
+                        <a:rPr lang="en-GB"/>
                         <a:t>Under 20</a:t>
                       </a:r>
                       <a:endParaRPr lang="en-GB" dirty="0"/>
@@ -47515,7 +46894,7 @@
                     <a:lstStyle/>
                     <a:p>
                       <a:r>
-                        <a:rPr lang="en-GB" smtClean="0"/>
+                        <a:rPr lang="en-GB"/>
                         <a:t>51.7%</a:t>
                       </a:r>
                       <a:endParaRPr lang="en-GB" dirty="0"/>
@@ -47567,7 +46946,7 @@
                     <a:lstStyle/>
                     <a:p>
                       <a:r>
-                        <a:rPr lang="en-GB" smtClean="0"/>
+                        <a:rPr lang="en-GB"/>
                         <a:t>10.3%</a:t>
                       </a:r>
                       <a:endParaRPr lang="en-GB" dirty="0"/>
@@ -47679,7 +47058,7 @@
                     <a:lstStyle/>
                     <a:p>
                       <a:r>
-                        <a:rPr lang="en-GB" smtClean="0"/>
+                        <a:rPr lang="en-GB"/>
                         <a:t>20-25</a:t>
                       </a:r>
                       <a:endParaRPr lang="en-GB" dirty="0"/>
@@ -47731,7 +47110,7 @@
                     <a:lstStyle/>
                     <a:p>
                       <a:r>
-                        <a:rPr lang="en-GB" smtClean="0"/>
+                        <a:rPr lang="en-GB"/>
                         <a:t>25.0%</a:t>
                       </a:r>
                       <a:endParaRPr lang="en-GB" dirty="0"/>
@@ -47783,7 +47162,7 @@
                     <a:lstStyle/>
                     <a:p>
                       <a:r>
-                        <a:rPr lang="en-GB" smtClean="0"/>
+                        <a:rPr lang="en-GB"/>
                         <a:t>12.5%</a:t>
                       </a:r>
                       <a:endParaRPr lang="en-GB" dirty="0"/>
@@ -47895,10 +47274,9 @@
                     <a:lstStyle/>
                     <a:p>
                       <a:r>
-                        <a:rPr lang="en-GB" smtClean="0"/>
+                        <a:rPr lang="en-GB"/>
                         <a:t>25-35</a:t>
                       </a:r>
-                      <a:endParaRPr lang="en-GB"/>
                     </a:p>
                   </a:txBody>
                   <a:tcPr>
@@ -47947,7 +47325,7 @@
                     <a:lstStyle/>
                     <a:p>
                       <a:r>
-                        <a:rPr lang="en-GB" smtClean="0"/>
+                        <a:rPr lang="en-GB"/>
                         <a:t>30.4%</a:t>
                       </a:r>
                       <a:endParaRPr lang="en-GB" dirty="0"/>
@@ -47999,7 +47377,7 @@
                     <a:lstStyle/>
                     <a:p>
                       <a:r>
-                        <a:rPr lang="en-GB" smtClean="0"/>
+                        <a:rPr lang="en-GB"/>
                         <a:t>8.7%</a:t>
                       </a:r>
                       <a:endParaRPr lang="en-GB" dirty="0"/>
@@ -48111,7 +47489,7 @@
                     <a:lstStyle/>
                     <a:p>
                       <a:r>
-                        <a:rPr lang="en-GB" smtClean="0"/>
+                        <a:rPr lang="en-GB"/>
                         <a:t>35-45</a:t>
                       </a:r>
                       <a:endParaRPr lang="en-GB" dirty="0"/>
@@ -48163,7 +47541,7 @@
                     <a:lstStyle/>
                     <a:p>
                       <a:r>
-                        <a:rPr lang="en-GB" smtClean="0"/>
+                        <a:rPr lang="en-GB"/>
                         <a:t>18.5%</a:t>
                       </a:r>
                       <a:endParaRPr lang="en-GB" dirty="0"/>
@@ -48215,7 +47593,7 @@
                     <a:lstStyle/>
                     <a:p>
                       <a:r>
-                        <a:rPr lang="en-GB" smtClean="0"/>
+                        <a:rPr lang="en-GB"/>
                         <a:t>29.6%</a:t>
                       </a:r>
                       <a:endParaRPr lang="en-GB" dirty="0"/>
@@ -48327,7 +47705,7 @@
                     <a:lstStyle/>
                     <a:p>
                       <a:r>
-                        <a:rPr lang="en-GB" smtClean="0"/>
+                        <a:rPr lang="en-GB"/>
                         <a:t>45-55</a:t>
                       </a:r>
                       <a:endParaRPr lang="en-GB" dirty="0"/>
@@ -48379,10 +47757,9 @@
                     <a:lstStyle/>
                     <a:p>
                       <a:r>
-                        <a:rPr lang="en-GB" smtClean="0"/>
+                        <a:rPr lang="en-GB"/>
                         <a:t>18.5%</a:t>
                       </a:r>
-                      <a:endParaRPr lang="en-GB"/>
                     </a:p>
                   </a:txBody>
                   <a:tcPr>
@@ -48431,7 +47808,7 @@
                     <a:lstStyle/>
                     <a:p>
                       <a:r>
-                        <a:rPr lang="en-GB" smtClean="0"/>
+                        <a:rPr lang="en-GB"/>
                         <a:t>22.2%</a:t>
                       </a:r>
                       <a:endParaRPr lang="en-GB" dirty="0"/>
@@ -48543,10 +47920,9 @@
                     <a:lstStyle/>
                     <a:p>
                       <a:r>
-                        <a:rPr lang="en-GB" smtClean="0"/>
+                        <a:rPr lang="en-GB"/>
                         <a:t>55 Plus</a:t>
                       </a:r>
-                      <a:endParaRPr lang="en-GB"/>
                     </a:p>
                   </a:txBody>
                   <a:tcPr>
@@ -48595,7 +47971,7 @@
                     <a:lstStyle/>
                     <a:p>
                       <a:r>
-                        <a:rPr lang="en-GB" smtClean="0"/>
+                        <a:rPr lang="en-GB"/>
                         <a:t>27.5%</a:t>
                       </a:r>
                       <a:endParaRPr lang="en-GB" dirty="0"/>
@@ -48647,7 +48023,7 @@
                     <a:lstStyle/>
                     <a:p>
                       <a:r>
-                        <a:rPr lang="en-GB" smtClean="0"/>
+                        <a:rPr lang="en-GB"/>
                         <a:t>30.0%</a:t>
                       </a:r>
                       <a:endParaRPr lang="en-GB" dirty="0"/>
@@ -48824,7 +48200,7 @@
           <a:p>
             <a:pPr algn="l"/>
             <a:r>
-              <a:rPr lang="en-GB" sz="1600" smtClean="0"/>
+              <a:rPr lang="en-GB" sz="1600"/>
               <a:t>SortRows(byColumn=1)
 ['40%', '21%', '20%', '19%', '17%', '13%', '10%', '7%', '6%']</a:t>
             </a:r>
@@ -48897,18 +48273,17 @@
           <a:p>
             <a:pPr algn="ctr"/>
             <a:r>
-              <a:rPr lang="en-GB" dirty="0" smtClean="0"/>
+              <a:rPr lang="en-GB" dirty="0"/>
               <a:t>4.2 </a:t>
             </a:r>
             <a:r>
-              <a:rPr lang="en-GB" dirty="0" err="1" smtClean="0"/>
+              <a:rPr lang="en-GB" dirty="0" err="1"/>
               <a:t>transformations.sorting</a:t>
             </a:r>
             <a:r>
-              <a:rPr lang="en-GB" dirty="0" smtClean="0"/>
+              <a:rPr lang="en-GB" dirty="0"/>
               <a:t> module</a:t>
             </a:r>
-            <a:endParaRPr lang="en-GB" dirty="0"/>
           </a:p>
         </p:txBody>
       </p:sp>
@@ -48980,7 +48355,7 @@
           <a:p>
             <a:pPr algn="l"/>
             <a:r>
-              <a:rPr lang="en-GB" sz="1600" smtClean="0"/>
+              <a:rPr lang="en-GB" sz="1600"/>
               <a:t>SortColumns() - default ( vals from row 1 only)
 ['26%', '21%', '18%', '18%', '16%', '15%', '11%', '10%', '9%']</a:t>
             </a:r>
@@ -49053,18 +48428,17 @@
           <a:p>
             <a:pPr algn="ctr"/>
             <a:r>
-              <a:rPr lang="en-GB" dirty="0" smtClean="0"/>
+              <a:rPr lang="en-GB" dirty="0"/>
               <a:t>4.2 </a:t>
             </a:r>
             <a:r>
-              <a:rPr lang="en-GB" dirty="0" err="1" smtClean="0"/>
+              <a:rPr lang="en-GB" dirty="0" err="1"/>
               <a:t>transformations.sorting</a:t>
             </a:r>
             <a:r>
-              <a:rPr lang="en-GB" dirty="0" smtClean="0"/>
+              <a:rPr lang="en-GB" dirty="0"/>
               <a:t> module</a:t>
             </a:r>
-            <a:endParaRPr lang="en-GB" dirty="0"/>
           </a:p>
         </p:txBody>
       </p:sp>
@@ -49136,7 +48510,7 @@
           <a:p>
             <a:pPr algn="l"/>
             <a:r>
-              <a:rPr lang="en-GB" sz="1600" smtClean="0"/>
+              <a:rPr lang="en-GB" sz="1600"/>
               <a:t>SortColumns(byRow=1)
 ['40%', '21%', '20%', '19%', '17%', '13%', '10%', '7%', '6%']</a:t>
             </a:r>
@@ -49209,18 +48583,17 @@
           <a:p>
             <a:pPr algn="ctr"/>
             <a:r>
-              <a:rPr lang="en-GB" dirty="0" smtClean="0"/>
+              <a:rPr lang="en-GB" dirty="0"/>
               <a:t>4.2 </a:t>
             </a:r>
             <a:r>
-              <a:rPr lang="en-GB" dirty="0" err="1" smtClean="0"/>
+              <a:rPr lang="en-GB" dirty="0" err="1"/>
               <a:t>transformations.sorting</a:t>
             </a:r>
             <a:r>
-              <a:rPr lang="en-GB" dirty="0" smtClean="0"/>
+              <a:rPr lang="en-GB" dirty="0"/>
               <a:t> module</a:t>
             </a:r>
-            <a:endParaRPr lang="en-GB" dirty="0"/>
           </a:p>
         </p:txBody>
       </p:sp>
@@ -49292,7 +48665,7 @@
           <a:p>
             <a:pPr algn="l"/>
             <a:r>
-              <a:rPr lang="en-GB" sz="1600" smtClean="0"/>
+              <a:rPr lang="en-GB" sz="1600"/>
               <a:t>BaseSummaryToSeriesHeadings['Top 2 (n=26%)', 'Bottom 2 (n=18%)', 'Strongly Agree (n=15%)', 'Agree (n=11%)', 'Somewhat Agree (n=16%)', 'Neither Disagree nor Agree (n=21%)', 'Somewhat Disagree (n=18%)', 'Disagree (n=9%)', 'Strongly Disagree (n=10%)']</a:t>
             </a:r>
             <a:endParaRPr lang="en-GB" sz="1600" dirty="0"/>
@@ -49364,18 +48737,17 @@
           <a:p>
             <a:pPr algn="ctr"/>
             <a:r>
-              <a:rPr lang="en-GB" dirty="0" smtClean="0"/>
+              <a:rPr lang="en-GB" dirty="0"/>
               <a:t>4.2 </a:t>
             </a:r>
             <a:r>
-              <a:rPr lang="en-GB" dirty="0" err="1" smtClean="0"/>
+              <a:rPr lang="en-GB" dirty="0" err="1"/>
               <a:t>transformations.base_summaries</a:t>
             </a:r>
             <a:r>
-              <a:rPr lang="en-GB" dirty="0" smtClean="0"/>
+              <a:rPr lang="en-GB" dirty="0"/>
               <a:t> module</a:t>
             </a:r>
-            <a:endParaRPr lang="en-GB" dirty="0"/>
           </a:p>
         </p:txBody>
       </p:sp>
@@ -49447,7 +48819,7 @@
           <a:p>
             <a:pPr algn="l"/>
             <a:r>
-              <a:rPr lang="en-GB" sz="1600" smtClean="0"/>
+              <a:rPr lang="en-GB" sz="1600"/>
               <a:t>BaseSummaryToCategoryHeadings['Male (n=92)', 'Female (n=86)']</a:t>
             </a:r>
             <a:endParaRPr lang="en-GB" sz="1600" dirty="0"/>
@@ -49519,18 +48891,17 @@
           <a:p>
             <a:pPr algn="ctr"/>
             <a:r>
-              <a:rPr lang="en-GB" dirty="0" smtClean="0"/>
+              <a:rPr lang="en-GB" dirty="0"/>
               <a:t>4.2 </a:t>
             </a:r>
             <a:r>
-              <a:rPr lang="en-GB" dirty="0" err="1" smtClean="0"/>
+              <a:rPr lang="en-GB" dirty="0" err="1"/>
               <a:t>transformations.base_summaries</a:t>
             </a:r>
             <a:r>
-              <a:rPr lang="en-GB" dirty="0" smtClean="0"/>
+              <a:rPr lang="en-GB" dirty="0"/>
               <a:t> module</a:t>
             </a:r>
-            <a:endParaRPr lang="en-GB" dirty="0"/>
           </a:p>
         </p:txBody>
       </p:sp>
@@ -49602,7 +48973,7 @@
           <a:p>
             <a:pPr algn="l"/>
             <a:r>
-              <a:rPr lang="pt-BR" sz="1600" smtClean="0"/>
+              <a:rPr lang="pt-BR" sz="1600"/>
               <a:t>BaseSummaryToTableRows['(n=26%)', '(n=18%)', '(n=15%)', '(n=11%)', '(n=16%)', '(n=21%)', '(n=18%)', '(n=9%)', '(n=10%)']</a:t>
             </a:r>
             <a:endParaRPr lang="en-GB" sz="1600" dirty="0"/>
@@ -49674,18 +49045,17 @@
           <a:p>
             <a:pPr algn="ctr"/>
             <a:r>
-              <a:rPr lang="en-GB" dirty="0" smtClean="0"/>
+              <a:rPr lang="en-GB" dirty="0"/>
               <a:t>4.2 </a:t>
             </a:r>
             <a:r>
-              <a:rPr lang="en-GB" dirty="0" err="1" smtClean="0"/>
+              <a:rPr lang="en-GB" dirty="0" err="1"/>
               <a:t>transformations.base_summaries</a:t>
             </a:r>
             <a:r>
-              <a:rPr lang="en-GB" dirty="0" smtClean="0"/>
+              <a:rPr lang="en-GB" dirty="0"/>
               <a:t> module</a:t>
             </a:r>
-            <a:endParaRPr lang="en-GB" dirty="0"/>
           </a:p>
         </p:txBody>
       </p:sp>
@@ -49757,7 +49127,7 @@
           <a:p>
             <a:pPr algn="l"/>
             <a:r>
-              <a:rPr lang="en-GB" sz="1600" smtClean="0"/>
+              <a:rPr lang="en-GB" sz="1600"/>
               <a:t>TopNSummary(2) Top 2 - 12%</a:t>
             </a:r>
             <a:endParaRPr lang="en-GB" sz="1600" dirty="0"/>
@@ -49829,18 +49199,17 @@
           <a:p>
             <a:pPr algn="ctr"/>
             <a:r>
-              <a:rPr lang="en-GB" dirty="0" smtClean="0"/>
+              <a:rPr lang="en-GB" dirty="0"/>
               <a:t>4.2 </a:t>
             </a:r>
             <a:r>
-              <a:rPr lang="en-GB" dirty="0" err="1" smtClean="0"/>
+              <a:rPr lang="en-GB" dirty="0" err="1"/>
               <a:t>transformations.compute</a:t>
             </a:r>
             <a:r>
-              <a:rPr lang="en-GB" dirty="0" smtClean="0"/>
+              <a:rPr lang="en-GB" dirty="0"/>
               <a:t> module</a:t>
             </a:r>
-            <a:endParaRPr lang="en-GB" dirty="0"/>
           </a:p>
         </p:txBody>
       </p:sp>
@@ -49880,36 +49249,36 @@
           <a:lstStyle/>
           <a:p>
             <a:r>
-              <a:rPr lang="en-GB" sz="800" dirty="0" smtClean="0"/>
+              <a:rPr lang="en-GB" sz="800" dirty="0"/>
               <a:t>NOTE: Installed </a:t>
             </a:r>
             <a:r>
-              <a:rPr lang="en-GB" sz="800" dirty="0" err="1" smtClean="0"/>
+              <a:rPr lang="en-GB" sz="800" dirty="0" err="1"/>
               <a:t>Transformations.compute</a:t>
             </a:r>
             <a:r>
-              <a:rPr lang="en-GB" sz="800" dirty="0" smtClean="0"/>
+              <a:rPr lang="en-GB" sz="800" dirty="0"/>
               <a:t> </a:t>
             </a:r>
             <a:r>
-              <a:rPr lang="en-GB" sz="800" dirty="0" err="1" smtClean="0"/>
+              <a:rPr lang="en-GB" sz="800" dirty="0" err="1"/>
               <a:t>TopNSummary</a:t>
             </a:r>
             <a:r>
-              <a:rPr lang="en-GB" sz="800" dirty="0" smtClean="0"/>
+              <a:rPr lang="en-GB" sz="800" dirty="0"/>
               <a:t> function fails to run, and is specific to a </a:t>
             </a:r>
             <a:r>
-              <a:rPr lang="en-GB" sz="800" dirty="0" err="1" smtClean="0"/>
+              <a:rPr lang="en-GB" sz="800" dirty="0" err="1"/>
               <a:t>german</a:t>
             </a:r>
             <a:r>
-              <a:rPr lang="en-GB" sz="800" dirty="0" smtClean="0"/>
+              <a:rPr lang="en-GB" sz="800" dirty="0"/>
               <a:t> script.   Update as follows:</a:t>
             </a:r>
           </a:p>
           <a:p>
-            <a:endParaRPr lang="en-GB" sz="800" dirty="0" smtClean="0"/>
+            <a:endParaRPr lang="en-GB" sz="800" dirty="0"/>
           </a:p>
           <a:p>
             <a:r>
